--- a/21410068.pptx
+++ b/21410068.pptx
@@ -208,7 +208,7 @@
           <a:p>
             <a:fld id="{4BA3CC75-01B8-4CA7-A555-413071301F70}" type="datetimeFigureOut">
               <a:rPr kumimoji="1" lang="ja-JP" altLang="en-US" smtClean="0"/>
-              <a:t>2024/7/10</a:t>
+              <a:t>2024/7/12</a:t>
             </a:fld>
             <a:endParaRPr kumimoji="1" lang="ja-JP" altLang="en-US"/>
           </a:p>
@@ -1262,7 +1262,7 @@
           <a:p>
             <a:fld id="{0852635A-DA1F-4D2F-B964-274377B88389}" type="datetimeFigureOut">
               <a:rPr kumimoji="1" lang="ja-JP" altLang="en-US" smtClean="0"/>
-              <a:t>2024/7/10</a:t>
+              <a:t>2024/7/12</a:t>
             </a:fld>
             <a:endParaRPr kumimoji="1" lang="ja-JP" altLang="en-US"/>
           </a:p>
@@ -1492,7 +1492,7 @@
           <a:p>
             <a:fld id="{0852635A-DA1F-4D2F-B964-274377B88389}" type="datetimeFigureOut">
               <a:rPr kumimoji="1" lang="ja-JP" altLang="en-US" smtClean="0"/>
-              <a:t>2024/7/10</a:t>
+              <a:t>2024/7/12</a:t>
             </a:fld>
             <a:endParaRPr kumimoji="1" lang="ja-JP" altLang="en-US"/>
           </a:p>
@@ -1732,7 +1732,7 @@
           <a:p>
             <a:fld id="{0852635A-DA1F-4D2F-B964-274377B88389}" type="datetimeFigureOut">
               <a:rPr kumimoji="1" lang="ja-JP" altLang="en-US" smtClean="0"/>
-              <a:t>2024/7/10</a:t>
+              <a:t>2024/7/12</a:t>
             </a:fld>
             <a:endParaRPr kumimoji="1" lang="ja-JP" altLang="en-US"/>
           </a:p>
@@ -1962,7 +1962,7 @@
           <a:p>
             <a:fld id="{0852635A-DA1F-4D2F-B964-274377B88389}" type="datetimeFigureOut">
               <a:rPr kumimoji="1" lang="ja-JP" altLang="en-US" smtClean="0"/>
-              <a:t>2024/7/10</a:t>
+              <a:t>2024/7/12</a:t>
             </a:fld>
             <a:endParaRPr kumimoji="1" lang="ja-JP" altLang="en-US"/>
           </a:p>
@@ -2237,7 +2237,7 @@
           <a:p>
             <a:fld id="{0852635A-DA1F-4D2F-B964-274377B88389}" type="datetimeFigureOut">
               <a:rPr kumimoji="1" lang="ja-JP" altLang="en-US" smtClean="0"/>
-              <a:t>2024/7/10</a:t>
+              <a:t>2024/7/12</a:t>
             </a:fld>
             <a:endParaRPr kumimoji="1" lang="ja-JP" altLang="en-US"/>
           </a:p>
@@ -2566,7 +2566,7 @@
           <a:p>
             <a:fld id="{0852635A-DA1F-4D2F-B964-274377B88389}" type="datetimeFigureOut">
               <a:rPr kumimoji="1" lang="ja-JP" altLang="en-US" smtClean="0"/>
-              <a:t>2024/7/10</a:t>
+              <a:t>2024/7/12</a:t>
             </a:fld>
             <a:endParaRPr kumimoji="1" lang="ja-JP" altLang="en-US"/>
           </a:p>
@@ -3042,7 +3042,7 @@
           <a:p>
             <a:fld id="{0852635A-DA1F-4D2F-B964-274377B88389}" type="datetimeFigureOut">
               <a:rPr kumimoji="1" lang="ja-JP" altLang="en-US" smtClean="0"/>
-              <a:t>2024/7/10</a:t>
+              <a:t>2024/7/12</a:t>
             </a:fld>
             <a:endParaRPr kumimoji="1" lang="ja-JP" altLang="en-US"/>
           </a:p>
@@ -3183,7 +3183,7 @@
           <a:p>
             <a:fld id="{0852635A-DA1F-4D2F-B964-274377B88389}" type="datetimeFigureOut">
               <a:rPr kumimoji="1" lang="ja-JP" altLang="en-US" smtClean="0"/>
-              <a:t>2024/7/10</a:t>
+              <a:t>2024/7/12</a:t>
             </a:fld>
             <a:endParaRPr kumimoji="1" lang="ja-JP" altLang="en-US"/>
           </a:p>
@@ -3296,7 +3296,7 @@
           <a:p>
             <a:fld id="{0852635A-DA1F-4D2F-B964-274377B88389}" type="datetimeFigureOut">
               <a:rPr kumimoji="1" lang="ja-JP" altLang="en-US" smtClean="0"/>
-              <a:t>2024/7/10</a:t>
+              <a:t>2024/7/12</a:t>
             </a:fld>
             <a:endParaRPr kumimoji="1" lang="ja-JP" altLang="en-US"/>
           </a:p>
@@ -3639,7 +3639,7 @@
           <a:p>
             <a:fld id="{0852635A-DA1F-4D2F-B964-274377B88389}" type="datetimeFigureOut">
               <a:rPr kumimoji="1" lang="ja-JP" altLang="en-US" smtClean="0"/>
-              <a:t>2024/7/10</a:t>
+              <a:t>2024/7/12</a:t>
             </a:fld>
             <a:endParaRPr kumimoji="1" lang="ja-JP" altLang="en-US"/>
           </a:p>
@@ -3927,7 +3927,7 @@
           <a:p>
             <a:fld id="{0852635A-DA1F-4D2F-B964-274377B88389}" type="datetimeFigureOut">
               <a:rPr kumimoji="1" lang="ja-JP" altLang="en-US" smtClean="0"/>
-              <a:t>2024/7/10</a:t>
+              <a:t>2024/7/12</a:t>
             </a:fld>
             <a:endParaRPr kumimoji="1" lang="ja-JP" altLang="en-US"/>
           </a:p>
@@ -4200,7 +4200,7 @@
           <a:p>
             <a:fld id="{0852635A-DA1F-4D2F-B964-274377B88389}" type="datetimeFigureOut">
               <a:rPr kumimoji="1" lang="ja-JP" altLang="en-US" smtClean="0"/>
-              <a:t>2024/7/10</a:t>
+              <a:t>2024/7/12</a:t>
             </a:fld>
             <a:endParaRPr kumimoji="1" lang="ja-JP" altLang="en-US"/>
           </a:p>
@@ -11872,8 +11872,8 @@
         </p:nvSpPr>
         <p:spPr>
           <a:xfrm>
-            <a:off x="3502135" y="4001587"/>
-            <a:ext cx="5188034" cy="682079"/>
+            <a:off x="3502135" y="4001586"/>
+            <a:ext cx="5188034" cy="1267643"/>
           </a:xfrm>
         </p:spPr>
         <p:txBody>
@@ -11883,29 +11883,51 @@
           <a:lstStyle/>
           <a:p>
             <a:r>
-              <a:rPr kumimoji="1" lang="ja-JP" altLang="en-US" sz="1500">
+              <a:rPr kumimoji="1" lang="ja-JP" altLang="en-US" sz="1500" dirty="0">
                 <a:solidFill>
                   <a:schemeClr val="tx2"/>
                 </a:solidFill>
               </a:rPr>
-              <a:t>ＡＩプログラミング</a:t>
+              <a:t>モバイル開発</a:t>
             </a:r>
-            <a:endParaRPr kumimoji="1" lang="en-US" altLang="ja-JP" sz="1500">
+            <a:endParaRPr kumimoji="1" lang="en-US" altLang="ja-JP" sz="1500" dirty="0">
               <a:solidFill>
                 <a:schemeClr val="tx2"/>
               </a:solidFill>
             </a:endParaRPr>
           </a:p>
           <a:p>
-            <a:r>
-              <a:rPr lang="en-US" altLang="ja-JP" sz="1500">
+            <a:br>
+              <a:rPr kumimoji="1" lang="en-US" altLang="ja-JP" sz="1500" dirty="0">
                 <a:solidFill>
                   <a:schemeClr val="tx2"/>
                 </a:solidFill>
               </a:rPr>
-              <a:t>ChatGPT</a:t>
+            </a:br>
+            <a:r>
+              <a:rPr kumimoji="1" lang="en-US" altLang="ja-JP" sz="1500" dirty="0">
+                <a:solidFill>
+                  <a:schemeClr val="tx2"/>
+                </a:solidFill>
+              </a:rPr>
+              <a:t>Flutter :3.19.6</a:t>
             </a:r>
-            <a:endParaRPr kumimoji="1" lang="ja-JP" altLang="en-US" sz="1500">
+            <a:br>
+              <a:rPr kumimoji="1" lang="en-US" altLang="ja-JP" sz="1500" dirty="0">
+                <a:solidFill>
+                  <a:schemeClr val="tx2"/>
+                </a:solidFill>
+              </a:rPr>
+            </a:br>
+            <a:r>
+              <a:rPr kumimoji="1" lang="en-US" altLang="ja-JP" sz="1500" dirty="0">
+                <a:solidFill>
+                  <a:schemeClr val="tx2"/>
+                </a:solidFill>
+              </a:rPr>
+              <a:t>Dart :3.3.4</a:t>
+            </a:r>
+            <a:endParaRPr kumimoji="1" lang="ja-JP" altLang="en-US" sz="1500" dirty="0">
               <a:solidFill>
                 <a:schemeClr val="tx2"/>
               </a:solidFill>
@@ -14087,12 +14109,12 @@
           <a:chExt cx="0" cy="0"/>
         </a:xfrm>
       </p:grpSpPr>
-      <p:sp useBgFill="1">
+      <p:sp>
         <p:nvSpPr>
-          <p:cNvPr id="16" name="Rectangle 9">
+          <p:cNvPr id="22" name="Rectangle 21">
             <a:extLst>
               <a:ext uri="{FF2B5EF4-FFF2-40B4-BE49-F238E27FC236}">
-                <a16:creationId xmlns:a16="http://schemas.microsoft.com/office/drawing/2014/main" id="{3C54F4CE-85F0-46ED-80DA-9518C9251AD1}"/>
+                <a16:creationId xmlns:a16="http://schemas.microsoft.com/office/drawing/2014/main" id="{6753252F-4873-4F63-801D-CC719279A7D5}"/>
               </a:ext>
               <a:ext uri="{C183D7F6-B498-43B3-948B-1728B52AA6E4}">
                 <adec:decorative xmlns:adec="http://schemas.microsoft.com/office/drawing/2017/decorative" val="1"/>
@@ -14118,25 +14140,12 @@
           <a:prstGeom prst="rect">
             <a:avLst/>
           </a:prstGeom>
-          <a:ln w="12700" cap="flat" cmpd="sng" algn="ctr">
+          <a:solidFill>
+            <a:srgbClr val="FFFFFF"/>
+          </a:solidFill>
+          <a:ln>
             <a:noFill/>
-            <a:prstDash val="solid"/>
-            <a:miter lim="800000"/>
           </a:ln>
-          <a:effectLst/>
-          <a:extLst>
-            <a:ext uri="{91240B29-F687-4F45-9708-019B960494DF}">
-              <a14:hiddenLine xmlns:a14="http://schemas.microsoft.com/office/drawing/2010/main" w="12700" cap="flat" cmpd="sng" algn="ctr">
-                <a:solidFill>
-                  <a:schemeClr val="accent1">
-                    <a:shade val="50000"/>
-                  </a:schemeClr>
-                </a:solidFill>
-                <a:prstDash val="solid"/>
-                <a:miter lim="800000"/>
-              </a14:hiddenLine>
-            </a:ext>
-          </a:extLst>
         </p:spPr>
         <p:style>
           <a:lnRef idx="2">
@@ -14165,10 +14174,10 @@
       </p:sp>
       <p:sp>
         <p:nvSpPr>
-          <p:cNvPr id="17" name="Freeform: Shape 11">
+          <p:cNvPr id="24" name="Rectangle 23">
             <a:extLst>
               <a:ext uri="{FF2B5EF4-FFF2-40B4-BE49-F238E27FC236}">
-                <a16:creationId xmlns:a16="http://schemas.microsoft.com/office/drawing/2014/main" id="{DADD1FCA-8ACB-4958-81DD-4CDD6D3E1921}"/>
+                <a16:creationId xmlns:a16="http://schemas.microsoft.com/office/drawing/2014/main" id="{047C8CCB-F95D-4249-92DD-651249D3535A}"/>
               </a:ext>
               <a:ext uri="{C183D7F6-B498-43B3-948B-1728B52AA6E4}">
                 <adec:decorative xmlns:adec="http://schemas.microsoft.com/office/drawing/2017/decorative" val="1"/>
@@ -14187,2483 +14196,19 @@
           </p:nvPr>
         </p:nvSpPr>
         <p:spPr>
-          <a:xfrm flipH="1">
+          <a:xfrm>
             <a:off x="0" y="0"/>
-            <a:ext cx="5802086" cy="6858000"/>
+            <a:ext cx="2013557" cy="6858000"/>
           </a:xfrm>
-          <a:custGeom>
+          <a:prstGeom prst="rect">
             <a:avLst/>
-            <a:gdLst>
-              <a:gd name="connsiteX0" fmla="*/ 5734864 w 5734864"/>
-              <a:gd name="connsiteY0" fmla="*/ 0 h 6858000"/>
-              <a:gd name="connsiteX1" fmla="*/ 771611 w 5734864"/>
-              <a:gd name="connsiteY1" fmla="*/ 0 h 6858000"/>
-              <a:gd name="connsiteX2" fmla="*/ 771679 w 5734864"/>
-              <a:gd name="connsiteY2" fmla="*/ 49108 h 6858000"/>
-              <a:gd name="connsiteX3" fmla="*/ 794248 w 5734864"/>
-              <a:gd name="connsiteY3" fmla="*/ 200968 h 6858000"/>
-              <a:gd name="connsiteX4" fmla="*/ 801749 w 5734864"/>
-              <a:gd name="connsiteY4" fmla="*/ 414071 h 6858000"/>
-              <a:gd name="connsiteX5" fmla="*/ 818548 w 5734864"/>
-              <a:gd name="connsiteY5" fmla="*/ 585467 h 6858000"/>
-              <a:gd name="connsiteX6" fmla="*/ 857476 w 5734864"/>
-              <a:gd name="connsiteY6" fmla="*/ 800623 h 6858000"/>
-              <a:gd name="connsiteX7" fmla="*/ 851083 w 5734864"/>
-              <a:gd name="connsiteY7" fmla="*/ 878903 h 6858000"/>
-              <a:gd name="connsiteX8" fmla="*/ 873564 w 5734864"/>
-              <a:gd name="connsiteY8" fmla="*/ 943826 h 6858000"/>
-              <a:gd name="connsiteX9" fmla="*/ 864705 w 5734864"/>
-              <a:gd name="connsiteY9" fmla="*/ 973328 h 6858000"/>
-              <a:gd name="connsiteX10" fmla="*/ 862869 w 5734864"/>
-              <a:gd name="connsiteY10" fmla="*/ 978457 h 6858000"/>
-              <a:gd name="connsiteX11" fmla="*/ 862233 w 5734864"/>
-              <a:gd name="connsiteY11" fmla="*/ 998041 h 6858000"/>
-              <a:gd name="connsiteX12" fmla="*/ 853665 w 5734864"/>
-              <a:gd name="connsiteY12" fmla="*/ 1004750 h 6858000"/>
-              <a:gd name="connsiteX13" fmla="*/ 846695 w 5734864"/>
-              <a:gd name="connsiteY13" fmla="*/ 1035077 h 6858000"/>
-              <a:gd name="connsiteX14" fmla="*/ 847865 w 5734864"/>
-              <a:gd name="connsiteY14" fmla="*/ 1070795 h 6858000"/>
-              <a:gd name="connsiteX15" fmla="*/ 862786 w 5734864"/>
-              <a:gd name="connsiteY15" fmla="*/ 1238994 h 6858000"/>
-              <a:gd name="connsiteX16" fmla="*/ 859345 w 5734864"/>
-              <a:gd name="connsiteY16" fmla="*/ 1380427 h 6858000"/>
-              <a:gd name="connsiteX17" fmla="*/ 855172 w 5734864"/>
-              <a:gd name="connsiteY17" fmla="*/ 1435262 h 6858000"/>
-              <a:gd name="connsiteX18" fmla="*/ 860494 w 5734864"/>
-              <a:gd name="connsiteY18" fmla="*/ 1453861 h 6858000"/>
-              <a:gd name="connsiteX19" fmla="*/ 853731 w 5734864"/>
-              <a:gd name="connsiteY19" fmla="*/ 1467047 h 6858000"/>
-              <a:gd name="connsiteX20" fmla="*/ 845847 w 5734864"/>
-              <a:gd name="connsiteY20" fmla="*/ 1502307 h 6858000"/>
-              <a:gd name="connsiteX21" fmla="*/ 817613 w 5734864"/>
-              <a:gd name="connsiteY21" fmla="*/ 1565166 h 6858000"/>
-              <a:gd name="connsiteX22" fmla="*/ 804223 w 5734864"/>
-              <a:gd name="connsiteY22" fmla="*/ 1601941 h 6858000"/>
-              <a:gd name="connsiteX23" fmla="*/ 791773 w 5734864"/>
-              <a:gd name="connsiteY23" fmla="*/ 1627005 h 6858000"/>
-              <a:gd name="connsiteX24" fmla="*/ 774645 w 5734864"/>
-              <a:gd name="connsiteY24" fmla="*/ 1699922 h 6858000"/>
-              <a:gd name="connsiteX25" fmla="*/ 752343 w 5734864"/>
-              <a:gd name="connsiteY25" fmla="*/ 1824604 h 6858000"/>
-              <a:gd name="connsiteX26" fmla="*/ 746254 w 5734864"/>
-              <a:gd name="connsiteY26" fmla="*/ 1850222 h 6858000"/>
-              <a:gd name="connsiteX27" fmla="*/ 728600 w 5734864"/>
-              <a:gd name="connsiteY27" fmla="*/ 1869603 h 6858000"/>
-              <a:gd name="connsiteX28" fmla="*/ 724396 w 5734864"/>
-              <a:gd name="connsiteY28" fmla="*/ 1883104 h 6858000"/>
-              <a:gd name="connsiteX29" fmla="*/ 722165 w 5734864"/>
-              <a:gd name="connsiteY29" fmla="*/ 1885924 h 6858000"/>
-              <a:gd name="connsiteX30" fmla="*/ 721338 w 5734864"/>
-              <a:gd name="connsiteY30" fmla="*/ 1887123 h 6858000"/>
-              <a:gd name="connsiteX31" fmla="*/ 714840 w 5734864"/>
-              <a:gd name="connsiteY31" fmla="*/ 1902274 h 6858000"/>
-              <a:gd name="connsiteX32" fmla="*/ 722847 w 5734864"/>
-              <a:gd name="connsiteY32" fmla="*/ 1929891 h 6858000"/>
-              <a:gd name="connsiteX33" fmla="*/ 719647 w 5734864"/>
-              <a:gd name="connsiteY33" fmla="*/ 1936120 h 6858000"/>
-              <a:gd name="connsiteX34" fmla="*/ 714660 w 5734864"/>
-              <a:gd name="connsiteY34" fmla="*/ 1982709 h 6858000"/>
-              <a:gd name="connsiteX35" fmla="*/ 710759 w 5734864"/>
-              <a:gd name="connsiteY35" fmla="*/ 2013010 h 6858000"/>
-              <a:gd name="connsiteX36" fmla="*/ 697927 w 5734864"/>
-              <a:gd name="connsiteY36" fmla="*/ 2069833 h 6858000"/>
-              <a:gd name="connsiteX37" fmla="*/ 693594 w 5734864"/>
-              <a:gd name="connsiteY37" fmla="*/ 2103731 h 6858000"/>
-              <a:gd name="connsiteX38" fmla="*/ 691109 w 5734864"/>
-              <a:gd name="connsiteY38" fmla="*/ 2124027 h 6858000"/>
-              <a:gd name="connsiteX39" fmla="*/ 676593 w 5734864"/>
-              <a:gd name="connsiteY39" fmla="*/ 2176182 h 6858000"/>
-              <a:gd name="connsiteX40" fmla="*/ 633227 w 5734864"/>
-              <a:gd name="connsiteY40" fmla="*/ 2258036 h 6858000"/>
-              <a:gd name="connsiteX41" fmla="*/ 625564 w 5734864"/>
-              <a:gd name="connsiteY41" fmla="*/ 2284567 h 6858000"/>
-              <a:gd name="connsiteX42" fmla="*/ 627074 w 5734864"/>
-              <a:gd name="connsiteY42" fmla="*/ 2289605 h 6858000"/>
-              <a:gd name="connsiteX43" fmla="*/ 614574 w 5734864"/>
-              <a:gd name="connsiteY43" fmla="*/ 2308717 h 6858000"/>
-              <a:gd name="connsiteX44" fmla="*/ 606890 w 5734864"/>
-              <a:gd name="connsiteY44" fmla="*/ 2320662 h 6858000"/>
-              <a:gd name="connsiteX45" fmla="*/ 605558 w 5734864"/>
-              <a:gd name="connsiteY45" fmla="*/ 2327897 h 6858000"/>
-              <a:gd name="connsiteX46" fmla="*/ 602202 w 5734864"/>
-              <a:gd name="connsiteY46" fmla="*/ 2357749 h 6858000"/>
-              <a:gd name="connsiteX47" fmla="*/ 600213 w 5734864"/>
-              <a:gd name="connsiteY47" fmla="*/ 2364905 h 6858000"/>
-              <a:gd name="connsiteX48" fmla="*/ 597160 w 5734864"/>
-              <a:gd name="connsiteY48" fmla="*/ 2388351 h 6858000"/>
-              <a:gd name="connsiteX49" fmla="*/ 597982 w 5734864"/>
-              <a:gd name="connsiteY49" fmla="*/ 2402296 h 6858000"/>
-              <a:gd name="connsiteX50" fmla="*/ 593150 w 5734864"/>
-              <a:gd name="connsiteY50" fmla="*/ 2420015 h 6858000"/>
-              <a:gd name="connsiteX51" fmla="*/ 592833 w 5734864"/>
-              <a:gd name="connsiteY51" fmla="*/ 2422749 h 6858000"/>
-              <a:gd name="connsiteX52" fmla="*/ 594479 w 5734864"/>
-              <a:gd name="connsiteY52" fmla="*/ 2426002 h 6858000"/>
-              <a:gd name="connsiteX53" fmla="*/ 591963 w 5734864"/>
-              <a:gd name="connsiteY53" fmla="*/ 2431950 h 6858000"/>
-              <a:gd name="connsiteX54" fmla="*/ 591544 w 5734864"/>
-              <a:gd name="connsiteY54" fmla="*/ 2433897 h 6858000"/>
-              <a:gd name="connsiteX55" fmla="*/ 589519 w 5734864"/>
-              <a:gd name="connsiteY55" fmla="*/ 2451398 h 6858000"/>
-              <a:gd name="connsiteX56" fmla="*/ 590037 w 5734864"/>
-              <a:gd name="connsiteY56" fmla="*/ 2455536 h 6858000"/>
-              <a:gd name="connsiteX57" fmla="*/ 588179 w 5734864"/>
-              <a:gd name="connsiteY57" fmla="*/ 2462981 h 6858000"/>
-              <a:gd name="connsiteX58" fmla="*/ 583434 w 5734864"/>
-              <a:gd name="connsiteY58" fmla="*/ 2503991 h 6858000"/>
-              <a:gd name="connsiteX59" fmla="*/ 567942 w 5734864"/>
-              <a:gd name="connsiteY59" fmla="*/ 2652936 h 6858000"/>
-              <a:gd name="connsiteX60" fmla="*/ 573869 w 5734864"/>
-              <a:gd name="connsiteY60" fmla="*/ 2670188 h 6858000"/>
-              <a:gd name="connsiteX61" fmla="*/ 575243 w 5734864"/>
-              <a:gd name="connsiteY61" fmla="*/ 2688114 h 6858000"/>
-              <a:gd name="connsiteX62" fmla="*/ 573824 w 5734864"/>
-              <a:gd name="connsiteY62" fmla="*/ 2689856 h 6858000"/>
-              <a:gd name="connsiteX63" fmla="*/ 570699 w 5734864"/>
-              <a:gd name="connsiteY63" fmla="*/ 2709353 h 6858000"/>
-              <a:gd name="connsiteX64" fmla="*/ 573192 w 5734864"/>
-              <a:gd name="connsiteY64" fmla="*/ 2714527 h 6858000"/>
-              <a:gd name="connsiteX65" fmla="*/ 572044 w 5734864"/>
-              <a:gd name="connsiteY65" fmla="*/ 2728187 h 6858000"/>
-              <a:gd name="connsiteX66" fmla="*/ 572465 w 5734864"/>
-              <a:gd name="connsiteY66" fmla="*/ 2755863 h 6858000"/>
-              <a:gd name="connsiteX67" fmla="*/ 570028 w 5734864"/>
-              <a:gd name="connsiteY67" fmla="*/ 2760324 h 6858000"/>
-              <a:gd name="connsiteX68" fmla="*/ 566748 w 5734864"/>
-              <a:gd name="connsiteY68" fmla="*/ 2800948 h 6858000"/>
-              <a:gd name="connsiteX69" fmla="*/ 565509 w 5734864"/>
-              <a:gd name="connsiteY69" fmla="*/ 2801167 h 6858000"/>
-              <a:gd name="connsiteX70" fmla="*/ 559367 w 5734864"/>
-              <a:gd name="connsiteY70" fmla="*/ 2811129 h 6858000"/>
-              <a:gd name="connsiteX71" fmla="*/ 550354 w 5734864"/>
-              <a:gd name="connsiteY71" fmla="*/ 2830949 h 6858000"/>
-              <a:gd name="connsiteX72" fmla="*/ 514795 w 5734864"/>
-              <a:gd name="connsiteY72" fmla="*/ 2872433 h 6858000"/>
-              <a:gd name="connsiteX73" fmla="*/ 509875 w 5734864"/>
-              <a:gd name="connsiteY73" fmla="*/ 2923099 h 6858000"/>
-              <a:gd name="connsiteX74" fmla="*/ 509577 w 5734864"/>
-              <a:gd name="connsiteY74" fmla="*/ 2923197 h 6858000"/>
-              <a:gd name="connsiteX75" fmla="*/ 507597 w 5734864"/>
-              <a:gd name="connsiteY75" fmla="*/ 2931868 h 6858000"/>
-              <a:gd name="connsiteX76" fmla="*/ 507379 w 5734864"/>
-              <a:gd name="connsiteY76" fmla="*/ 2938322 h 6858000"/>
-              <a:gd name="connsiteX77" fmla="*/ 504725 w 5734864"/>
-              <a:gd name="connsiteY77" fmla="*/ 2954519 h 6858000"/>
-              <a:gd name="connsiteX78" fmla="*/ 502018 w 5734864"/>
-              <a:gd name="connsiteY78" fmla="*/ 2959643 h 6858000"/>
-              <a:gd name="connsiteX79" fmla="*/ 498360 w 5734864"/>
-              <a:gd name="connsiteY79" fmla="*/ 2961019 h 6858000"/>
-              <a:gd name="connsiteX80" fmla="*/ 498483 w 5734864"/>
-              <a:gd name="connsiteY80" fmla="*/ 2962590 h 6858000"/>
-              <a:gd name="connsiteX81" fmla="*/ 484403 w 5734864"/>
-              <a:gd name="connsiteY81" fmla="*/ 2990538 h 6858000"/>
-              <a:gd name="connsiteX82" fmla="*/ 463075 w 5734864"/>
-              <a:gd name="connsiteY82" fmla="*/ 3055956 h 6858000"/>
-              <a:gd name="connsiteX83" fmla="*/ 455013 w 5734864"/>
-              <a:gd name="connsiteY83" fmla="*/ 3094482 h 6858000"/>
-              <a:gd name="connsiteX84" fmla="*/ 428391 w 5734864"/>
-              <a:gd name="connsiteY84" fmla="*/ 3198850 h 6858000"/>
-              <a:gd name="connsiteX85" fmla="*/ 401440 w 5734864"/>
-              <a:gd name="connsiteY85" fmla="*/ 3307560 h 6858000"/>
-              <a:gd name="connsiteX86" fmla="*/ 386076 w 5734864"/>
-              <a:gd name="connsiteY86" fmla="*/ 3373943 h 6858000"/>
-              <a:gd name="connsiteX87" fmla="*/ 374726 w 5734864"/>
-              <a:gd name="connsiteY87" fmla="*/ 3381364 h 6858000"/>
-              <a:gd name="connsiteX88" fmla="*/ 369145 w 5734864"/>
-              <a:gd name="connsiteY88" fmla="*/ 3383729 h 6858000"/>
-              <a:gd name="connsiteX89" fmla="*/ 364294 w 5734864"/>
-              <a:gd name="connsiteY89" fmla="*/ 3414159 h 6858000"/>
-              <a:gd name="connsiteX90" fmla="*/ 366450 w 5734864"/>
-              <a:gd name="connsiteY90" fmla="*/ 3436925 h 6858000"/>
-              <a:gd name="connsiteX91" fmla="*/ 351743 w 5734864"/>
-              <a:gd name="connsiteY91" fmla="*/ 3521619 h 6858000"/>
-              <a:gd name="connsiteX92" fmla="*/ 345784 w 5734864"/>
-              <a:gd name="connsiteY92" fmla="*/ 3603757 h 6858000"/>
-              <a:gd name="connsiteX93" fmla="*/ 344198 w 5734864"/>
-              <a:gd name="connsiteY93" fmla="*/ 3652424 h 6858000"/>
-              <a:gd name="connsiteX94" fmla="*/ 352450 w 5734864"/>
-              <a:gd name="connsiteY94" fmla="*/ 3665222 h 6858000"/>
-              <a:gd name="connsiteX95" fmla="*/ 342621 w 5734864"/>
-              <a:gd name="connsiteY95" fmla="*/ 3700804 h 6858000"/>
-              <a:gd name="connsiteX96" fmla="*/ 341514 w 5734864"/>
-              <a:gd name="connsiteY96" fmla="*/ 3734774 h 6858000"/>
-              <a:gd name="connsiteX97" fmla="*/ 340607 w 5734864"/>
-              <a:gd name="connsiteY97" fmla="*/ 3785153 h 6858000"/>
-              <a:gd name="connsiteX98" fmla="*/ 340707 w 5734864"/>
-              <a:gd name="connsiteY98" fmla="*/ 3788177 h 6858000"/>
-              <a:gd name="connsiteX99" fmla="*/ 340361 w 5734864"/>
-              <a:gd name="connsiteY99" fmla="*/ 3798803 h 6858000"/>
-              <a:gd name="connsiteX100" fmla="*/ 339642 w 5734864"/>
-              <a:gd name="connsiteY100" fmla="*/ 3838750 h 6858000"/>
-              <a:gd name="connsiteX101" fmla="*/ 360295 w 5734864"/>
-              <a:gd name="connsiteY101" fmla="*/ 4015196 h 6858000"/>
-              <a:gd name="connsiteX102" fmla="*/ 339043 w 5734864"/>
-              <a:gd name="connsiteY102" fmla="*/ 4052778 h 6858000"/>
-              <a:gd name="connsiteX103" fmla="*/ 339343 w 5734864"/>
-              <a:gd name="connsiteY103" fmla="*/ 4096257 h 6858000"/>
-              <a:gd name="connsiteX104" fmla="*/ 340786 w 5734864"/>
-              <a:gd name="connsiteY104" fmla="*/ 4321136 h 6858000"/>
-              <a:gd name="connsiteX105" fmla="*/ 343158 w 5734864"/>
-              <a:gd name="connsiteY105" fmla="*/ 4429174 h 6858000"/>
-              <a:gd name="connsiteX106" fmla="*/ 334599 w 5734864"/>
-              <a:gd name="connsiteY106" fmla="*/ 4449938 h 6858000"/>
-              <a:gd name="connsiteX107" fmla="*/ 332890 w 5734864"/>
-              <a:gd name="connsiteY107" fmla="*/ 4453515 h 6858000"/>
-              <a:gd name="connsiteX108" fmla="*/ 331105 w 5734864"/>
-              <a:gd name="connsiteY108" fmla="*/ 4467941 h 6858000"/>
-              <a:gd name="connsiteX109" fmla="*/ 324289 w 5734864"/>
-              <a:gd name="connsiteY109" fmla="*/ 4471861 h 6858000"/>
-              <a:gd name="connsiteX110" fmla="*/ 317079 w 5734864"/>
-              <a:gd name="connsiteY110" fmla="*/ 4493468 h 6858000"/>
-              <a:gd name="connsiteX111" fmla="*/ 315557 w 5734864"/>
-              <a:gd name="connsiteY111" fmla="*/ 4520067 h 6858000"/>
-              <a:gd name="connsiteX112" fmla="*/ 315240 w 5734864"/>
-              <a:gd name="connsiteY112" fmla="*/ 4536872 h 6858000"/>
-              <a:gd name="connsiteX113" fmla="*/ 316200 w 5734864"/>
-              <a:gd name="connsiteY113" fmla="*/ 4538297 h 6858000"/>
-              <a:gd name="connsiteX114" fmla="*/ 317507 w 5734864"/>
-              <a:gd name="connsiteY114" fmla="*/ 4547582 h 6858000"/>
-              <a:gd name="connsiteX115" fmla="*/ 323078 w 5734864"/>
-              <a:gd name="connsiteY115" fmla="*/ 4592102 h 6858000"/>
-              <a:gd name="connsiteX116" fmla="*/ 328722 w 5734864"/>
-              <a:gd name="connsiteY116" fmla="*/ 4667914 h 6858000"/>
-              <a:gd name="connsiteX117" fmla="*/ 335597 w 5734864"/>
-              <a:gd name="connsiteY117" fmla="*/ 4695035 h 6858000"/>
-              <a:gd name="connsiteX118" fmla="*/ 339485 w 5734864"/>
-              <a:gd name="connsiteY118" fmla="*/ 4695979 h 6858000"/>
-              <a:gd name="connsiteX119" fmla="*/ 341089 w 5734864"/>
-              <a:gd name="connsiteY119" fmla="*/ 4704268 h 6858000"/>
-              <a:gd name="connsiteX120" fmla="*/ 342177 w 5734864"/>
-              <a:gd name="connsiteY120" fmla="*/ 4706060 h 6858000"/>
-              <a:gd name="connsiteX121" fmla="*/ 347751 w 5734864"/>
-              <a:gd name="connsiteY121" fmla="*/ 4716754 h 6858000"/>
-              <a:gd name="connsiteX122" fmla="*/ 344125 w 5734864"/>
-              <a:gd name="connsiteY122" fmla="*/ 4764669 h 6858000"/>
-              <a:gd name="connsiteX123" fmla="*/ 340188 w 5734864"/>
-              <a:gd name="connsiteY123" fmla="*/ 4779386 h 6858000"/>
-              <a:gd name="connsiteX124" fmla="*/ 335146 w 5734864"/>
-              <a:gd name="connsiteY124" fmla="*/ 4787491 h 6858000"/>
-              <a:gd name="connsiteX125" fmla="*/ 319124 w 5734864"/>
-              <a:gd name="connsiteY125" fmla="*/ 4843514 h 6858000"/>
-              <a:gd name="connsiteX126" fmla="*/ 305956 w 5734864"/>
-              <a:gd name="connsiteY126" fmla="*/ 4881505 h 6858000"/>
-              <a:gd name="connsiteX127" fmla="*/ 301062 w 5734864"/>
-              <a:gd name="connsiteY127" fmla="*/ 4889332 h 6858000"/>
-              <a:gd name="connsiteX128" fmla="*/ 302141 w 5734864"/>
-              <a:gd name="connsiteY128" fmla="*/ 4899400 h 6858000"/>
-              <a:gd name="connsiteX129" fmla="*/ 304424 w 5734864"/>
-              <a:gd name="connsiteY129" fmla="*/ 4902664 h 6858000"/>
-              <a:gd name="connsiteX130" fmla="*/ 293123 w 5734864"/>
-              <a:gd name="connsiteY130" fmla="*/ 4932769 h 6858000"/>
-              <a:gd name="connsiteX131" fmla="*/ 292275 w 5734864"/>
-              <a:gd name="connsiteY131" fmla="*/ 4936482 h 6858000"/>
-              <a:gd name="connsiteX132" fmla="*/ 288304 w 5734864"/>
-              <a:gd name="connsiteY132" fmla="*/ 4962325 h 6858000"/>
-              <a:gd name="connsiteX133" fmla="*/ 287420 w 5734864"/>
-              <a:gd name="connsiteY133" fmla="*/ 5042193 h 6858000"/>
-              <a:gd name="connsiteX134" fmla="*/ 287020 w 5734864"/>
-              <a:gd name="connsiteY134" fmla="*/ 5065655 h 6858000"/>
-              <a:gd name="connsiteX135" fmla="*/ 288488 w 5734864"/>
-              <a:gd name="connsiteY135" fmla="*/ 5082216 h 6858000"/>
-              <a:gd name="connsiteX136" fmla="*/ 282763 w 5734864"/>
-              <a:gd name="connsiteY136" fmla="*/ 5127114 h 6858000"/>
-              <a:gd name="connsiteX137" fmla="*/ 269316 w 5734864"/>
-              <a:gd name="connsiteY137" fmla="*/ 5202682 h 6858000"/>
-              <a:gd name="connsiteX138" fmla="*/ 269174 w 5734864"/>
-              <a:gd name="connsiteY138" fmla="*/ 5230835 h 6858000"/>
-              <a:gd name="connsiteX139" fmla="*/ 272679 w 5734864"/>
-              <a:gd name="connsiteY139" fmla="*/ 5232660 h 6858000"/>
-              <a:gd name="connsiteX140" fmla="*/ 272160 w 5734864"/>
-              <a:gd name="connsiteY140" fmla="*/ 5241150 h 6858000"/>
-              <a:gd name="connsiteX141" fmla="*/ 272760 w 5734864"/>
-              <a:gd name="connsiteY141" fmla="*/ 5243156 h 6858000"/>
-              <a:gd name="connsiteX142" fmla="*/ 275462 w 5734864"/>
-              <a:gd name="connsiteY142" fmla="*/ 5254919 h 6858000"/>
-              <a:gd name="connsiteX143" fmla="*/ 262897 w 5734864"/>
-              <a:gd name="connsiteY143" fmla="*/ 5286259 h 6858000"/>
-              <a:gd name="connsiteX144" fmla="*/ 252761 w 5734864"/>
-              <a:gd name="connsiteY144" fmla="*/ 5357801 h 6858000"/>
-              <a:gd name="connsiteX145" fmla="*/ 242360 w 5734864"/>
-              <a:gd name="connsiteY145" fmla="*/ 5460080 h 6858000"/>
-              <a:gd name="connsiteX146" fmla="*/ 229880 w 5734864"/>
-              <a:gd name="connsiteY146" fmla="*/ 5539714 h 6858000"/>
-              <a:gd name="connsiteX147" fmla="*/ 204283 w 5734864"/>
-              <a:gd name="connsiteY147" fmla="*/ 5639080 h 6858000"/>
-              <a:gd name="connsiteX148" fmla="*/ 198948 w 5734864"/>
-              <a:gd name="connsiteY148" fmla="*/ 5710958 h 6858000"/>
-              <a:gd name="connsiteX149" fmla="*/ 192367 w 5734864"/>
-              <a:gd name="connsiteY149" fmla="*/ 5719859 h 6858000"/>
-              <a:gd name="connsiteX150" fmla="*/ 188035 w 5734864"/>
-              <a:gd name="connsiteY150" fmla="*/ 5729935 h 6858000"/>
-              <a:gd name="connsiteX151" fmla="*/ 188428 w 5734864"/>
-              <a:gd name="connsiteY151" fmla="*/ 5731182 h 6858000"/>
-              <a:gd name="connsiteX152" fmla="*/ 181635 w 5734864"/>
-              <a:gd name="connsiteY152" fmla="*/ 5753538 h 6858000"/>
-              <a:gd name="connsiteX153" fmla="*/ 169744 w 5734864"/>
-              <a:gd name="connsiteY153" fmla="*/ 5796307 h 6858000"/>
-              <a:gd name="connsiteX154" fmla="*/ 170351 w 5734864"/>
-              <a:gd name="connsiteY154" fmla="*/ 5796644 h 6858000"/>
-              <a:gd name="connsiteX155" fmla="*/ 171559 w 5734864"/>
-              <a:gd name="connsiteY155" fmla="*/ 5803435 h 6858000"/>
-              <a:gd name="connsiteX156" fmla="*/ 172284 w 5734864"/>
-              <a:gd name="connsiteY156" fmla="*/ 5816391 h 6858000"/>
-              <a:gd name="connsiteX157" fmla="*/ 182542 w 5734864"/>
-              <a:gd name="connsiteY157" fmla="*/ 5846382 h 6858000"/>
-              <a:gd name="connsiteX158" fmla="*/ 175877 w 5734864"/>
-              <a:gd name="connsiteY158" fmla="*/ 5871336 h 6858000"/>
-              <a:gd name="connsiteX159" fmla="*/ 174910 w 5734864"/>
-              <a:gd name="connsiteY159" fmla="*/ 5876376 h 6858000"/>
-              <a:gd name="connsiteX160" fmla="*/ 175047 w 5734864"/>
-              <a:gd name="connsiteY160" fmla="*/ 5876483 h 6858000"/>
-              <a:gd name="connsiteX161" fmla="*/ 174335 w 5734864"/>
-              <a:gd name="connsiteY161" fmla="*/ 5881814 h 6858000"/>
-              <a:gd name="connsiteX162" fmla="*/ 171273 w 5734864"/>
-              <a:gd name="connsiteY162" fmla="*/ 5895339 h 6858000"/>
-              <a:gd name="connsiteX163" fmla="*/ 171658 w 5734864"/>
-              <a:gd name="connsiteY163" fmla="*/ 5898749 h 6858000"/>
-              <a:gd name="connsiteX164" fmla="*/ 174658 w 5734864"/>
-              <a:gd name="connsiteY164" fmla="*/ 5919558 h 6858000"/>
-              <a:gd name="connsiteX165" fmla="*/ 169099 w 5734864"/>
-              <a:gd name="connsiteY165" fmla="*/ 5984417 h 6858000"/>
-              <a:gd name="connsiteX166" fmla="*/ 162007 w 5734864"/>
-              <a:gd name="connsiteY166" fmla="*/ 6049043 h 6858000"/>
-              <a:gd name="connsiteX167" fmla="*/ 156875 w 5734864"/>
-              <a:gd name="connsiteY167" fmla="*/ 6114000 h 6858000"/>
-              <a:gd name="connsiteX168" fmla="*/ 165441 w 5734864"/>
-              <a:gd name="connsiteY168" fmla="*/ 6146938 h 6858000"/>
-              <a:gd name="connsiteX169" fmla="*/ 165177 w 5734864"/>
-              <a:gd name="connsiteY169" fmla="*/ 6150658 h 6858000"/>
-              <a:gd name="connsiteX170" fmla="*/ 161772 w 5734864"/>
-              <a:gd name="connsiteY170" fmla="*/ 6160011 h 6858000"/>
-              <a:gd name="connsiteX171" fmla="*/ 160051 w 5734864"/>
-              <a:gd name="connsiteY171" fmla="*/ 6163393 h 6858000"/>
-              <a:gd name="connsiteX172" fmla="*/ 158473 w 5734864"/>
-              <a:gd name="connsiteY172" fmla="*/ 6168628 h 6858000"/>
-              <a:gd name="connsiteX173" fmla="*/ 158573 w 5734864"/>
-              <a:gd name="connsiteY173" fmla="*/ 6168799 h 6858000"/>
-              <a:gd name="connsiteX174" fmla="*/ 146463 w 5734864"/>
-              <a:gd name="connsiteY174" fmla="*/ 6196671 h 6858000"/>
-              <a:gd name="connsiteX175" fmla="*/ 150209 w 5734864"/>
-              <a:gd name="connsiteY175" fmla="*/ 6232365 h 6858000"/>
-              <a:gd name="connsiteX176" fmla="*/ 148544 w 5734864"/>
-              <a:gd name="connsiteY176" fmla="*/ 6246162 h 6858000"/>
-              <a:gd name="connsiteX177" fmla="*/ 148403 w 5734864"/>
-              <a:gd name="connsiteY177" fmla="*/ 6253754 h 6858000"/>
-              <a:gd name="connsiteX178" fmla="*/ 138880 w 5734864"/>
-              <a:gd name="connsiteY178" fmla="*/ 6276449 h 6858000"/>
-              <a:gd name="connsiteX179" fmla="*/ 138683 w 5734864"/>
-              <a:gd name="connsiteY179" fmla="*/ 6279721 h 6858000"/>
-              <a:gd name="connsiteX180" fmla="*/ 130721 w 5734864"/>
-              <a:gd name="connsiteY180" fmla="*/ 6293675 h 6858000"/>
-              <a:gd name="connsiteX181" fmla="*/ 120717 w 5734864"/>
-              <a:gd name="connsiteY181" fmla="*/ 6313967 h 6858000"/>
-              <a:gd name="connsiteX182" fmla="*/ 120841 w 5734864"/>
-              <a:gd name="connsiteY182" fmla="*/ 6315437 h 6858000"/>
-              <a:gd name="connsiteX183" fmla="*/ 115208 w 5734864"/>
-              <a:gd name="connsiteY183" fmla="*/ 6324024 h 6858000"/>
-              <a:gd name="connsiteX184" fmla="*/ 101217 w 5734864"/>
-              <a:gd name="connsiteY184" fmla="*/ 6365923 h 6858000"/>
-              <a:gd name="connsiteX185" fmla="*/ 74946 w 5734864"/>
-              <a:gd name="connsiteY185" fmla="*/ 6556817 h 6858000"/>
-              <a:gd name="connsiteX186" fmla="*/ 16001 w 5734864"/>
-              <a:gd name="connsiteY186" fmla="*/ 6808678 h 6858000"/>
-              <a:gd name="connsiteX187" fmla="*/ 0 w 5734864"/>
-              <a:gd name="connsiteY187" fmla="*/ 6858000 h 6858000"/>
-              <a:gd name="connsiteX188" fmla="*/ 5734864 w 5734864"/>
-              <a:gd name="connsiteY188" fmla="*/ 6858000 h 6858000"/>
-              <a:gd name="connsiteX0" fmla="*/ 5734864 w 5734864"/>
-              <a:gd name="connsiteY0" fmla="*/ 0 h 6858000"/>
-              <a:gd name="connsiteX1" fmla="*/ 771611 w 5734864"/>
-              <a:gd name="connsiteY1" fmla="*/ 0 h 6858000"/>
-              <a:gd name="connsiteX2" fmla="*/ 771679 w 5734864"/>
-              <a:gd name="connsiteY2" fmla="*/ 49108 h 6858000"/>
-              <a:gd name="connsiteX3" fmla="*/ 794248 w 5734864"/>
-              <a:gd name="connsiteY3" fmla="*/ 200968 h 6858000"/>
-              <a:gd name="connsiteX4" fmla="*/ 801749 w 5734864"/>
-              <a:gd name="connsiteY4" fmla="*/ 414071 h 6858000"/>
-              <a:gd name="connsiteX5" fmla="*/ 818548 w 5734864"/>
-              <a:gd name="connsiteY5" fmla="*/ 585467 h 6858000"/>
-              <a:gd name="connsiteX6" fmla="*/ 857476 w 5734864"/>
-              <a:gd name="connsiteY6" fmla="*/ 800623 h 6858000"/>
-              <a:gd name="connsiteX7" fmla="*/ 851083 w 5734864"/>
-              <a:gd name="connsiteY7" fmla="*/ 878903 h 6858000"/>
-              <a:gd name="connsiteX8" fmla="*/ 873564 w 5734864"/>
-              <a:gd name="connsiteY8" fmla="*/ 943826 h 6858000"/>
-              <a:gd name="connsiteX9" fmla="*/ 864705 w 5734864"/>
-              <a:gd name="connsiteY9" fmla="*/ 973328 h 6858000"/>
-              <a:gd name="connsiteX10" fmla="*/ 862869 w 5734864"/>
-              <a:gd name="connsiteY10" fmla="*/ 978457 h 6858000"/>
-              <a:gd name="connsiteX11" fmla="*/ 862233 w 5734864"/>
-              <a:gd name="connsiteY11" fmla="*/ 998041 h 6858000"/>
-              <a:gd name="connsiteX12" fmla="*/ 853665 w 5734864"/>
-              <a:gd name="connsiteY12" fmla="*/ 1004750 h 6858000"/>
-              <a:gd name="connsiteX13" fmla="*/ 846695 w 5734864"/>
-              <a:gd name="connsiteY13" fmla="*/ 1035077 h 6858000"/>
-              <a:gd name="connsiteX14" fmla="*/ 847865 w 5734864"/>
-              <a:gd name="connsiteY14" fmla="*/ 1070795 h 6858000"/>
-              <a:gd name="connsiteX15" fmla="*/ 862786 w 5734864"/>
-              <a:gd name="connsiteY15" fmla="*/ 1238994 h 6858000"/>
-              <a:gd name="connsiteX16" fmla="*/ 859345 w 5734864"/>
-              <a:gd name="connsiteY16" fmla="*/ 1380427 h 6858000"/>
-              <a:gd name="connsiteX17" fmla="*/ 855172 w 5734864"/>
-              <a:gd name="connsiteY17" fmla="*/ 1435262 h 6858000"/>
-              <a:gd name="connsiteX18" fmla="*/ 860494 w 5734864"/>
-              <a:gd name="connsiteY18" fmla="*/ 1453861 h 6858000"/>
-              <a:gd name="connsiteX19" fmla="*/ 853731 w 5734864"/>
-              <a:gd name="connsiteY19" fmla="*/ 1467047 h 6858000"/>
-              <a:gd name="connsiteX20" fmla="*/ 845847 w 5734864"/>
-              <a:gd name="connsiteY20" fmla="*/ 1502307 h 6858000"/>
-              <a:gd name="connsiteX21" fmla="*/ 817613 w 5734864"/>
-              <a:gd name="connsiteY21" fmla="*/ 1565166 h 6858000"/>
-              <a:gd name="connsiteX22" fmla="*/ 804223 w 5734864"/>
-              <a:gd name="connsiteY22" fmla="*/ 1601941 h 6858000"/>
-              <a:gd name="connsiteX23" fmla="*/ 791773 w 5734864"/>
-              <a:gd name="connsiteY23" fmla="*/ 1627005 h 6858000"/>
-              <a:gd name="connsiteX24" fmla="*/ 774645 w 5734864"/>
-              <a:gd name="connsiteY24" fmla="*/ 1699922 h 6858000"/>
-              <a:gd name="connsiteX25" fmla="*/ 752343 w 5734864"/>
-              <a:gd name="connsiteY25" fmla="*/ 1824604 h 6858000"/>
-              <a:gd name="connsiteX26" fmla="*/ 746254 w 5734864"/>
-              <a:gd name="connsiteY26" fmla="*/ 1850222 h 6858000"/>
-              <a:gd name="connsiteX27" fmla="*/ 728600 w 5734864"/>
-              <a:gd name="connsiteY27" fmla="*/ 1869603 h 6858000"/>
-              <a:gd name="connsiteX28" fmla="*/ 724396 w 5734864"/>
-              <a:gd name="connsiteY28" fmla="*/ 1883104 h 6858000"/>
-              <a:gd name="connsiteX29" fmla="*/ 722165 w 5734864"/>
-              <a:gd name="connsiteY29" fmla="*/ 1885924 h 6858000"/>
-              <a:gd name="connsiteX30" fmla="*/ 721338 w 5734864"/>
-              <a:gd name="connsiteY30" fmla="*/ 1887123 h 6858000"/>
-              <a:gd name="connsiteX31" fmla="*/ 714840 w 5734864"/>
-              <a:gd name="connsiteY31" fmla="*/ 1902274 h 6858000"/>
-              <a:gd name="connsiteX32" fmla="*/ 722847 w 5734864"/>
-              <a:gd name="connsiteY32" fmla="*/ 1929891 h 6858000"/>
-              <a:gd name="connsiteX33" fmla="*/ 714660 w 5734864"/>
-              <a:gd name="connsiteY33" fmla="*/ 1982709 h 6858000"/>
-              <a:gd name="connsiteX34" fmla="*/ 710759 w 5734864"/>
-              <a:gd name="connsiteY34" fmla="*/ 2013010 h 6858000"/>
-              <a:gd name="connsiteX35" fmla="*/ 697927 w 5734864"/>
-              <a:gd name="connsiteY35" fmla="*/ 2069833 h 6858000"/>
-              <a:gd name="connsiteX36" fmla="*/ 693594 w 5734864"/>
-              <a:gd name="connsiteY36" fmla="*/ 2103731 h 6858000"/>
-              <a:gd name="connsiteX37" fmla="*/ 691109 w 5734864"/>
-              <a:gd name="connsiteY37" fmla="*/ 2124027 h 6858000"/>
-              <a:gd name="connsiteX38" fmla="*/ 676593 w 5734864"/>
-              <a:gd name="connsiteY38" fmla="*/ 2176182 h 6858000"/>
-              <a:gd name="connsiteX39" fmla="*/ 633227 w 5734864"/>
-              <a:gd name="connsiteY39" fmla="*/ 2258036 h 6858000"/>
-              <a:gd name="connsiteX40" fmla="*/ 625564 w 5734864"/>
-              <a:gd name="connsiteY40" fmla="*/ 2284567 h 6858000"/>
-              <a:gd name="connsiteX41" fmla="*/ 627074 w 5734864"/>
-              <a:gd name="connsiteY41" fmla="*/ 2289605 h 6858000"/>
-              <a:gd name="connsiteX42" fmla="*/ 614574 w 5734864"/>
-              <a:gd name="connsiteY42" fmla="*/ 2308717 h 6858000"/>
-              <a:gd name="connsiteX43" fmla="*/ 606890 w 5734864"/>
-              <a:gd name="connsiteY43" fmla="*/ 2320662 h 6858000"/>
-              <a:gd name="connsiteX44" fmla="*/ 605558 w 5734864"/>
-              <a:gd name="connsiteY44" fmla="*/ 2327897 h 6858000"/>
-              <a:gd name="connsiteX45" fmla="*/ 602202 w 5734864"/>
-              <a:gd name="connsiteY45" fmla="*/ 2357749 h 6858000"/>
-              <a:gd name="connsiteX46" fmla="*/ 600213 w 5734864"/>
-              <a:gd name="connsiteY46" fmla="*/ 2364905 h 6858000"/>
-              <a:gd name="connsiteX47" fmla="*/ 597160 w 5734864"/>
-              <a:gd name="connsiteY47" fmla="*/ 2388351 h 6858000"/>
-              <a:gd name="connsiteX48" fmla="*/ 597982 w 5734864"/>
-              <a:gd name="connsiteY48" fmla="*/ 2402296 h 6858000"/>
-              <a:gd name="connsiteX49" fmla="*/ 593150 w 5734864"/>
-              <a:gd name="connsiteY49" fmla="*/ 2420015 h 6858000"/>
-              <a:gd name="connsiteX50" fmla="*/ 592833 w 5734864"/>
-              <a:gd name="connsiteY50" fmla="*/ 2422749 h 6858000"/>
-              <a:gd name="connsiteX51" fmla="*/ 594479 w 5734864"/>
-              <a:gd name="connsiteY51" fmla="*/ 2426002 h 6858000"/>
-              <a:gd name="connsiteX52" fmla="*/ 591963 w 5734864"/>
-              <a:gd name="connsiteY52" fmla="*/ 2431950 h 6858000"/>
-              <a:gd name="connsiteX53" fmla="*/ 591544 w 5734864"/>
-              <a:gd name="connsiteY53" fmla="*/ 2433897 h 6858000"/>
-              <a:gd name="connsiteX54" fmla="*/ 589519 w 5734864"/>
-              <a:gd name="connsiteY54" fmla="*/ 2451398 h 6858000"/>
-              <a:gd name="connsiteX55" fmla="*/ 590037 w 5734864"/>
-              <a:gd name="connsiteY55" fmla="*/ 2455536 h 6858000"/>
-              <a:gd name="connsiteX56" fmla="*/ 588179 w 5734864"/>
-              <a:gd name="connsiteY56" fmla="*/ 2462981 h 6858000"/>
-              <a:gd name="connsiteX57" fmla="*/ 583434 w 5734864"/>
-              <a:gd name="connsiteY57" fmla="*/ 2503991 h 6858000"/>
-              <a:gd name="connsiteX58" fmla="*/ 567942 w 5734864"/>
-              <a:gd name="connsiteY58" fmla="*/ 2652936 h 6858000"/>
-              <a:gd name="connsiteX59" fmla="*/ 573869 w 5734864"/>
-              <a:gd name="connsiteY59" fmla="*/ 2670188 h 6858000"/>
-              <a:gd name="connsiteX60" fmla="*/ 575243 w 5734864"/>
-              <a:gd name="connsiteY60" fmla="*/ 2688114 h 6858000"/>
-              <a:gd name="connsiteX61" fmla="*/ 573824 w 5734864"/>
-              <a:gd name="connsiteY61" fmla="*/ 2689856 h 6858000"/>
-              <a:gd name="connsiteX62" fmla="*/ 570699 w 5734864"/>
-              <a:gd name="connsiteY62" fmla="*/ 2709353 h 6858000"/>
-              <a:gd name="connsiteX63" fmla="*/ 573192 w 5734864"/>
-              <a:gd name="connsiteY63" fmla="*/ 2714527 h 6858000"/>
-              <a:gd name="connsiteX64" fmla="*/ 572044 w 5734864"/>
-              <a:gd name="connsiteY64" fmla="*/ 2728187 h 6858000"/>
-              <a:gd name="connsiteX65" fmla="*/ 572465 w 5734864"/>
-              <a:gd name="connsiteY65" fmla="*/ 2755863 h 6858000"/>
-              <a:gd name="connsiteX66" fmla="*/ 570028 w 5734864"/>
-              <a:gd name="connsiteY66" fmla="*/ 2760324 h 6858000"/>
-              <a:gd name="connsiteX67" fmla="*/ 566748 w 5734864"/>
-              <a:gd name="connsiteY67" fmla="*/ 2800948 h 6858000"/>
-              <a:gd name="connsiteX68" fmla="*/ 565509 w 5734864"/>
-              <a:gd name="connsiteY68" fmla="*/ 2801167 h 6858000"/>
-              <a:gd name="connsiteX69" fmla="*/ 559367 w 5734864"/>
-              <a:gd name="connsiteY69" fmla="*/ 2811129 h 6858000"/>
-              <a:gd name="connsiteX70" fmla="*/ 550354 w 5734864"/>
-              <a:gd name="connsiteY70" fmla="*/ 2830949 h 6858000"/>
-              <a:gd name="connsiteX71" fmla="*/ 514795 w 5734864"/>
-              <a:gd name="connsiteY71" fmla="*/ 2872433 h 6858000"/>
-              <a:gd name="connsiteX72" fmla="*/ 509875 w 5734864"/>
-              <a:gd name="connsiteY72" fmla="*/ 2923099 h 6858000"/>
-              <a:gd name="connsiteX73" fmla="*/ 509577 w 5734864"/>
-              <a:gd name="connsiteY73" fmla="*/ 2923197 h 6858000"/>
-              <a:gd name="connsiteX74" fmla="*/ 507597 w 5734864"/>
-              <a:gd name="connsiteY74" fmla="*/ 2931868 h 6858000"/>
-              <a:gd name="connsiteX75" fmla="*/ 507379 w 5734864"/>
-              <a:gd name="connsiteY75" fmla="*/ 2938322 h 6858000"/>
-              <a:gd name="connsiteX76" fmla="*/ 504725 w 5734864"/>
-              <a:gd name="connsiteY76" fmla="*/ 2954519 h 6858000"/>
-              <a:gd name="connsiteX77" fmla="*/ 502018 w 5734864"/>
-              <a:gd name="connsiteY77" fmla="*/ 2959643 h 6858000"/>
-              <a:gd name="connsiteX78" fmla="*/ 498360 w 5734864"/>
-              <a:gd name="connsiteY78" fmla="*/ 2961019 h 6858000"/>
-              <a:gd name="connsiteX79" fmla="*/ 498483 w 5734864"/>
-              <a:gd name="connsiteY79" fmla="*/ 2962590 h 6858000"/>
-              <a:gd name="connsiteX80" fmla="*/ 484403 w 5734864"/>
-              <a:gd name="connsiteY80" fmla="*/ 2990538 h 6858000"/>
-              <a:gd name="connsiteX81" fmla="*/ 463075 w 5734864"/>
-              <a:gd name="connsiteY81" fmla="*/ 3055956 h 6858000"/>
-              <a:gd name="connsiteX82" fmla="*/ 455013 w 5734864"/>
-              <a:gd name="connsiteY82" fmla="*/ 3094482 h 6858000"/>
-              <a:gd name="connsiteX83" fmla="*/ 428391 w 5734864"/>
-              <a:gd name="connsiteY83" fmla="*/ 3198850 h 6858000"/>
-              <a:gd name="connsiteX84" fmla="*/ 401440 w 5734864"/>
-              <a:gd name="connsiteY84" fmla="*/ 3307560 h 6858000"/>
-              <a:gd name="connsiteX85" fmla="*/ 386076 w 5734864"/>
-              <a:gd name="connsiteY85" fmla="*/ 3373943 h 6858000"/>
-              <a:gd name="connsiteX86" fmla="*/ 374726 w 5734864"/>
-              <a:gd name="connsiteY86" fmla="*/ 3381364 h 6858000"/>
-              <a:gd name="connsiteX87" fmla="*/ 369145 w 5734864"/>
-              <a:gd name="connsiteY87" fmla="*/ 3383729 h 6858000"/>
-              <a:gd name="connsiteX88" fmla="*/ 364294 w 5734864"/>
-              <a:gd name="connsiteY88" fmla="*/ 3414159 h 6858000"/>
-              <a:gd name="connsiteX89" fmla="*/ 366450 w 5734864"/>
-              <a:gd name="connsiteY89" fmla="*/ 3436925 h 6858000"/>
-              <a:gd name="connsiteX90" fmla="*/ 351743 w 5734864"/>
-              <a:gd name="connsiteY90" fmla="*/ 3521619 h 6858000"/>
-              <a:gd name="connsiteX91" fmla="*/ 345784 w 5734864"/>
-              <a:gd name="connsiteY91" fmla="*/ 3603757 h 6858000"/>
-              <a:gd name="connsiteX92" fmla="*/ 344198 w 5734864"/>
-              <a:gd name="connsiteY92" fmla="*/ 3652424 h 6858000"/>
-              <a:gd name="connsiteX93" fmla="*/ 352450 w 5734864"/>
-              <a:gd name="connsiteY93" fmla="*/ 3665222 h 6858000"/>
-              <a:gd name="connsiteX94" fmla="*/ 342621 w 5734864"/>
-              <a:gd name="connsiteY94" fmla="*/ 3700804 h 6858000"/>
-              <a:gd name="connsiteX95" fmla="*/ 341514 w 5734864"/>
-              <a:gd name="connsiteY95" fmla="*/ 3734774 h 6858000"/>
-              <a:gd name="connsiteX96" fmla="*/ 340607 w 5734864"/>
-              <a:gd name="connsiteY96" fmla="*/ 3785153 h 6858000"/>
-              <a:gd name="connsiteX97" fmla="*/ 340707 w 5734864"/>
-              <a:gd name="connsiteY97" fmla="*/ 3788177 h 6858000"/>
-              <a:gd name="connsiteX98" fmla="*/ 340361 w 5734864"/>
-              <a:gd name="connsiteY98" fmla="*/ 3798803 h 6858000"/>
-              <a:gd name="connsiteX99" fmla="*/ 339642 w 5734864"/>
-              <a:gd name="connsiteY99" fmla="*/ 3838750 h 6858000"/>
-              <a:gd name="connsiteX100" fmla="*/ 360295 w 5734864"/>
-              <a:gd name="connsiteY100" fmla="*/ 4015196 h 6858000"/>
-              <a:gd name="connsiteX101" fmla="*/ 339043 w 5734864"/>
-              <a:gd name="connsiteY101" fmla="*/ 4052778 h 6858000"/>
-              <a:gd name="connsiteX102" fmla="*/ 339343 w 5734864"/>
-              <a:gd name="connsiteY102" fmla="*/ 4096257 h 6858000"/>
-              <a:gd name="connsiteX103" fmla="*/ 340786 w 5734864"/>
-              <a:gd name="connsiteY103" fmla="*/ 4321136 h 6858000"/>
-              <a:gd name="connsiteX104" fmla="*/ 343158 w 5734864"/>
-              <a:gd name="connsiteY104" fmla="*/ 4429174 h 6858000"/>
-              <a:gd name="connsiteX105" fmla="*/ 334599 w 5734864"/>
-              <a:gd name="connsiteY105" fmla="*/ 4449938 h 6858000"/>
-              <a:gd name="connsiteX106" fmla="*/ 332890 w 5734864"/>
-              <a:gd name="connsiteY106" fmla="*/ 4453515 h 6858000"/>
-              <a:gd name="connsiteX107" fmla="*/ 331105 w 5734864"/>
-              <a:gd name="connsiteY107" fmla="*/ 4467941 h 6858000"/>
-              <a:gd name="connsiteX108" fmla="*/ 324289 w 5734864"/>
-              <a:gd name="connsiteY108" fmla="*/ 4471861 h 6858000"/>
-              <a:gd name="connsiteX109" fmla="*/ 317079 w 5734864"/>
-              <a:gd name="connsiteY109" fmla="*/ 4493468 h 6858000"/>
-              <a:gd name="connsiteX110" fmla="*/ 315557 w 5734864"/>
-              <a:gd name="connsiteY110" fmla="*/ 4520067 h 6858000"/>
-              <a:gd name="connsiteX111" fmla="*/ 315240 w 5734864"/>
-              <a:gd name="connsiteY111" fmla="*/ 4536872 h 6858000"/>
-              <a:gd name="connsiteX112" fmla="*/ 316200 w 5734864"/>
-              <a:gd name="connsiteY112" fmla="*/ 4538297 h 6858000"/>
-              <a:gd name="connsiteX113" fmla="*/ 317507 w 5734864"/>
-              <a:gd name="connsiteY113" fmla="*/ 4547582 h 6858000"/>
-              <a:gd name="connsiteX114" fmla="*/ 323078 w 5734864"/>
-              <a:gd name="connsiteY114" fmla="*/ 4592102 h 6858000"/>
-              <a:gd name="connsiteX115" fmla="*/ 328722 w 5734864"/>
-              <a:gd name="connsiteY115" fmla="*/ 4667914 h 6858000"/>
-              <a:gd name="connsiteX116" fmla="*/ 335597 w 5734864"/>
-              <a:gd name="connsiteY116" fmla="*/ 4695035 h 6858000"/>
-              <a:gd name="connsiteX117" fmla="*/ 339485 w 5734864"/>
-              <a:gd name="connsiteY117" fmla="*/ 4695979 h 6858000"/>
-              <a:gd name="connsiteX118" fmla="*/ 341089 w 5734864"/>
-              <a:gd name="connsiteY118" fmla="*/ 4704268 h 6858000"/>
-              <a:gd name="connsiteX119" fmla="*/ 342177 w 5734864"/>
-              <a:gd name="connsiteY119" fmla="*/ 4706060 h 6858000"/>
-              <a:gd name="connsiteX120" fmla="*/ 347751 w 5734864"/>
-              <a:gd name="connsiteY120" fmla="*/ 4716754 h 6858000"/>
-              <a:gd name="connsiteX121" fmla="*/ 344125 w 5734864"/>
-              <a:gd name="connsiteY121" fmla="*/ 4764669 h 6858000"/>
-              <a:gd name="connsiteX122" fmla="*/ 340188 w 5734864"/>
-              <a:gd name="connsiteY122" fmla="*/ 4779386 h 6858000"/>
-              <a:gd name="connsiteX123" fmla="*/ 335146 w 5734864"/>
-              <a:gd name="connsiteY123" fmla="*/ 4787491 h 6858000"/>
-              <a:gd name="connsiteX124" fmla="*/ 319124 w 5734864"/>
-              <a:gd name="connsiteY124" fmla="*/ 4843514 h 6858000"/>
-              <a:gd name="connsiteX125" fmla="*/ 305956 w 5734864"/>
-              <a:gd name="connsiteY125" fmla="*/ 4881505 h 6858000"/>
-              <a:gd name="connsiteX126" fmla="*/ 301062 w 5734864"/>
-              <a:gd name="connsiteY126" fmla="*/ 4889332 h 6858000"/>
-              <a:gd name="connsiteX127" fmla="*/ 302141 w 5734864"/>
-              <a:gd name="connsiteY127" fmla="*/ 4899400 h 6858000"/>
-              <a:gd name="connsiteX128" fmla="*/ 304424 w 5734864"/>
-              <a:gd name="connsiteY128" fmla="*/ 4902664 h 6858000"/>
-              <a:gd name="connsiteX129" fmla="*/ 293123 w 5734864"/>
-              <a:gd name="connsiteY129" fmla="*/ 4932769 h 6858000"/>
-              <a:gd name="connsiteX130" fmla="*/ 292275 w 5734864"/>
-              <a:gd name="connsiteY130" fmla="*/ 4936482 h 6858000"/>
-              <a:gd name="connsiteX131" fmla="*/ 288304 w 5734864"/>
-              <a:gd name="connsiteY131" fmla="*/ 4962325 h 6858000"/>
-              <a:gd name="connsiteX132" fmla="*/ 287420 w 5734864"/>
-              <a:gd name="connsiteY132" fmla="*/ 5042193 h 6858000"/>
-              <a:gd name="connsiteX133" fmla="*/ 287020 w 5734864"/>
-              <a:gd name="connsiteY133" fmla="*/ 5065655 h 6858000"/>
-              <a:gd name="connsiteX134" fmla="*/ 288488 w 5734864"/>
-              <a:gd name="connsiteY134" fmla="*/ 5082216 h 6858000"/>
-              <a:gd name="connsiteX135" fmla="*/ 282763 w 5734864"/>
-              <a:gd name="connsiteY135" fmla="*/ 5127114 h 6858000"/>
-              <a:gd name="connsiteX136" fmla="*/ 269316 w 5734864"/>
-              <a:gd name="connsiteY136" fmla="*/ 5202682 h 6858000"/>
-              <a:gd name="connsiteX137" fmla="*/ 269174 w 5734864"/>
-              <a:gd name="connsiteY137" fmla="*/ 5230835 h 6858000"/>
-              <a:gd name="connsiteX138" fmla="*/ 272679 w 5734864"/>
-              <a:gd name="connsiteY138" fmla="*/ 5232660 h 6858000"/>
-              <a:gd name="connsiteX139" fmla="*/ 272160 w 5734864"/>
-              <a:gd name="connsiteY139" fmla="*/ 5241150 h 6858000"/>
-              <a:gd name="connsiteX140" fmla="*/ 272760 w 5734864"/>
-              <a:gd name="connsiteY140" fmla="*/ 5243156 h 6858000"/>
-              <a:gd name="connsiteX141" fmla="*/ 275462 w 5734864"/>
-              <a:gd name="connsiteY141" fmla="*/ 5254919 h 6858000"/>
-              <a:gd name="connsiteX142" fmla="*/ 262897 w 5734864"/>
-              <a:gd name="connsiteY142" fmla="*/ 5286259 h 6858000"/>
-              <a:gd name="connsiteX143" fmla="*/ 252761 w 5734864"/>
-              <a:gd name="connsiteY143" fmla="*/ 5357801 h 6858000"/>
-              <a:gd name="connsiteX144" fmla="*/ 242360 w 5734864"/>
-              <a:gd name="connsiteY144" fmla="*/ 5460080 h 6858000"/>
-              <a:gd name="connsiteX145" fmla="*/ 229880 w 5734864"/>
-              <a:gd name="connsiteY145" fmla="*/ 5539714 h 6858000"/>
-              <a:gd name="connsiteX146" fmla="*/ 204283 w 5734864"/>
-              <a:gd name="connsiteY146" fmla="*/ 5639080 h 6858000"/>
-              <a:gd name="connsiteX147" fmla="*/ 198948 w 5734864"/>
-              <a:gd name="connsiteY147" fmla="*/ 5710958 h 6858000"/>
-              <a:gd name="connsiteX148" fmla="*/ 192367 w 5734864"/>
-              <a:gd name="connsiteY148" fmla="*/ 5719859 h 6858000"/>
-              <a:gd name="connsiteX149" fmla="*/ 188035 w 5734864"/>
-              <a:gd name="connsiteY149" fmla="*/ 5729935 h 6858000"/>
-              <a:gd name="connsiteX150" fmla="*/ 188428 w 5734864"/>
-              <a:gd name="connsiteY150" fmla="*/ 5731182 h 6858000"/>
-              <a:gd name="connsiteX151" fmla="*/ 181635 w 5734864"/>
-              <a:gd name="connsiteY151" fmla="*/ 5753538 h 6858000"/>
-              <a:gd name="connsiteX152" fmla="*/ 169744 w 5734864"/>
-              <a:gd name="connsiteY152" fmla="*/ 5796307 h 6858000"/>
-              <a:gd name="connsiteX153" fmla="*/ 170351 w 5734864"/>
-              <a:gd name="connsiteY153" fmla="*/ 5796644 h 6858000"/>
-              <a:gd name="connsiteX154" fmla="*/ 171559 w 5734864"/>
-              <a:gd name="connsiteY154" fmla="*/ 5803435 h 6858000"/>
-              <a:gd name="connsiteX155" fmla="*/ 172284 w 5734864"/>
-              <a:gd name="connsiteY155" fmla="*/ 5816391 h 6858000"/>
-              <a:gd name="connsiteX156" fmla="*/ 182542 w 5734864"/>
-              <a:gd name="connsiteY156" fmla="*/ 5846382 h 6858000"/>
-              <a:gd name="connsiteX157" fmla="*/ 175877 w 5734864"/>
-              <a:gd name="connsiteY157" fmla="*/ 5871336 h 6858000"/>
-              <a:gd name="connsiteX158" fmla="*/ 174910 w 5734864"/>
-              <a:gd name="connsiteY158" fmla="*/ 5876376 h 6858000"/>
-              <a:gd name="connsiteX159" fmla="*/ 175047 w 5734864"/>
-              <a:gd name="connsiteY159" fmla="*/ 5876483 h 6858000"/>
-              <a:gd name="connsiteX160" fmla="*/ 174335 w 5734864"/>
-              <a:gd name="connsiteY160" fmla="*/ 5881814 h 6858000"/>
-              <a:gd name="connsiteX161" fmla="*/ 171273 w 5734864"/>
-              <a:gd name="connsiteY161" fmla="*/ 5895339 h 6858000"/>
-              <a:gd name="connsiteX162" fmla="*/ 171658 w 5734864"/>
-              <a:gd name="connsiteY162" fmla="*/ 5898749 h 6858000"/>
-              <a:gd name="connsiteX163" fmla="*/ 174658 w 5734864"/>
-              <a:gd name="connsiteY163" fmla="*/ 5919558 h 6858000"/>
-              <a:gd name="connsiteX164" fmla="*/ 169099 w 5734864"/>
-              <a:gd name="connsiteY164" fmla="*/ 5984417 h 6858000"/>
-              <a:gd name="connsiteX165" fmla="*/ 162007 w 5734864"/>
-              <a:gd name="connsiteY165" fmla="*/ 6049043 h 6858000"/>
-              <a:gd name="connsiteX166" fmla="*/ 156875 w 5734864"/>
-              <a:gd name="connsiteY166" fmla="*/ 6114000 h 6858000"/>
-              <a:gd name="connsiteX167" fmla="*/ 165441 w 5734864"/>
-              <a:gd name="connsiteY167" fmla="*/ 6146938 h 6858000"/>
-              <a:gd name="connsiteX168" fmla="*/ 165177 w 5734864"/>
-              <a:gd name="connsiteY168" fmla="*/ 6150658 h 6858000"/>
-              <a:gd name="connsiteX169" fmla="*/ 161772 w 5734864"/>
-              <a:gd name="connsiteY169" fmla="*/ 6160011 h 6858000"/>
-              <a:gd name="connsiteX170" fmla="*/ 160051 w 5734864"/>
-              <a:gd name="connsiteY170" fmla="*/ 6163393 h 6858000"/>
-              <a:gd name="connsiteX171" fmla="*/ 158473 w 5734864"/>
-              <a:gd name="connsiteY171" fmla="*/ 6168628 h 6858000"/>
-              <a:gd name="connsiteX172" fmla="*/ 158573 w 5734864"/>
-              <a:gd name="connsiteY172" fmla="*/ 6168799 h 6858000"/>
-              <a:gd name="connsiteX173" fmla="*/ 146463 w 5734864"/>
-              <a:gd name="connsiteY173" fmla="*/ 6196671 h 6858000"/>
-              <a:gd name="connsiteX174" fmla="*/ 150209 w 5734864"/>
-              <a:gd name="connsiteY174" fmla="*/ 6232365 h 6858000"/>
-              <a:gd name="connsiteX175" fmla="*/ 148544 w 5734864"/>
-              <a:gd name="connsiteY175" fmla="*/ 6246162 h 6858000"/>
-              <a:gd name="connsiteX176" fmla="*/ 148403 w 5734864"/>
-              <a:gd name="connsiteY176" fmla="*/ 6253754 h 6858000"/>
-              <a:gd name="connsiteX177" fmla="*/ 138880 w 5734864"/>
-              <a:gd name="connsiteY177" fmla="*/ 6276449 h 6858000"/>
-              <a:gd name="connsiteX178" fmla="*/ 138683 w 5734864"/>
-              <a:gd name="connsiteY178" fmla="*/ 6279721 h 6858000"/>
-              <a:gd name="connsiteX179" fmla="*/ 130721 w 5734864"/>
-              <a:gd name="connsiteY179" fmla="*/ 6293675 h 6858000"/>
-              <a:gd name="connsiteX180" fmla="*/ 120717 w 5734864"/>
-              <a:gd name="connsiteY180" fmla="*/ 6313967 h 6858000"/>
-              <a:gd name="connsiteX181" fmla="*/ 120841 w 5734864"/>
-              <a:gd name="connsiteY181" fmla="*/ 6315437 h 6858000"/>
-              <a:gd name="connsiteX182" fmla="*/ 115208 w 5734864"/>
-              <a:gd name="connsiteY182" fmla="*/ 6324024 h 6858000"/>
-              <a:gd name="connsiteX183" fmla="*/ 101217 w 5734864"/>
-              <a:gd name="connsiteY183" fmla="*/ 6365923 h 6858000"/>
-              <a:gd name="connsiteX184" fmla="*/ 74946 w 5734864"/>
-              <a:gd name="connsiteY184" fmla="*/ 6556817 h 6858000"/>
-              <a:gd name="connsiteX185" fmla="*/ 16001 w 5734864"/>
-              <a:gd name="connsiteY185" fmla="*/ 6808678 h 6858000"/>
-              <a:gd name="connsiteX186" fmla="*/ 0 w 5734864"/>
-              <a:gd name="connsiteY186" fmla="*/ 6858000 h 6858000"/>
-              <a:gd name="connsiteX187" fmla="*/ 5734864 w 5734864"/>
-              <a:gd name="connsiteY187" fmla="*/ 6858000 h 6858000"/>
-              <a:gd name="connsiteX188" fmla="*/ 5734864 w 5734864"/>
-              <a:gd name="connsiteY188" fmla="*/ 0 h 6858000"/>
-              <a:gd name="connsiteX0" fmla="*/ 5734864 w 5734864"/>
-              <a:gd name="connsiteY0" fmla="*/ 0 h 6858000"/>
-              <a:gd name="connsiteX1" fmla="*/ 771611 w 5734864"/>
-              <a:gd name="connsiteY1" fmla="*/ 0 h 6858000"/>
-              <a:gd name="connsiteX2" fmla="*/ 771679 w 5734864"/>
-              <a:gd name="connsiteY2" fmla="*/ 49108 h 6858000"/>
-              <a:gd name="connsiteX3" fmla="*/ 794248 w 5734864"/>
-              <a:gd name="connsiteY3" fmla="*/ 200968 h 6858000"/>
-              <a:gd name="connsiteX4" fmla="*/ 801749 w 5734864"/>
-              <a:gd name="connsiteY4" fmla="*/ 414071 h 6858000"/>
-              <a:gd name="connsiteX5" fmla="*/ 818548 w 5734864"/>
-              <a:gd name="connsiteY5" fmla="*/ 585467 h 6858000"/>
-              <a:gd name="connsiteX6" fmla="*/ 857476 w 5734864"/>
-              <a:gd name="connsiteY6" fmla="*/ 800623 h 6858000"/>
-              <a:gd name="connsiteX7" fmla="*/ 851083 w 5734864"/>
-              <a:gd name="connsiteY7" fmla="*/ 878903 h 6858000"/>
-              <a:gd name="connsiteX8" fmla="*/ 873564 w 5734864"/>
-              <a:gd name="connsiteY8" fmla="*/ 943826 h 6858000"/>
-              <a:gd name="connsiteX9" fmla="*/ 864705 w 5734864"/>
-              <a:gd name="connsiteY9" fmla="*/ 973328 h 6858000"/>
-              <a:gd name="connsiteX10" fmla="*/ 862869 w 5734864"/>
-              <a:gd name="connsiteY10" fmla="*/ 978457 h 6858000"/>
-              <a:gd name="connsiteX11" fmla="*/ 862233 w 5734864"/>
-              <a:gd name="connsiteY11" fmla="*/ 998041 h 6858000"/>
-              <a:gd name="connsiteX12" fmla="*/ 853665 w 5734864"/>
-              <a:gd name="connsiteY12" fmla="*/ 1004750 h 6858000"/>
-              <a:gd name="connsiteX13" fmla="*/ 847865 w 5734864"/>
-              <a:gd name="connsiteY13" fmla="*/ 1070795 h 6858000"/>
-              <a:gd name="connsiteX14" fmla="*/ 862786 w 5734864"/>
-              <a:gd name="connsiteY14" fmla="*/ 1238994 h 6858000"/>
-              <a:gd name="connsiteX15" fmla="*/ 859345 w 5734864"/>
-              <a:gd name="connsiteY15" fmla="*/ 1380427 h 6858000"/>
-              <a:gd name="connsiteX16" fmla="*/ 855172 w 5734864"/>
-              <a:gd name="connsiteY16" fmla="*/ 1435262 h 6858000"/>
-              <a:gd name="connsiteX17" fmla="*/ 860494 w 5734864"/>
-              <a:gd name="connsiteY17" fmla="*/ 1453861 h 6858000"/>
-              <a:gd name="connsiteX18" fmla="*/ 853731 w 5734864"/>
-              <a:gd name="connsiteY18" fmla="*/ 1467047 h 6858000"/>
-              <a:gd name="connsiteX19" fmla="*/ 845847 w 5734864"/>
-              <a:gd name="connsiteY19" fmla="*/ 1502307 h 6858000"/>
-              <a:gd name="connsiteX20" fmla="*/ 817613 w 5734864"/>
-              <a:gd name="connsiteY20" fmla="*/ 1565166 h 6858000"/>
-              <a:gd name="connsiteX21" fmla="*/ 804223 w 5734864"/>
-              <a:gd name="connsiteY21" fmla="*/ 1601941 h 6858000"/>
-              <a:gd name="connsiteX22" fmla="*/ 791773 w 5734864"/>
-              <a:gd name="connsiteY22" fmla="*/ 1627005 h 6858000"/>
-              <a:gd name="connsiteX23" fmla="*/ 774645 w 5734864"/>
-              <a:gd name="connsiteY23" fmla="*/ 1699922 h 6858000"/>
-              <a:gd name="connsiteX24" fmla="*/ 752343 w 5734864"/>
-              <a:gd name="connsiteY24" fmla="*/ 1824604 h 6858000"/>
-              <a:gd name="connsiteX25" fmla="*/ 746254 w 5734864"/>
-              <a:gd name="connsiteY25" fmla="*/ 1850222 h 6858000"/>
-              <a:gd name="connsiteX26" fmla="*/ 728600 w 5734864"/>
-              <a:gd name="connsiteY26" fmla="*/ 1869603 h 6858000"/>
-              <a:gd name="connsiteX27" fmla="*/ 724396 w 5734864"/>
-              <a:gd name="connsiteY27" fmla="*/ 1883104 h 6858000"/>
-              <a:gd name="connsiteX28" fmla="*/ 722165 w 5734864"/>
-              <a:gd name="connsiteY28" fmla="*/ 1885924 h 6858000"/>
-              <a:gd name="connsiteX29" fmla="*/ 721338 w 5734864"/>
-              <a:gd name="connsiteY29" fmla="*/ 1887123 h 6858000"/>
-              <a:gd name="connsiteX30" fmla="*/ 714840 w 5734864"/>
-              <a:gd name="connsiteY30" fmla="*/ 1902274 h 6858000"/>
-              <a:gd name="connsiteX31" fmla="*/ 722847 w 5734864"/>
-              <a:gd name="connsiteY31" fmla="*/ 1929891 h 6858000"/>
-              <a:gd name="connsiteX32" fmla="*/ 714660 w 5734864"/>
-              <a:gd name="connsiteY32" fmla="*/ 1982709 h 6858000"/>
-              <a:gd name="connsiteX33" fmla="*/ 710759 w 5734864"/>
-              <a:gd name="connsiteY33" fmla="*/ 2013010 h 6858000"/>
-              <a:gd name="connsiteX34" fmla="*/ 697927 w 5734864"/>
-              <a:gd name="connsiteY34" fmla="*/ 2069833 h 6858000"/>
-              <a:gd name="connsiteX35" fmla="*/ 693594 w 5734864"/>
-              <a:gd name="connsiteY35" fmla="*/ 2103731 h 6858000"/>
-              <a:gd name="connsiteX36" fmla="*/ 691109 w 5734864"/>
-              <a:gd name="connsiteY36" fmla="*/ 2124027 h 6858000"/>
-              <a:gd name="connsiteX37" fmla="*/ 676593 w 5734864"/>
-              <a:gd name="connsiteY37" fmla="*/ 2176182 h 6858000"/>
-              <a:gd name="connsiteX38" fmla="*/ 633227 w 5734864"/>
-              <a:gd name="connsiteY38" fmla="*/ 2258036 h 6858000"/>
-              <a:gd name="connsiteX39" fmla="*/ 625564 w 5734864"/>
-              <a:gd name="connsiteY39" fmla="*/ 2284567 h 6858000"/>
-              <a:gd name="connsiteX40" fmla="*/ 627074 w 5734864"/>
-              <a:gd name="connsiteY40" fmla="*/ 2289605 h 6858000"/>
-              <a:gd name="connsiteX41" fmla="*/ 614574 w 5734864"/>
-              <a:gd name="connsiteY41" fmla="*/ 2308717 h 6858000"/>
-              <a:gd name="connsiteX42" fmla="*/ 606890 w 5734864"/>
-              <a:gd name="connsiteY42" fmla="*/ 2320662 h 6858000"/>
-              <a:gd name="connsiteX43" fmla="*/ 605558 w 5734864"/>
-              <a:gd name="connsiteY43" fmla="*/ 2327897 h 6858000"/>
-              <a:gd name="connsiteX44" fmla="*/ 602202 w 5734864"/>
-              <a:gd name="connsiteY44" fmla="*/ 2357749 h 6858000"/>
-              <a:gd name="connsiteX45" fmla="*/ 600213 w 5734864"/>
-              <a:gd name="connsiteY45" fmla="*/ 2364905 h 6858000"/>
-              <a:gd name="connsiteX46" fmla="*/ 597160 w 5734864"/>
-              <a:gd name="connsiteY46" fmla="*/ 2388351 h 6858000"/>
-              <a:gd name="connsiteX47" fmla="*/ 597982 w 5734864"/>
-              <a:gd name="connsiteY47" fmla="*/ 2402296 h 6858000"/>
-              <a:gd name="connsiteX48" fmla="*/ 593150 w 5734864"/>
-              <a:gd name="connsiteY48" fmla="*/ 2420015 h 6858000"/>
-              <a:gd name="connsiteX49" fmla="*/ 592833 w 5734864"/>
-              <a:gd name="connsiteY49" fmla="*/ 2422749 h 6858000"/>
-              <a:gd name="connsiteX50" fmla="*/ 594479 w 5734864"/>
-              <a:gd name="connsiteY50" fmla="*/ 2426002 h 6858000"/>
-              <a:gd name="connsiteX51" fmla="*/ 591963 w 5734864"/>
-              <a:gd name="connsiteY51" fmla="*/ 2431950 h 6858000"/>
-              <a:gd name="connsiteX52" fmla="*/ 591544 w 5734864"/>
-              <a:gd name="connsiteY52" fmla="*/ 2433897 h 6858000"/>
-              <a:gd name="connsiteX53" fmla="*/ 589519 w 5734864"/>
-              <a:gd name="connsiteY53" fmla="*/ 2451398 h 6858000"/>
-              <a:gd name="connsiteX54" fmla="*/ 590037 w 5734864"/>
-              <a:gd name="connsiteY54" fmla="*/ 2455536 h 6858000"/>
-              <a:gd name="connsiteX55" fmla="*/ 588179 w 5734864"/>
-              <a:gd name="connsiteY55" fmla="*/ 2462981 h 6858000"/>
-              <a:gd name="connsiteX56" fmla="*/ 583434 w 5734864"/>
-              <a:gd name="connsiteY56" fmla="*/ 2503991 h 6858000"/>
-              <a:gd name="connsiteX57" fmla="*/ 567942 w 5734864"/>
-              <a:gd name="connsiteY57" fmla="*/ 2652936 h 6858000"/>
-              <a:gd name="connsiteX58" fmla="*/ 573869 w 5734864"/>
-              <a:gd name="connsiteY58" fmla="*/ 2670188 h 6858000"/>
-              <a:gd name="connsiteX59" fmla="*/ 575243 w 5734864"/>
-              <a:gd name="connsiteY59" fmla="*/ 2688114 h 6858000"/>
-              <a:gd name="connsiteX60" fmla="*/ 573824 w 5734864"/>
-              <a:gd name="connsiteY60" fmla="*/ 2689856 h 6858000"/>
-              <a:gd name="connsiteX61" fmla="*/ 570699 w 5734864"/>
-              <a:gd name="connsiteY61" fmla="*/ 2709353 h 6858000"/>
-              <a:gd name="connsiteX62" fmla="*/ 573192 w 5734864"/>
-              <a:gd name="connsiteY62" fmla="*/ 2714527 h 6858000"/>
-              <a:gd name="connsiteX63" fmla="*/ 572044 w 5734864"/>
-              <a:gd name="connsiteY63" fmla="*/ 2728187 h 6858000"/>
-              <a:gd name="connsiteX64" fmla="*/ 572465 w 5734864"/>
-              <a:gd name="connsiteY64" fmla="*/ 2755863 h 6858000"/>
-              <a:gd name="connsiteX65" fmla="*/ 570028 w 5734864"/>
-              <a:gd name="connsiteY65" fmla="*/ 2760324 h 6858000"/>
-              <a:gd name="connsiteX66" fmla="*/ 566748 w 5734864"/>
-              <a:gd name="connsiteY66" fmla="*/ 2800948 h 6858000"/>
-              <a:gd name="connsiteX67" fmla="*/ 565509 w 5734864"/>
-              <a:gd name="connsiteY67" fmla="*/ 2801167 h 6858000"/>
-              <a:gd name="connsiteX68" fmla="*/ 559367 w 5734864"/>
-              <a:gd name="connsiteY68" fmla="*/ 2811129 h 6858000"/>
-              <a:gd name="connsiteX69" fmla="*/ 550354 w 5734864"/>
-              <a:gd name="connsiteY69" fmla="*/ 2830949 h 6858000"/>
-              <a:gd name="connsiteX70" fmla="*/ 514795 w 5734864"/>
-              <a:gd name="connsiteY70" fmla="*/ 2872433 h 6858000"/>
-              <a:gd name="connsiteX71" fmla="*/ 509875 w 5734864"/>
-              <a:gd name="connsiteY71" fmla="*/ 2923099 h 6858000"/>
-              <a:gd name="connsiteX72" fmla="*/ 509577 w 5734864"/>
-              <a:gd name="connsiteY72" fmla="*/ 2923197 h 6858000"/>
-              <a:gd name="connsiteX73" fmla="*/ 507597 w 5734864"/>
-              <a:gd name="connsiteY73" fmla="*/ 2931868 h 6858000"/>
-              <a:gd name="connsiteX74" fmla="*/ 507379 w 5734864"/>
-              <a:gd name="connsiteY74" fmla="*/ 2938322 h 6858000"/>
-              <a:gd name="connsiteX75" fmla="*/ 504725 w 5734864"/>
-              <a:gd name="connsiteY75" fmla="*/ 2954519 h 6858000"/>
-              <a:gd name="connsiteX76" fmla="*/ 502018 w 5734864"/>
-              <a:gd name="connsiteY76" fmla="*/ 2959643 h 6858000"/>
-              <a:gd name="connsiteX77" fmla="*/ 498360 w 5734864"/>
-              <a:gd name="connsiteY77" fmla="*/ 2961019 h 6858000"/>
-              <a:gd name="connsiteX78" fmla="*/ 498483 w 5734864"/>
-              <a:gd name="connsiteY78" fmla="*/ 2962590 h 6858000"/>
-              <a:gd name="connsiteX79" fmla="*/ 484403 w 5734864"/>
-              <a:gd name="connsiteY79" fmla="*/ 2990538 h 6858000"/>
-              <a:gd name="connsiteX80" fmla="*/ 463075 w 5734864"/>
-              <a:gd name="connsiteY80" fmla="*/ 3055956 h 6858000"/>
-              <a:gd name="connsiteX81" fmla="*/ 455013 w 5734864"/>
-              <a:gd name="connsiteY81" fmla="*/ 3094482 h 6858000"/>
-              <a:gd name="connsiteX82" fmla="*/ 428391 w 5734864"/>
-              <a:gd name="connsiteY82" fmla="*/ 3198850 h 6858000"/>
-              <a:gd name="connsiteX83" fmla="*/ 401440 w 5734864"/>
-              <a:gd name="connsiteY83" fmla="*/ 3307560 h 6858000"/>
-              <a:gd name="connsiteX84" fmla="*/ 386076 w 5734864"/>
-              <a:gd name="connsiteY84" fmla="*/ 3373943 h 6858000"/>
-              <a:gd name="connsiteX85" fmla="*/ 374726 w 5734864"/>
-              <a:gd name="connsiteY85" fmla="*/ 3381364 h 6858000"/>
-              <a:gd name="connsiteX86" fmla="*/ 369145 w 5734864"/>
-              <a:gd name="connsiteY86" fmla="*/ 3383729 h 6858000"/>
-              <a:gd name="connsiteX87" fmla="*/ 364294 w 5734864"/>
-              <a:gd name="connsiteY87" fmla="*/ 3414159 h 6858000"/>
-              <a:gd name="connsiteX88" fmla="*/ 366450 w 5734864"/>
-              <a:gd name="connsiteY88" fmla="*/ 3436925 h 6858000"/>
-              <a:gd name="connsiteX89" fmla="*/ 351743 w 5734864"/>
-              <a:gd name="connsiteY89" fmla="*/ 3521619 h 6858000"/>
-              <a:gd name="connsiteX90" fmla="*/ 345784 w 5734864"/>
-              <a:gd name="connsiteY90" fmla="*/ 3603757 h 6858000"/>
-              <a:gd name="connsiteX91" fmla="*/ 344198 w 5734864"/>
-              <a:gd name="connsiteY91" fmla="*/ 3652424 h 6858000"/>
-              <a:gd name="connsiteX92" fmla="*/ 352450 w 5734864"/>
-              <a:gd name="connsiteY92" fmla="*/ 3665222 h 6858000"/>
-              <a:gd name="connsiteX93" fmla="*/ 342621 w 5734864"/>
-              <a:gd name="connsiteY93" fmla="*/ 3700804 h 6858000"/>
-              <a:gd name="connsiteX94" fmla="*/ 341514 w 5734864"/>
-              <a:gd name="connsiteY94" fmla="*/ 3734774 h 6858000"/>
-              <a:gd name="connsiteX95" fmla="*/ 340607 w 5734864"/>
-              <a:gd name="connsiteY95" fmla="*/ 3785153 h 6858000"/>
-              <a:gd name="connsiteX96" fmla="*/ 340707 w 5734864"/>
-              <a:gd name="connsiteY96" fmla="*/ 3788177 h 6858000"/>
-              <a:gd name="connsiteX97" fmla="*/ 340361 w 5734864"/>
-              <a:gd name="connsiteY97" fmla="*/ 3798803 h 6858000"/>
-              <a:gd name="connsiteX98" fmla="*/ 339642 w 5734864"/>
-              <a:gd name="connsiteY98" fmla="*/ 3838750 h 6858000"/>
-              <a:gd name="connsiteX99" fmla="*/ 360295 w 5734864"/>
-              <a:gd name="connsiteY99" fmla="*/ 4015196 h 6858000"/>
-              <a:gd name="connsiteX100" fmla="*/ 339043 w 5734864"/>
-              <a:gd name="connsiteY100" fmla="*/ 4052778 h 6858000"/>
-              <a:gd name="connsiteX101" fmla="*/ 339343 w 5734864"/>
-              <a:gd name="connsiteY101" fmla="*/ 4096257 h 6858000"/>
-              <a:gd name="connsiteX102" fmla="*/ 340786 w 5734864"/>
-              <a:gd name="connsiteY102" fmla="*/ 4321136 h 6858000"/>
-              <a:gd name="connsiteX103" fmla="*/ 343158 w 5734864"/>
-              <a:gd name="connsiteY103" fmla="*/ 4429174 h 6858000"/>
-              <a:gd name="connsiteX104" fmla="*/ 334599 w 5734864"/>
-              <a:gd name="connsiteY104" fmla="*/ 4449938 h 6858000"/>
-              <a:gd name="connsiteX105" fmla="*/ 332890 w 5734864"/>
-              <a:gd name="connsiteY105" fmla="*/ 4453515 h 6858000"/>
-              <a:gd name="connsiteX106" fmla="*/ 331105 w 5734864"/>
-              <a:gd name="connsiteY106" fmla="*/ 4467941 h 6858000"/>
-              <a:gd name="connsiteX107" fmla="*/ 324289 w 5734864"/>
-              <a:gd name="connsiteY107" fmla="*/ 4471861 h 6858000"/>
-              <a:gd name="connsiteX108" fmla="*/ 317079 w 5734864"/>
-              <a:gd name="connsiteY108" fmla="*/ 4493468 h 6858000"/>
-              <a:gd name="connsiteX109" fmla="*/ 315557 w 5734864"/>
-              <a:gd name="connsiteY109" fmla="*/ 4520067 h 6858000"/>
-              <a:gd name="connsiteX110" fmla="*/ 315240 w 5734864"/>
-              <a:gd name="connsiteY110" fmla="*/ 4536872 h 6858000"/>
-              <a:gd name="connsiteX111" fmla="*/ 316200 w 5734864"/>
-              <a:gd name="connsiteY111" fmla="*/ 4538297 h 6858000"/>
-              <a:gd name="connsiteX112" fmla="*/ 317507 w 5734864"/>
-              <a:gd name="connsiteY112" fmla="*/ 4547582 h 6858000"/>
-              <a:gd name="connsiteX113" fmla="*/ 323078 w 5734864"/>
-              <a:gd name="connsiteY113" fmla="*/ 4592102 h 6858000"/>
-              <a:gd name="connsiteX114" fmla="*/ 328722 w 5734864"/>
-              <a:gd name="connsiteY114" fmla="*/ 4667914 h 6858000"/>
-              <a:gd name="connsiteX115" fmla="*/ 335597 w 5734864"/>
-              <a:gd name="connsiteY115" fmla="*/ 4695035 h 6858000"/>
-              <a:gd name="connsiteX116" fmla="*/ 339485 w 5734864"/>
-              <a:gd name="connsiteY116" fmla="*/ 4695979 h 6858000"/>
-              <a:gd name="connsiteX117" fmla="*/ 341089 w 5734864"/>
-              <a:gd name="connsiteY117" fmla="*/ 4704268 h 6858000"/>
-              <a:gd name="connsiteX118" fmla="*/ 342177 w 5734864"/>
-              <a:gd name="connsiteY118" fmla="*/ 4706060 h 6858000"/>
-              <a:gd name="connsiteX119" fmla="*/ 347751 w 5734864"/>
-              <a:gd name="connsiteY119" fmla="*/ 4716754 h 6858000"/>
-              <a:gd name="connsiteX120" fmla="*/ 344125 w 5734864"/>
-              <a:gd name="connsiteY120" fmla="*/ 4764669 h 6858000"/>
-              <a:gd name="connsiteX121" fmla="*/ 340188 w 5734864"/>
-              <a:gd name="connsiteY121" fmla="*/ 4779386 h 6858000"/>
-              <a:gd name="connsiteX122" fmla="*/ 335146 w 5734864"/>
-              <a:gd name="connsiteY122" fmla="*/ 4787491 h 6858000"/>
-              <a:gd name="connsiteX123" fmla="*/ 319124 w 5734864"/>
-              <a:gd name="connsiteY123" fmla="*/ 4843514 h 6858000"/>
-              <a:gd name="connsiteX124" fmla="*/ 305956 w 5734864"/>
-              <a:gd name="connsiteY124" fmla="*/ 4881505 h 6858000"/>
-              <a:gd name="connsiteX125" fmla="*/ 301062 w 5734864"/>
-              <a:gd name="connsiteY125" fmla="*/ 4889332 h 6858000"/>
-              <a:gd name="connsiteX126" fmla="*/ 302141 w 5734864"/>
-              <a:gd name="connsiteY126" fmla="*/ 4899400 h 6858000"/>
-              <a:gd name="connsiteX127" fmla="*/ 304424 w 5734864"/>
-              <a:gd name="connsiteY127" fmla="*/ 4902664 h 6858000"/>
-              <a:gd name="connsiteX128" fmla="*/ 293123 w 5734864"/>
-              <a:gd name="connsiteY128" fmla="*/ 4932769 h 6858000"/>
-              <a:gd name="connsiteX129" fmla="*/ 292275 w 5734864"/>
-              <a:gd name="connsiteY129" fmla="*/ 4936482 h 6858000"/>
-              <a:gd name="connsiteX130" fmla="*/ 288304 w 5734864"/>
-              <a:gd name="connsiteY130" fmla="*/ 4962325 h 6858000"/>
-              <a:gd name="connsiteX131" fmla="*/ 287420 w 5734864"/>
-              <a:gd name="connsiteY131" fmla="*/ 5042193 h 6858000"/>
-              <a:gd name="connsiteX132" fmla="*/ 287020 w 5734864"/>
-              <a:gd name="connsiteY132" fmla="*/ 5065655 h 6858000"/>
-              <a:gd name="connsiteX133" fmla="*/ 288488 w 5734864"/>
-              <a:gd name="connsiteY133" fmla="*/ 5082216 h 6858000"/>
-              <a:gd name="connsiteX134" fmla="*/ 282763 w 5734864"/>
-              <a:gd name="connsiteY134" fmla="*/ 5127114 h 6858000"/>
-              <a:gd name="connsiteX135" fmla="*/ 269316 w 5734864"/>
-              <a:gd name="connsiteY135" fmla="*/ 5202682 h 6858000"/>
-              <a:gd name="connsiteX136" fmla="*/ 269174 w 5734864"/>
-              <a:gd name="connsiteY136" fmla="*/ 5230835 h 6858000"/>
-              <a:gd name="connsiteX137" fmla="*/ 272679 w 5734864"/>
-              <a:gd name="connsiteY137" fmla="*/ 5232660 h 6858000"/>
-              <a:gd name="connsiteX138" fmla="*/ 272160 w 5734864"/>
-              <a:gd name="connsiteY138" fmla="*/ 5241150 h 6858000"/>
-              <a:gd name="connsiteX139" fmla="*/ 272760 w 5734864"/>
-              <a:gd name="connsiteY139" fmla="*/ 5243156 h 6858000"/>
-              <a:gd name="connsiteX140" fmla="*/ 275462 w 5734864"/>
-              <a:gd name="connsiteY140" fmla="*/ 5254919 h 6858000"/>
-              <a:gd name="connsiteX141" fmla="*/ 262897 w 5734864"/>
-              <a:gd name="connsiteY141" fmla="*/ 5286259 h 6858000"/>
-              <a:gd name="connsiteX142" fmla="*/ 252761 w 5734864"/>
-              <a:gd name="connsiteY142" fmla="*/ 5357801 h 6858000"/>
-              <a:gd name="connsiteX143" fmla="*/ 242360 w 5734864"/>
-              <a:gd name="connsiteY143" fmla="*/ 5460080 h 6858000"/>
-              <a:gd name="connsiteX144" fmla="*/ 229880 w 5734864"/>
-              <a:gd name="connsiteY144" fmla="*/ 5539714 h 6858000"/>
-              <a:gd name="connsiteX145" fmla="*/ 204283 w 5734864"/>
-              <a:gd name="connsiteY145" fmla="*/ 5639080 h 6858000"/>
-              <a:gd name="connsiteX146" fmla="*/ 198948 w 5734864"/>
-              <a:gd name="connsiteY146" fmla="*/ 5710958 h 6858000"/>
-              <a:gd name="connsiteX147" fmla="*/ 192367 w 5734864"/>
-              <a:gd name="connsiteY147" fmla="*/ 5719859 h 6858000"/>
-              <a:gd name="connsiteX148" fmla="*/ 188035 w 5734864"/>
-              <a:gd name="connsiteY148" fmla="*/ 5729935 h 6858000"/>
-              <a:gd name="connsiteX149" fmla="*/ 188428 w 5734864"/>
-              <a:gd name="connsiteY149" fmla="*/ 5731182 h 6858000"/>
-              <a:gd name="connsiteX150" fmla="*/ 181635 w 5734864"/>
-              <a:gd name="connsiteY150" fmla="*/ 5753538 h 6858000"/>
-              <a:gd name="connsiteX151" fmla="*/ 169744 w 5734864"/>
-              <a:gd name="connsiteY151" fmla="*/ 5796307 h 6858000"/>
-              <a:gd name="connsiteX152" fmla="*/ 170351 w 5734864"/>
-              <a:gd name="connsiteY152" fmla="*/ 5796644 h 6858000"/>
-              <a:gd name="connsiteX153" fmla="*/ 171559 w 5734864"/>
-              <a:gd name="connsiteY153" fmla="*/ 5803435 h 6858000"/>
-              <a:gd name="connsiteX154" fmla="*/ 172284 w 5734864"/>
-              <a:gd name="connsiteY154" fmla="*/ 5816391 h 6858000"/>
-              <a:gd name="connsiteX155" fmla="*/ 182542 w 5734864"/>
-              <a:gd name="connsiteY155" fmla="*/ 5846382 h 6858000"/>
-              <a:gd name="connsiteX156" fmla="*/ 175877 w 5734864"/>
-              <a:gd name="connsiteY156" fmla="*/ 5871336 h 6858000"/>
-              <a:gd name="connsiteX157" fmla="*/ 174910 w 5734864"/>
-              <a:gd name="connsiteY157" fmla="*/ 5876376 h 6858000"/>
-              <a:gd name="connsiteX158" fmla="*/ 175047 w 5734864"/>
-              <a:gd name="connsiteY158" fmla="*/ 5876483 h 6858000"/>
-              <a:gd name="connsiteX159" fmla="*/ 174335 w 5734864"/>
-              <a:gd name="connsiteY159" fmla="*/ 5881814 h 6858000"/>
-              <a:gd name="connsiteX160" fmla="*/ 171273 w 5734864"/>
-              <a:gd name="connsiteY160" fmla="*/ 5895339 h 6858000"/>
-              <a:gd name="connsiteX161" fmla="*/ 171658 w 5734864"/>
-              <a:gd name="connsiteY161" fmla="*/ 5898749 h 6858000"/>
-              <a:gd name="connsiteX162" fmla="*/ 174658 w 5734864"/>
-              <a:gd name="connsiteY162" fmla="*/ 5919558 h 6858000"/>
-              <a:gd name="connsiteX163" fmla="*/ 169099 w 5734864"/>
-              <a:gd name="connsiteY163" fmla="*/ 5984417 h 6858000"/>
-              <a:gd name="connsiteX164" fmla="*/ 162007 w 5734864"/>
-              <a:gd name="connsiteY164" fmla="*/ 6049043 h 6858000"/>
-              <a:gd name="connsiteX165" fmla="*/ 156875 w 5734864"/>
-              <a:gd name="connsiteY165" fmla="*/ 6114000 h 6858000"/>
-              <a:gd name="connsiteX166" fmla="*/ 165441 w 5734864"/>
-              <a:gd name="connsiteY166" fmla="*/ 6146938 h 6858000"/>
-              <a:gd name="connsiteX167" fmla="*/ 165177 w 5734864"/>
-              <a:gd name="connsiteY167" fmla="*/ 6150658 h 6858000"/>
-              <a:gd name="connsiteX168" fmla="*/ 161772 w 5734864"/>
-              <a:gd name="connsiteY168" fmla="*/ 6160011 h 6858000"/>
-              <a:gd name="connsiteX169" fmla="*/ 160051 w 5734864"/>
-              <a:gd name="connsiteY169" fmla="*/ 6163393 h 6858000"/>
-              <a:gd name="connsiteX170" fmla="*/ 158473 w 5734864"/>
-              <a:gd name="connsiteY170" fmla="*/ 6168628 h 6858000"/>
-              <a:gd name="connsiteX171" fmla="*/ 158573 w 5734864"/>
-              <a:gd name="connsiteY171" fmla="*/ 6168799 h 6858000"/>
-              <a:gd name="connsiteX172" fmla="*/ 146463 w 5734864"/>
-              <a:gd name="connsiteY172" fmla="*/ 6196671 h 6858000"/>
-              <a:gd name="connsiteX173" fmla="*/ 150209 w 5734864"/>
-              <a:gd name="connsiteY173" fmla="*/ 6232365 h 6858000"/>
-              <a:gd name="connsiteX174" fmla="*/ 148544 w 5734864"/>
-              <a:gd name="connsiteY174" fmla="*/ 6246162 h 6858000"/>
-              <a:gd name="connsiteX175" fmla="*/ 148403 w 5734864"/>
-              <a:gd name="connsiteY175" fmla="*/ 6253754 h 6858000"/>
-              <a:gd name="connsiteX176" fmla="*/ 138880 w 5734864"/>
-              <a:gd name="connsiteY176" fmla="*/ 6276449 h 6858000"/>
-              <a:gd name="connsiteX177" fmla="*/ 138683 w 5734864"/>
-              <a:gd name="connsiteY177" fmla="*/ 6279721 h 6858000"/>
-              <a:gd name="connsiteX178" fmla="*/ 130721 w 5734864"/>
-              <a:gd name="connsiteY178" fmla="*/ 6293675 h 6858000"/>
-              <a:gd name="connsiteX179" fmla="*/ 120717 w 5734864"/>
-              <a:gd name="connsiteY179" fmla="*/ 6313967 h 6858000"/>
-              <a:gd name="connsiteX180" fmla="*/ 120841 w 5734864"/>
-              <a:gd name="connsiteY180" fmla="*/ 6315437 h 6858000"/>
-              <a:gd name="connsiteX181" fmla="*/ 115208 w 5734864"/>
-              <a:gd name="connsiteY181" fmla="*/ 6324024 h 6858000"/>
-              <a:gd name="connsiteX182" fmla="*/ 101217 w 5734864"/>
-              <a:gd name="connsiteY182" fmla="*/ 6365923 h 6858000"/>
-              <a:gd name="connsiteX183" fmla="*/ 74946 w 5734864"/>
-              <a:gd name="connsiteY183" fmla="*/ 6556817 h 6858000"/>
-              <a:gd name="connsiteX184" fmla="*/ 16001 w 5734864"/>
-              <a:gd name="connsiteY184" fmla="*/ 6808678 h 6858000"/>
-              <a:gd name="connsiteX185" fmla="*/ 0 w 5734864"/>
-              <a:gd name="connsiteY185" fmla="*/ 6858000 h 6858000"/>
-              <a:gd name="connsiteX186" fmla="*/ 5734864 w 5734864"/>
-              <a:gd name="connsiteY186" fmla="*/ 6858000 h 6858000"/>
-              <a:gd name="connsiteX187" fmla="*/ 5734864 w 5734864"/>
-              <a:gd name="connsiteY187" fmla="*/ 0 h 6858000"/>
-            </a:gdLst>
-            <a:ahLst/>
-            <a:cxnLst>
-              <a:cxn ang="0">
-                <a:pos x="connsiteX0" y="connsiteY0"/>
-              </a:cxn>
-              <a:cxn ang="0">
-                <a:pos x="connsiteX1" y="connsiteY1"/>
-              </a:cxn>
-              <a:cxn ang="0">
-                <a:pos x="connsiteX2" y="connsiteY2"/>
-              </a:cxn>
-              <a:cxn ang="0">
-                <a:pos x="connsiteX3" y="connsiteY3"/>
-              </a:cxn>
-              <a:cxn ang="0">
-                <a:pos x="connsiteX4" y="connsiteY4"/>
-              </a:cxn>
-              <a:cxn ang="0">
-                <a:pos x="connsiteX5" y="connsiteY5"/>
-              </a:cxn>
-              <a:cxn ang="0">
-                <a:pos x="connsiteX6" y="connsiteY6"/>
-              </a:cxn>
-              <a:cxn ang="0">
-                <a:pos x="connsiteX7" y="connsiteY7"/>
-              </a:cxn>
-              <a:cxn ang="0">
-                <a:pos x="connsiteX8" y="connsiteY8"/>
-              </a:cxn>
-              <a:cxn ang="0">
-                <a:pos x="connsiteX9" y="connsiteY9"/>
-              </a:cxn>
-              <a:cxn ang="0">
-                <a:pos x="connsiteX10" y="connsiteY10"/>
-              </a:cxn>
-              <a:cxn ang="0">
-                <a:pos x="connsiteX11" y="connsiteY11"/>
-              </a:cxn>
-              <a:cxn ang="0">
-                <a:pos x="connsiteX12" y="connsiteY12"/>
-              </a:cxn>
-              <a:cxn ang="0">
-                <a:pos x="connsiteX13" y="connsiteY13"/>
-              </a:cxn>
-              <a:cxn ang="0">
-                <a:pos x="connsiteX14" y="connsiteY14"/>
-              </a:cxn>
-              <a:cxn ang="0">
-                <a:pos x="connsiteX15" y="connsiteY15"/>
-              </a:cxn>
-              <a:cxn ang="0">
-                <a:pos x="connsiteX16" y="connsiteY16"/>
-              </a:cxn>
-              <a:cxn ang="0">
-                <a:pos x="connsiteX17" y="connsiteY17"/>
-              </a:cxn>
-              <a:cxn ang="0">
-                <a:pos x="connsiteX18" y="connsiteY18"/>
-              </a:cxn>
-              <a:cxn ang="0">
-                <a:pos x="connsiteX19" y="connsiteY19"/>
-              </a:cxn>
-              <a:cxn ang="0">
-                <a:pos x="connsiteX20" y="connsiteY20"/>
-              </a:cxn>
-              <a:cxn ang="0">
-                <a:pos x="connsiteX21" y="connsiteY21"/>
-              </a:cxn>
-              <a:cxn ang="0">
-                <a:pos x="connsiteX22" y="connsiteY22"/>
-              </a:cxn>
-              <a:cxn ang="0">
-                <a:pos x="connsiteX23" y="connsiteY23"/>
-              </a:cxn>
-              <a:cxn ang="0">
-                <a:pos x="connsiteX24" y="connsiteY24"/>
-              </a:cxn>
-              <a:cxn ang="0">
-                <a:pos x="connsiteX25" y="connsiteY25"/>
-              </a:cxn>
-              <a:cxn ang="0">
-                <a:pos x="connsiteX26" y="connsiteY26"/>
-              </a:cxn>
-              <a:cxn ang="0">
-                <a:pos x="connsiteX27" y="connsiteY27"/>
-              </a:cxn>
-              <a:cxn ang="0">
-                <a:pos x="connsiteX28" y="connsiteY28"/>
-              </a:cxn>
-              <a:cxn ang="0">
-                <a:pos x="connsiteX29" y="connsiteY29"/>
-              </a:cxn>
-              <a:cxn ang="0">
-                <a:pos x="connsiteX30" y="connsiteY30"/>
-              </a:cxn>
-              <a:cxn ang="0">
-                <a:pos x="connsiteX31" y="connsiteY31"/>
-              </a:cxn>
-              <a:cxn ang="0">
-                <a:pos x="connsiteX32" y="connsiteY32"/>
-              </a:cxn>
-              <a:cxn ang="0">
-                <a:pos x="connsiteX33" y="connsiteY33"/>
-              </a:cxn>
-              <a:cxn ang="0">
-                <a:pos x="connsiteX34" y="connsiteY34"/>
-              </a:cxn>
-              <a:cxn ang="0">
-                <a:pos x="connsiteX35" y="connsiteY35"/>
-              </a:cxn>
-              <a:cxn ang="0">
-                <a:pos x="connsiteX36" y="connsiteY36"/>
-              </a:cxn>
-              <a:cxn ang="0">
-                <a:pos x="connsiteX37" y="connsiteY37"/>
-              </a:cxn>
-              <a:cxn ang="0">
-                <a:pos x="connsiteX38" y="connsiteY38"/>
-              </a:cxn>
-              <a:cxn ang="0">
-                <a:pos x="connsiteX39" y="connsiteY39"/>
-              </a:cxn>
-              <a:cxn ang="0">
-                <a:pos x="connsiteX40" y="connsiteY40"/>
-              </a:cxn>
-              <a:cxn ang="0">
-                <a:pos x="connsiteX41" y="connsiteY41"/>
-              </a:cxn>
-              <a:cxn ang="0">
-                <a:pos x="connsiteX42" y="connsiteY42"/>
-              </a:cxn>
-              <a:cxn ang="0">
-                <a:pos x="connsiteX43" y="connsiteY43"/>
-              </a:cxn>
-              <a:cxn ang="0">
-                <a:pos x="connsiteX44" y="connsiteY44"/>
-              </a:cxn>
-              <a:cxn ang="0">
-                <a:pos x="connsiteX45" y="connsiteY45"/>
-              </a:cxn>
-              <a:cxn ang="0">
-                <a:pos x="connsiteX46" y="connsiteY46"/>
-              </a:cxn>
-              <a:cxn ang="0">
-                <a:pos x="connsiteX47" y="connsiteY47"/>
-              </a:cxn>
-              <a:cxn ang="0">
-                <a:pos x="connsiteX48" y="connsiteY48"/>
-              </a:cxn>
-              <a:cxn ang="0">
-                <a:pos x="connsiteX49" y="connsiteY49"/>
-              </a:cxn>
-              <a:cxn ang="0">
-                <a:pos x="connsiteX50" y="connsiteY50"/>
-              </a:cxn>
-              <a:cxn ang="0">
-                <a:pos x="connsiteX51" y="connsiteY51"/>
-              </a:cxn>
-              <a:cxn ang="0">
-                <a:pos x="connsiteX52" y="connsiteY52"/>
-              </a:cxn>
-              <a:cxn ang="0">
-                <a:pos x="connsiteX53" y="connsiteY53"/>
-              </a:cxn>
-              <a:cxn ang="0">
-                <a:pos x="connsiteX54" y="connsiteY54"/>
-              </a:cxn>
-              <a:cxn ang="0">
-                <a:pos x="connsiteX55" y="connsiteY55"/>
-              </a:cxn>
-              <a:cxn ang="0">
-                <a:pos x="connsiteX56" y="connsiteY56"/>
-              </a:cxn>
-              <a:cxn ang="0">
-                <a:pos x="connsiteX57" y="connsiteY57"/>
-              </a:cxn>
-              <a:cxn ang="0">
-                <a:pos x="connsiteX58" y="connsiteY58"/>
-              </a:cxn>
-              <a:cxn ang="0">
-                <a:pos x="connsiteX59" y="connsiteY59"/>
-              </a:cxn>
-              <a:cxn ang="0">
-                <a:pos x="connsiteX60" y="connsiteY60"/>
-              </a:cxn>
-              <a:cxn ang="0">
-                <a:pos x="connsiteX61" y="connsiteY61"/>
-              </a:cxn>
-              <a:cxn ang="0">
-                <a:pos x="connsiteX62" y="connsiteY62"/>
-              </a:cxn>
-              <a:cxn ang="0">
-                <a:pos x="connsiteX63" y="connsiteY63"/>
-              </a:cxn>
-              <a:cxn ang="0">
-                <a:pos x="connsiteX64" y="connsiteY64"/>
-              </a:cxn>
-              <a:cxn ang="0">
-                <a:pos x="connsiteX65" y="connsiteY65"/>
-              </a:cxn>
-              <a:cxn ang="0">
-                <a:pos x="connsiteX66" y="connsiteY66"/>
-              </a:cxn>
-              <a:cxn ang="0">
-                <a:pos x="connsiteX67" y="connsiteY67"/>
-              </a:cxn>
-              <a:cxn ang="0">
-                <a:pos x="connsiteX68" y="connsiteY68"/>
-              </a:cxn>
-              <a:cxn ang="0">
-                <a:pos x="connsiteX69" y="connsiteY69"/>
-              </a:cxn>
-              <a:cxn ang="0">
-                <a:pos x="connsiteX70" y="connsiteY70"/>
-              </a:cxn>
-              <a:cxn ang="0">
-                <a:pos x="connsiteX71" y="connsiteY71"/>
-              </a:cxn>
-              <a:cxn ang="0">
-                <a:pos x="connsiteX72" y="connsiteY72"/>
-              </a:cxn>
-              <a:cxn ang="0">
-                <a:pos x="connsiteX73" y="connsiteY73"/>
-              </a:cxn>
-              <a:cxn ang="0">
-                <a:pos x="connsiteX74" y="connsiteY74"/>
-              </a:cxn>
-              <a:cxn ang="0">
-                <a:pos x="connsiteX75" y="connsiteY75"/>
-              </a:cxn>
-              <a:cxn ang="0">
-                <a:pos x="connsiteX76" y="connsiteY76"/>
-              </a:cxn>
-              <a:cxn ang="0">
-                <a:pos x="connsiteX77" y="connsiteY77"/>
-              </a:cxn>
-              <a:cxn ang="0">
-                <a:pos x="connsiteX78" y="connsiteY78"/>
-              </a:cxn>
-              <a:cxn ang="0">
-                <a:pos x="connsiteX79" y="connsiteY79"/>
-              </a:cxn>
-              <a:cxn ang="0">
-                <a:pos x="connsiteX80" y="connsiteY80"/>
-              </a:cxn>
-              <a:cxn ang="0">
-                <a:pos x="connsiteX81" y="connsiteY81"/>
-              </a:cxn>
-              <a:cxn ang="0">
-                <a:pos x="connsiteX82" y="connsiteY82"/>
-              </a:cxn>
-              <a:cxn ang="0">
-                <a:pos x="connsiteX83" y="connsiteY83"/>
-              </a:cxn>
-              <a:cxn ang="0">
-                <a:pos x="connsiteX84" y="connsiteY84"/>
-              </a:cxn>
-              <a:cxn ang="0">
-                <a:pos x="connsiteX85" y="connsiteY85"/>
-              </a:cxn>
-              <a:cxn ang="0">
-                <a:pos x="connsiteX86" y="connsiteY86"/>
-              </a:cxn>
-              <a:cxn ang="0">
-                <a:pos x="connsiteX87" y="connsiteY87"/>
-              </a:cxn>
-              <a:cxn ang="0">
-                <a:pos x="connsiteX88" y="connsiteY88"/>
-              </a:cxn>
-              <a:cxn ang="0">
-                <a:pos x="connsiteX89" y="connsiteY89"/>
-              </a:cxn>
-              <a:cxn ang="0">
-                <a:pos x="connsiteX90" y="connsiteY90"/>
-              </a:cxn>
-              <a:cxn ang="0">
-                <a:pos x="connsiteX91" y="connsiteY91"/>
-              </a:cxn>
-              <a:cxn ang="0">
-                <a:pos x="connsiteX92" y="connsiteY92"/>
-              </a:cxn>
-              <a:cxn ang="0">
-                <a:pos x="connsiteX93" y="connsiteY93"/>
-              </a:cxn>
-              <a:cxn ang="0">
-                <a:pos x="connsiteX94" y="connsiteY94"/>
-              </a:cxn>
-              <a:cxn ang="0">
-                <a:pos x="connsiteX95" y="connsiteY95"/>
-              </a:cxn>
-              <a:cxn ang="0">
-                <a:pos x="connsiteX96" y="connsiteY96"/>
-              </a:cxn>
-              <a:cxn ang="0">
-                <a:pos x="connsiteX97" y="connsiteY97"/>
-              </a:cxn>
-              <a:cxn ang="0">
-                <a:pos x="connsiteX98" y="connsiteY98"/>
-              </a:cxn>
-              <a:cxn ang="0">
-                <a:pos x="connsiteX99" y="connsiteY99"/>
-              </a:cxn>
-              <a:cxn ang="0">
-                <a:pos x="connsiteX100" y="connsiteY100"/>
-              </a:cxn>
-              <a:cxn ang="0">
-                <a:pos x="connsiteX101" y="connsiteY101"/>
-              </a:cxn>
-              <a:cxn ang="0">
-                <a:pos x="connsiteX102" y="connsiteY102"/>
-              </a:cxn>
-              <a:cxn ang="0">
-                <a:pos x="connsiteX103" y="connsiteY103"/>
-              </a:cxn>
-              <a:cxn ang="0">
-                <a:pos x="connsiteX104" y="connsiteY104"/>
-              </a:cxn>
-              <a:cxn ang="0">
-                <a:pos x="connsiteX105" y="connsiteY105"/>
-              </a:cxn>
-              <a:cxn ang="0">
-                <a:pos x="connsiteX106" y="connsiteY106"/>
-              </a:cxn>
-              <a:cxn ang="0">
-                <a:pos x="connsiteX107" y="connsiteY107"/>
-              </a:cxn>
-              <a:cxn ang="0">
-                <a:pos x="connsiteX108" y="connsiteY108"/>
-              </a:cxn>
-              <a:cxn ang="0">
-                <a:pos x="connsiteX109" y="connsiteY109"/>
-              </a:cxn>
-              <a:cxn ang="0">
-                <a:pos x="connsiteX110" y="connsiteY110"/>
-              </a:cxn>
-              <a:cxn ang="0">
-                <a:pos x="connsiteX111" y="connsiteY111"/>
-              </a:cxn>
-              <a:cxn ang="0">
-                <a:pos x="connsiteX112" y="connsiteY112"/>
-              </a:cxn>
-              <a:cxn ang="0">
-                <a:pos x="connsiteX113" y="connsiteY113"/>
-              </a:cxn>
-              <a:cxn ang="0">
-                <a:pos x="connsiteX114" y="connsiteY114"/>
-              </a:cxn>
-              <a:cxn ang="0">
-                <a:pos x="connsiteX115" y="connsiteY115"/>
-              </a:cxn>
-              <a:cxn ang="0">
-                <a:pos x="connsiteX116" y="connsiteY116"/>
-              </a:cxn>
-              <a:cxn ang="0">
-                <a:pos x="connsiteX117" y="connsiteY117"/>
-              </a:cxn>
-              <a:cxn ang="0">
-                <a:pos x="connsiteX118" y="connsiteY118"/>
-              </a:cxn>
-              <a:cxn ang="0">
-                <a:pos x="connsiteX119" y="connsiteY119"/>
-              </a:cxn>
-              <a:cxn ang="0">
-                <a:pos x="connsiteX120" y="connsiteY120"/>
-              </a:cxn>
-              <a:cxn ang="0">
-                <a:pos x="connsiteX121" y="connsiteY121"/>
-              </a:cxn>
-              <a:cxn ang="0">
-                <a:pos x="connsiteX122" y="connsiteY122"/>
-              </a:cxn>
-              <a:cxn ang="0">
-                <a:pos x="connsiteX123" y="connsiteY123"/>
-              </a:cxn>
-              <a:cxn ang="0">
-                <a:pos x="connsiteX124" y="connsiteY124"/>
-              </a:cxn>
-              <a:cxn ang="0">
-                <a:pos x="connsiteX125" y="connsiteY125"/>
-              </a:cxn>
-              <a:cxn ang="0">
-                <a:pos x="connsiteX126" y="connsiteY126"/>
-              </a:cxn>
-              <a:cxn ang="0">
-                <a:pos x="connsiteX127" y="connsiteY127"/>
-              </a:cxn>
-              <a:cxn ang="0">
-                <a:pos x="connsiteX128" y="connsiteY128"/>
-              </a:cxn>
-              <a:cxn ang="0">
-                <a:pos x="connsiteX129" y="connsiteY129"/>
-              </a:cxn>
-              <a:cxn ang="0">
-                <a:pos x="connsiteX130" y="connsiteY130"/>
-              </a:cxn>
-              <a:cxn ang="0">
-                <a:pos x="connsiteX131" y="connsiteY131"/>
-              </a:cxn>
-              <a:cxn ang="0">
-                <a:pos x="connsiteX132" y="connsiteY132"/>
-              </a:cxn>
-              <a:cxn ang="0">
-                <a:pos x="connsiteX133" y="connsiteY133"/>
-              </a:cxn>
-              <a:cxn ang="0">
-                <a:pos x="connsiteX134" y="connsiteY134"/>
-              </a:cxn>
-              <a:cxn ang="0">
-                <a:pos x="connsiteX135" y="connsiteY135"/>
-              </a:cxn>
-              <a:cxn ang="0">
-                <a:pos x="connsiteX136" y="connsiteY136"/>
-              </a:cxn>
-              <a:cxn ang="0">
-                <a:pos x="connsiteX137" y="connsiteY137"/>
-              </a:cxn>
-              <a:cxn ang="0">
-                <a:pos x="connsiteX138" y="connsiteY138"/>
-              </a:cxn>
-              <a:cxn ang="0">
-                <a:pos x="connsiteX139" y="connsiteY139"/>
-              </a:cxn>
-              <a:cxn ang="0">
-                <a:pos x="connsiteX140" y="connsiteY140"/>
-              </a:cxn>
-              <a:cxn ang="0">
-                <a:pos x="connsiteX141" y="connsiteY141"/>
-              </a:cxn>
-              <a:cxn ang="0">
-                <a:pos x="connsiteX142" y="connsiteY142"/>
-              </a:cxn>
-              <a:cxn ang="0">
-                <a:pos x="connsiteX143" y="connsiteY143"/>
-              </a:cxn>
-              <a:cxn ang="0">
-                <a:pos x="connsiteX144" y="connsiteY144"/>
-              </a:cxn>
-              <a:cxn ang="0">
-                <a:pos x="connsiteX145" y="connsiteY145"/>
-              </a:cxn>
-              <a:cxn ang="0">
-                <a:pos x="connsiteX146" y="connsiteY146"/>
-              </a:cxn>
-              <a:cxn ang="0">
-                <a:pos x="connsiteX147" y="connsiteY147"/>
-              </a:cxn>
-              <a:cxn ang="0">
-                <a:pos x="connsiteX148" y="connsiteY148"/>
-              </a:cxn>
-              <a:cxn ang="0">
-                <a:pos x="connsiteX149" y="connsiteY149"/>
-              </a:cxn>
-              <a:cxn ang="0">
-                <a:pos x="connsiteX150" y="connsiteY150"/>
-              </a:cxn>
-              <a:cxn ang="0">
-                <a:pos x="connsiteX151" y="connsiteY151"/>
-              </a:cxn>
-              <a:cxn ang="0">
-                <a:pos x="connsiteX152" y="connsiteY152"/>
-              </a:cxn>
-              <a:cxn ang="0">
-                <a:pos x="connsiteX153" y="connsiteY153"/>
-              </a:cxn>
-              <a:cxn ang="0">
-                <a:pos x="connsiteX154" y="connsiteY154"/>
-              </a:cxn>
-              <a:cxn ang="0">
-                <a:pos x="connsiteX155" y="connsiteY155"/>
-              </a:cxn>
-              <a:cxn ang="0">
-                <a:pos x="connsiteX156" y="connsiteY156"/>
-              </a:cxn>
-              <a:cxn ang="0">
-                <a:pos x="connsiteX157" y="connsiteY157"/>
-              </a:cxn>
-              <a:cxn ang="0">
-                <a:pos x="connsiteX158" y="connsiteY158"/>
-              </a:cxn>
-              <a:cxn ang="0">
-                <a:pos x="connsiteX159" y="connsiteY159"/>
-              </a:cxn>
-              <a:cxn ang="0">
-                <a:pos x="connsiteX160" y="connsiteY160"/>
-              </a:cxn>
-              <a:cxn ang="0">
-                <a:pos x="connsiteX161" y="connsiteY161"/>
-              </a:cxn>
-              <a:cxn ang="0">
-                <a:pos x="connsiteX162" y="connsiteY162"/>
-              </a:cxn>
-              <a:cxn ang="0">
-                <a:pos x="connsiteX163" y="connsiteY163"/>
-              </a:cxn>
-              <a:cxn ang="0">
-                <a:pos x="connsiteX164" y="connsiteY164"/>
-              </a:cxn>
-              <a:cxn ang="0">
-                <a:pos x="connsiteX165" y="connsiteY165"/>
-              </a:cxn>
-              <a:cxn ang="0">
-                <a:pos x="connsiteX166" y="connsiteY166"/>
-              </a:cxn>
-              <a:cxn ang="0">
-                <a:pos x="connsiteX167" y="connsiteY167"/>
-              </a:cxn>
-              <a:cxn ang="0">
-                <a:pos x="connsiteX168" y="connsiteY168"/>
-              </a:cxn>
-              <a:cxn ang="0">
-                <a:pos x="connsiteX169" y="connsiteY169"/>
-              </a:cxn>
-              <a:cxn ang="0">
-                <a:pos x="connsiteX170" y="connsiteY170"/>
-              </a:cxn>
-              <a:cxn ang="0">
-                <a:pos x="connsiteX171" y="connsiteY171"/>
-              </a:cxn>
-              <a:cxn ang="0">
-                <a:pos x="connsiteX172" y="connsiteY172"/>
-              </a:cxn>
-              <a:cxn ang="0">
-                <a:pos x="connsiteX173" y="connsiteY173"/>
-              </a:cxn>
-              <a:cxn ang="0">
-                <a:pos x="connsiteX174" y="connsiteY174"/>
-              </a:cxn>
-              <a:cxn ang="0">
-                <a:pos x="connsiteX175" y="connsiteY175"/>
-              </a:cxn>
-              <a:cxn ang="0">
-                <a:pos x="connsiteX176" y="connsiteY176"/>
-              </a:cxn>
-              <a:cxn ang="0">
-                <a:pos x="connsiteX177" y="connsiteY177"/>
-              </a:cxn>
-              <a:cxn ang="0">
-                <a:pos x="connsiteX178" y="connsiteY178"/>
-              </a:cxn>
-              <a:cxn ang="0">
-                <a:pos x="connsiteX179" y="connsiteY179"/>
-              </a:cxn>
-              <a:cxn ang="0">
-                <a:pos x="connsiteX180" y="connsiteY180"/>
-              </a:cxn>
-              <a:cxn ang="0">
-                <a:pos x="connsiteX181" y="connsiteY181"/>
-              </a:cxn>
-              <a:cxn ang="0">
-                <a:pos x="connsiteX182" y="connsiteY182"/>
-              </a:cxn>
-              <a:cxn ang="0">
-                <a:pos x="connsiteX183" y="connsiteY183"/>
-              </a:cxn>
-              <a:cxn ang="0">
-                <a:pos x="connsiteX184" y="connsiteY184"/>
-              </a:cxn>
-              <a:cxn ang="0">
-                <a:pos x="connsiteX185" y="connsiteY185"/>
-              </a:cxn>
-              <a:cxn ang="0">
-                <a:pos x="connsiteX186" y="connsiteY186"/>
-              </a:cxn>
-              <a:cxn ang="0">
-                <a:pos x="connsiteX187" y="connsiteY187"/>
-              </a:cxn>
-            </a:cxnLst>
-            <a:rect l="l" t="t" r="r" b="b"/>
-            <a:pathLst>
-              <a:path w="5734864" h="6858000">
-                <a:moveTo>
-                  <a:pt x="5734864" y="0"/>
-                </a:moveTo>
-                <a:lnTo>
-                  <a:pt x="771611" y="0"/>
-                </a:lnTo>
-                <a:cubicBezTo>
-                  <a:pt x="771634" y="16369"/>
-                  <a:pt x="771656" y="32739"/>
-                  <a:pt x="771679" y="49108"/>
-                </a:cubicBezTo>
-                <a:cubicBezTo>
-                  <a:pt x="775201" y="55622"/>
-                  <a:pt x="788724" y="196721"/>
-                  <a:pt x="794248" y="200968"/>
-                </a:cubicBezTo>
-                <a:lnTo>
-                  <a:pt x="801749" y="414071"/>
-                </a:lnTo>
-                <a:cubicBezTo>
-                  <a:pt x="807329" y="440933"/>
-                  <a:pt x="835107" y="598697"/>
-                  <a:pt x="818548" y="585467"/>
-                </a:cubicBezTo>
-                <a:cubicBezTo>
-                  <a:pt x="856197" y="664140"/>
-                  <a:pt x="837895" y="708473"/>
-                  <a:pt x="857476" y="800623"/>
-                </a:cubicBezTo>
-                <a:cubicBezTo>
-                  <a:pt x="822401" y="857344"/>
-                  <a:pt x="855723" y="824571"/>
-                  <a:pt x="851083" y="878903"/>
-                </a:cubicBezTo>
-                <a:cubicBezTo>
-                  <a:pt x="884811" y="859448"/>
-                  <a:pt x="834648" y="946397"/>
-                  <a:pt x="873564" y="943826"/>
-                </a:cubicBezTo>
-                <a:cubicBezTo>
-                  <a:pt x="871487" y="953795"/>
-                  <a:pt x="868248" y="963533"/>
-                  <a:pt x="864705" y="973328"/>
-                </a:cubicBezTo>
-                <a:lnTo>
-                  <a:pt x="862869" y="978457"/>
-                </a:lnTo>
-                <a:lnTo>
-                  <a:pt x="862233" y="998041"/>
-                </a:lnTo>
-                <a:lnTo>
-                  <a:pt x="853665" y="1004750"/>
-                </a:lnTo>
-                <a:lnTo>
-                  <a:pt x="847865" y="1070795"/>
-                </a:lnTo>
-                <a:cubicBezTo>
-                  <a:pt x="870234" y="1110486"/>
-                  <a:pt x="833172" y="1190441"/>
-                  <a:pt x="862786" y="1238994"/>
-                </a:cubicBezTo>
-                <a:cubicBezTo>
-                  <a:pt x="864699" y="1290599"/>
-                  <a:pt x="860615" y="1347716"/>
-                  <a:pt x="859345" y="1380427"/>
-                </a:cubicBezTo>
-                <a:cubicBezTo>
-                  <a:pt x="845703" y="1396391"/>
-                  <a:pt x="873184" y="1435525"/>
-                  <a:pt x="855172" y="1435262"/>
-                </a:cubicBezTo>
-                <a:lnTo>
-                  <a:pt x="860494" y="1453861"/>
-                </a:lnTo>
-                <a:lnTo>
-                  <a:pt x="853731" y="1467047"/>
-                </a:lnTo>
-                <a:cubicBezTo>
-                  <a:pt x="846549" y="1480528"/>
-                  <a:pt x="841728" y="1491093"/>
-                  <a:pt x="845847" y="1502307"/>
-                </a:cubicBezTo>
-                <a:lnTo>
-                  <a:pt x="817613" y="1565166"/>
-                </a:lnTo>
-                <a:cubicBezTo>
-                  <a:pt x="805468" y="1557258"/>
-                  <a:pt x="816534" y="1596564"/>
-                  <a:pt x="804223" y="1601941"/>
-                </a:cubicBezTo>
-                <a:cubicBezTo>
-                  <a:pt x="794287" y="1604654"/>
-                  <a:pt x="795328" y="1617209"/>
-                  <a:pt x="791773" y="1627005"/>
-                </a:cubicBezTo>
-                <a:cubicBezTo>
-                  <a:pt x="781684" y="1634393"/>
-                  <a:pt x="772978" y="1683187"/>
-                  <a:pt x="774645" y="1699922"/>
-                </a:cubicBezTo>
-                <a:cubicBezTo>
-                  <a:pt x="785341" y="1746767"/>
-                  <a:pt x="744845" y="1787099"/>
-                  <a:pt x="752343" y="1824604"/>
-                </a:cubicBezTo>
-                <a:cubicBezTo>
-                  <a:pt x="751502" y="1834578"/>
-                  <a:pt x="749297" y="1842929"/>
-                  <a:pt x="746254" y="1850222"/>
-                </a:cubicBezTo>
-                <a:lnTo>
-                  <a:pt x="728600" y="1869603"/>
-                </a:lnTo>
-                <a:lnTo>
-                  <a:pt x="724396" y="1883104"/>
-                </a:lnTo>
-                <a:lnTo>
-                  <a:pt x="722165" y="1885924"/>
-                </a:lnTo>
-                <a:lnTo>
-                  <a:pt x="721338" y="1887123"/>
-                </a:lnTo>
-                <a:lnTo>
-                  <a:pt x="714840" y="1902274"/>
-                </a:lnTo>
-                <a:lnTo>
-                  <a:pt x="722847" y="1929891"/>
-                </a:lnTo>
-                <a:lnTo>
-                  <a:pt x="714660" y="1982709"/>
-                </a:lnTo>
-                <a:cubicBezTo>
-                  <a:pt x="727725" y="2006201"/>
-                  <a:pt x="714739" y="1997091"/>
-                  <a:pt x="710759" y="2013010"/>
-                </a:cubicBezTo>
-                <a:cubicBezTo>
-                  <a:pt x="707970" y="2027531"/>
-                  <a:pt x="700788" y="2054714"/>
-                  <a:pt x="697927" y="2069833"/>
-                </a:cubicBezTo>
-                <a:cubicBezTo>
-                  <a:pt x="685211" y="2080229"/>
-                  <a:pt x="698762" y="2088241"/>
-                  <a:pt x="693594" y="2103731"/>
-                </a:cubicBezTo>
-                <a:cubicBezTo>
-                  <a:pt x="688481" y="2110649"/>
-                  <a:pt x="687183" y="2115973"/>
-                  <a:pt x="691109" y="2124027"/>
-                </a:cubicBezTo>
-                <a:cubicBezTo>
-                  <a:pt x="666413" y="2155740"/>
-                  <a:pt x="688031" y="2144874"/>
-                  <a:pt x="676593" y="2176182"/>
-                </a:cubicBezTo>
-                <a:cubicBezTo>
-                  <a:pt x="665190" y="2202944"/>
-                  <a:pt x="656416" y="2233857"/>
-                  <a:pt x="633227" y="2258036"/>
-                </a:cubicBezTo>
-                <a:cubicBezTo>
-                  <a:pt x="626930" y="2262191"/>
-                  <a:pt x="623498" y="2274069"/>
-                  <a:pt x="625564" y="2284567"/>
-                </a:cubicBezTo>
-                <a:cubicBezTo>
-                  <a:pt x="625918" y="2286374"/>
-                  <a:pt x="626427" y="2288071"/>
-                  <a:pt x="627074" y="2289605"/>
-                </a:cubicBezTo>
-                <a:cubicBezTo>
-                  <a:pt x="619029" y="2296628"/>
-                  <a:pt x="616453" y="2303188"/>
-                  <a:pt x="614574" y="2308717"/>
-                </a:cubicBezTo>
-                <a:lnTo>
-                  <a:pt x="606890" y="2320662"/>
-                </a:lnTo>
-                <a:lnTo>
-                  <a:pt x="605558" y="2327897"/>
-                </a:lnTo>
-                <a:lnTo>
-                  <a:pt x="602202" y="2357749"/>
-                </a:lnTo>
-                <a:lnTo>
-                  <a:pt x="600213" y="2364905"/>
-                </a:lnTo>
-                <a:lnTo>
-                  <a:pt x="597160" y="2388351"/>
-                </a:lnTo>
-                <a:lnTo>
-                  <a:pt x="597982" y="2402296"/>
-                </a:lnTo>
-                <a:lnTo>
-                  <a:pt x="593150" y="2420015"/>
-                </a:lnTo>
-                <a:cubicBezTo>
-                  <a:pt x="593044" y="2420926"/>
-                  <a:pt x="592939" y="2421838"/>
-                  <a:pt x="592833" y="2422749"/>
-                </a:cubicBezTo>
-                <a:lnTo>
-                  <a:pt x="594479" y="2426002"/>
-                </a:lnTo>
-                <a:cubicBezTo>
-                  <a:pt x="594168" y="2427683"/>
-                  <a:pt x="593118" y="2429721"/>
-                  <a:pt x="591963" y="2431950"/>
-                </a:cubicBezTo>
-                <a:cubicBezTo>
-                  <a:pt x="591823" y="2432599"/>
-                  <a:pt x="591684" y="2433248"/>
-                  <a:pt x="591544" y="2433897"/>
-                </a:cubicBezTo>
-                <a:lnTo>
-                  <a:pt x="589519" y="2451398"/>
-                </a:lnTo>
-                <a:cubicBezTo>
-                  <a:pt x="589692" y="2452777"/>
-                  <a:pt x="589864" y="2454157"/>
-                  <a:pt x="590037" y="2455536"/>
-                </a:cubicBezTo>
-                <a:lnTo>
-                  <a:pt x="588179" y="2462981"/>
-                </a:lnTo>
-                <a:lnTo>
-                  <a:pt x="583434" y="2503991"/>
-                </a:lnTo>
-                <a:cubicBezTo>
-                  <a:pt x="576530" y="2566058"/>
-                  <a:pt x="570433" y="2625224"/>
-                  <a:pt x="567942" y="2652936"/>
-                </a:cubicBezTo>
-                <a:cubicBezTo>
-                  <a:pt x="570864" y="2658290"/>
-                  <a:pt x="572739" y="2664095"/>
-                  <a:pt x="573869" y="2670188"/>
-                </a:cubicBezTo>
-                <a:lnTo>
-                  <a:pt x="575243" y="2688114"/>
-                </a:lnTo>
-                <a:lnTo>
-                  <a:pt x="573824" y="2689856"/>
-                </a:lnTo>
-                <a:cubicBezTo>
-                  <a:pt x="569972" y="2698471"/>
-                  <a:pt x="569572" y="2704494"/>
-                  <a:pt x="570699" y="2709353"/>
-                </a:cubicBezTo>
-                <a:lnTo>
-                  <a:pt x="573192" y="2714527"/>
-                </a:lnTo>
-                <a:cubicBezTo>
-                  <a:pt x="572809" y="2719080"/>
-                  <a:pt x="572427" y="2723634"/>
-                  <a:pt x="572044" y="2728187"/>
-                </a:cubicBezTo>
-                <a:cubicBezTo>
-                  <a:pt x="572184" y="2737412"/>
-                  <a:pt x="572325" y="2746638"/>
-                  <a:pt x="572465" y="2755863"/>
-                </a:cubicBezTo>
-                <a:lnTo>
-                  <a:pt x="570028" y="2760324"/>
-                </a:lnTo>
-                <a:lnTo>
-                  <a:pt x="566748" y="2800948"/>
-                </a:lnTo>
-                <a:lnTo>
-                  <a:pt x="565509" y="2801167"/>
-                </a:lnTo>
-                <a:cubicBezTo>
-                  <a:pt x="562655" y="2802587"/>
-                  <a:pt x="560408" y="2805381"/>
-                  <a:pt x="559367" y="2811129"/>
-                </a:cubicBezTo>
-                <a:cubicBezTo>
-                  <a:pt x="543471" y="2797318"/>
-                  <a:pt x="552020" y="2812773"/>
-                  <a:pt x="550354" y="2830949"/>
-                </a:cubicBezTo>
-                <a:cubicBezTo>
-                  <a:pt x="525292" y="2813553"/>
-                  <a:pt x="531129" y="2868192"/>
-                  <a:pt x="514795" y="2872433"/>
-                </a:cubicBezTo>
-                <a:lnTo>
-                  <a:pt x="509875" y="2923099"/>
-                </a:lnTo>
-                <a:lnTo>
-                  <a:pt x="509577" y="2923197"/>
-                </a:lnTo>
-                <a:cubicBezTo>
-                  <a:pt x="508704" y="2924865"/>
-                  <a:pt x="508038" y="2927556"/>
-                  <a:pt x="507597" y="2931868"/>
-                </a:cubicBezTo>
-                <a:cubicBezTo>
-                  <a:pt x="507524" y="2934019"/>
-                  <a:pt x="507452" y="2936171"/>
-                  <a:pt x="507379" y="2938322"/>
-                </a:cubicBezTo>
-                <a:lnTo>
-                  <a:pt x="504725" y="2954519"/>
-                </a:lnTo>
-                <a:lnTo>
-                  <a:pt x="502018" y="2959643"/>
-                </a:lnTo>
-                <a:lnTo>
-                  <a:pt x="498360" y="2961019"/>
-                </a:lnTo>
-                <a:lnTo>
-                  <a:pt x="498483" y="2962590"/>
-                </a:lnTo>
-                <a:cubicBezTo>
-                  <a:pt x="502388" y="2975027"/>
-                  <a:pt x="510202" y="2980016"/>
-                  <a:pt x="484403" y="2990538"/>
-                </a:cubicBezTo>
-                <a:cubicBezTo>
-                  <a:pt x="489425" y="3018352"/>
-                  <a:pt x="474337" y="3021029"/>
-                  <a:pt x="463075" y="3055956"/>
-                </a:cubicBezTo>
-                <a:cubicBezTo>
-                  <a:pt x="469487" y="3072485"/>
-                  <a:pt x="464165" y="3083955"/>
-                  <a:pt x="455013" y="3094482"/>
-                </a:cubicBezTo>
-                <a:cubicBezTo>
-                  <a:pt x="453131" y="3130054"/>
-                  <a:pt x="437643" y="3160106"/>
-                  <a:pt x="428391" y="3198850"/>
-                </a:cubicBezTo>
-                <a:lnTo>
-                  <a:pt x="401440" y="3307560"/>
-                </a:lnTo>
-                <a:lnTo>
-                  <a:pt x="386076" y="3373943"/>
-                </a:lnTo>
-                <a:cubicBezTo>
-                  <a:pt x="386236" y="3376061"/>
-                  <a:pt x="380537" y="3378856"/>
-                  <a:pt x="374726" y="3381364"/>
-                </a:cubicBezTo>
-                <a:lnTo>
-                  <a:pt x="369145" y="3383729"/>
-                </a:lnTo>
-                <a:lnTo>
-                  <a:pt x="364294" y="3414159"/>
-                </a:lnTo>
-                <a:lnTo>
-                  <a:pt x="366450" y="3436925"/>
-                </a:lnTo>
-                <a:lnTo>
-                  <a:pt x="351743" y="3521619"/>
-                </a:lnTo>
-                <a:lnTo>
-                  <a:pt x="345784" y="3603757"/>
-                </a:lnTo>
-                <a:cubicBezTo>
-                  <a:pt x="345255" y="3619979"/>
-                  <a:pt x="344727" y="3636202"/>
-                  <a:pt x="344198" y="3652424"/>
-                </a:cubicBezTo>
-                <a:lnTo>
-                  <a:pt x="352450" y="3665222"/>
-                </a:lnTo>
-                <a:lnTo>
-                  <a:pt x="342621" y="3700804"/>
-                </a:lnTo>
-                <a:lnTo>
-                  <a:pt x="341514" y="3734774"/>
-                </a:lnTo>
-                <a:cubicBezTo>
-                  <a:pt x="341212" y="3751567"/>
-                  <a:pt x="340909" y="3768360"/>
-                  <a:pt x="340607" y="3785153"/>
-                </a:cubicBezTo>
-                <a:cubicBezTo>
-                  <a:pt x="340640" y="3786161"/>
-                  <a:pt x="340674" y="3787169"/>
-                  <a:pt x="340707" y="3788177"/>
-                </a:cubicBezTo>
-                <a:cubicBezTo>
-                  <a:pt x="340592" y="3791719"/>
-                  <a:pt x="340476" y="3795261"/>
-                  <a:pt x="340361" y="3798803"/>
-                </a:cubicBezTo>
-                <a:cubicBezTo>
-                  <a:pt x="340121" y="3812119"/>
-                  <a:pt x="339882" y="3825434"/>
-                  <a:pt x="339642" y="3838750"/>
-                </a:cubicBezTo>
-                <a:cubicBezTo>
-                  <a:pt x="337363" y="3949044"/>
-                  <a:pt x="361794" y="3960437"/>
-                  <a:pt x="360295" y="4015196"/>
-                </a:cubicBezTo>
-                <a:lnTo>
-                  <a:pt x="339043" y="4052778"/>
-                </a:lnTo>
-                <a:lnTo>
-                  <a:pt x="339343" y="4096257"/>
-                </a:lnTo>
-                <a:cubicBezTo>
-                  <a:pt x="362058" y="4159145"/>
-                  <a:pt x="332404" y="4250479"/>
-                  <a:pt x="340786" y="4321136"/>
-                </a:cubicBezTo>
-                <a:cubicBezTo>
-                  <a:pt x="341421" y="4376624"/>
-                  <a:pt x="344189" y="4407708"/>
-                  <a:pt x="343158" y="4429174"/>
-                </a:cubicBezTo>
-                <a:cubicBezTo>
-                  <a:pt x="340948" y="4436304"/>
-                  <a:pt x="337887" y="4443121"/>
-                  <a:pt x="334599" y="4449938"/>
-                </a:cubicBezTo>
-                <a:lnTo>
-                  <a:pt x="332890" y="4453515"/>
-                </a:lnTo>
-                <a:lnTo>
-                  <a:pt x="331105" y="4467941"/>
-                </a:lnTo>
-                <a:lnTo>
-                  <a:pt x="324289" y="4471861"/>
-                </a:lnTo>
-                <a:lnTo>
-                  <a:pt x="317079" y="4493468"/>
-                </a:lnTo>
-                <a:cubicBezTo>
-                  <a:pt x="315353" y="4501584"/>
-                  <a:pt x="314639" y="4510343"/>
-                  <a:pt x="315557" y="4520067"/>
-                </a:cubicBezTo>
-                <a:cubicBezTo>
-                  <a:pt x="315451" y="4525669"/>
-                  <a:pt x="315346" y="4531270"/>
-                  <a:pt x="315240" y="4536872"/>
-                </a:cubicBezTo>
-                <a:lnTo>
-                  <a:pt x="316200" y="4538297"/>
-                </a:lnTo>
-                <a:cubicBezTo>
-                  <a:pt x="316738" y="4541182"/>
-                  <a:pt x="316785" y="4544563"/>
-                  <a:pt x="317507" y="4547582"/>
-                </a:cubicBezTo>
-                <a:cubicBezTo>
-                  <a:pt x="322716" y="4552468"/>
-                  <a:pt x="324912" y="4582137"/>
-                  <a:pt x="323078" y="4592102"/>
-                </a:cubicBezTo>
-                <a:cubicBezTo>
-                  <a:pt x="314597" y="4619728"/>
-                  <a:pt x="334923" y="4645745"/>
-                  <a:pt x="328722" y="4667914"/>
-                </a:cubicBezTo>
-                <a:cubicBezTo>
-                  <a:pt x="330810" y="4685069"/>
-                  <a:pt x="333803" y="4690356"/>
-                  <a:pt x="335597" y="4695035"/>
-                </a:cubicBezTo>
-                <a:lnTo>
-                  <a:pt x="339485" y="4695979"/>
-                </a:lnTo>
-                <a:lnTo>
-                  <a:pt x="341089" y="4704268"/>
-                </a:lnTo>
-                <a:lnTo>
-                  <a:pt x="342177" y="4706060"/>
-                </a:lnTo>
-                <a:cubicBezTo>
-                  <a:pt x="344268" y="4709474"/>
-                  <a:pt x="346234" y="4712931"/>
-                  <a:pt x="347751" y="4716754"/>
-                </a:cubicBezTo>
-                <a:lnTo>
-                  <a:pt x="344125" y="4764669"/>
-                </a:lnTo>
-                <a:lnTo>
-                  <a:pt x="340188" y="4779386"/>
-                </a:lnTo>
-                <a:lnTo>
-                  <a:pt x="335146" y="4787491"/>
-                </a:lnTo>
-                <a:lnTo>
-                  <a:pt x="319124" y="4843514"/>
-                </a:lnTo>
-                <a:lnTo>
-                  <a:pt x="305956" y="4881505"/>
-                </a:lnTo>
-                <a:lnTo>
-                  <a:pt x="301062" y="4889332"/>
-                </a:lnTo>
-                <a:lnTo>
-                  <a:pt x="302141" y="4899400"/>
-                </a:lnTo>
-                <a:cubicBezTo>
-                  <a:pt x="302767" y="4900706"/>
-                  <a:pt x="303536" y="4901803"/>
-                  <a:pt x="304424" y="4902664"/>
-                </a:cubicBezTo>
-                <a:lnTo>
-                  <a:pt x="293123" y="4932769"/>
-                </a:lnTo>
-                <a:lnTo>
-                  <a:pt x="292275" y="4936482"/>
-                </a:lnTo>
-                <a:lnTo>
-                  <a:pt x="288304" y="4962325"/>
-                </a:lnTo>
-                <a:cubicBezTo>
-                  <a:pt x="288009" y="4988948"/>
-                  <a:pt x="287715" y="5015570"/>
-                  <a:pt x="287420" y="5042193"/>
-                </a:cubicBezTo>
-                <a:cubicBezTo>
-                  <a:pt x="295373" y="5039737"/>
-                  <a:pt x="281659" y="5060438"/>
-                  <a:pt x="287020" y="5065655"/>
-                </a:cubicBezTo>
-                <a:cubicBezTo>
-                  <a:pt x="291675" y="5068928"/>
-                  <a:pt x="288601" y="5075970"/>
-                  <a:pt x="288488" y="5082216"/>
-                </a:cubicBezTo>
-                <a:cubicBezTo>
-                  <a:pt x="292282" y="5088207"/>
-                  <a:pt x="287008" y="5117775"/>
-                  <a:pt x="282763" y="5127114"/>
-                </a:cubicBezTo>
-                <a:cubicBezTo>
-                  <a:pt x="267723" y="5152218"/>
-                  <a:pt x="280799" y="5182399"/>
-                  <a:pt x="269316" y="5202682"/>
-                </a:cubicBezTo>
-                <a:cubicBezTo>
-                  <a:pt x="267050" y="5219969"/>
-                  <a:pt x="268614" y="5225841"/>
-                  <a:pt x="269174" y="5230835"/>
-                </a:cubicBezTo>
-                <a:lnTo>
-                  <a:pt x="272679" y="5232660"/>
-                </a:lnTo>
-                <a:lnTo>
-                  <a:pt x="272160" y="5241150"/>
-                </a:lnTo>
-                <a:lnTo>
-                  <a:pt x="272760" y="5243156"/>
-                </a:lnTo>
-                <a:cubicBezTo>
-                  <a:pt x="273922" y="5246984"/>
-                  <a:pt x="274952" y="5250824"/>
-                  <a:pt x="275462" y="5254919"/>
-                </a:cubicBezTo>
-                <a:cubicBezTo>
-                  <a:pt x="258407" y="5258851"/>
-                  <a:pt x="276976" y="5290392"/>
-                  <a:pt x="262897" y="5286259"/>
-                </a:cubicBezTo>
-                <a:cubicBezTo>
-                  <a:pt x="262724" y="5309439"/>
-                  <a:pt x="239612" y="5337531"/>
-                  <a:pt x="252761" y="5357801"/>
-                </a:cubicBezTo>
-                <a:cubicBezTo>
-                  <a:pt x="248775" y="5392256"/>
-                  <a:pt x="247799" y="5423412"/>
-                  <a:pt x="242360" y="5460080"/>
-                </a:cubicBezTo>
-                <a:cubicBezTo>
-                  <a:pt x="232632" y="5488478"/>
-                  <a:pt x="242025" y="5519143"/>
-                  <a:pt x="229880" y="5539714"/>
-                </a:cubicBezTo>
-                <a:cubicBezTo>
-                  <a:pt x="230558" y="5572454"/>
-                  <a:pt x="222150" y="5613340"/>
-                  <a:pt x="204283" y="5639080"/>
-                </a:cubicBezTo>
-                <a:cubicBezTo>
-                  <a:pt x="201596" y="5674226"/>
-                  <a:pt x="191051" y="5680198"/>
-                  <a:pt x="198948" y="5710958"/>
-                </a:cubicBezTo>
-                <a:cubicBezTo>
-                  <a:pt x="196338" y="5713534"/>
-                  <a:pt x="194185" y="5716550"/>
-                  <a:pt x="192367" y="5719859"/>
-                </a:cubicBezTo>
-                <a:lnTo>
-                  <a:pt x="188035" y="5729935"/>
-                </a:lnTo>
-                <a:lnTo>
-                  <a:pt x="188428" y="5731182"/>
-                </a:lnTo>
-                <a:lnTo>
-                  <a:pt x="181635" y="5753538"/>
-                </a:lnTo>
-                <a:lnTo>
-                  <a:pt x="169744" y="5796307"/>
-                </a:lnTo>
-                <a:lnTo>
-                  <a:pt x="170351" y="5796644"/>
-                </a:lnTo>
-                <a:cubicBezTo>
-                  <a:pt x="171558" y="5797954"/>
-                  <a:pt x="172173" y="5799948"/>
-                  <a:pt x="171559" y="5803435"/>
-                </a:cubicBezTo>
-                <a:cubicBezTo>
-                  <a:pt x="182664" y="5798231"/>
-                  <a:pt x="175075" y="5805646"/>
-                  <a:pt x="172284" y="5816391"/>
-                </a:cubicBezTo>
-                <a:cubicBezTo>
-                  <a:pt x="188911" y="5810703"/>
-                  <a:pt x="174844" y="5841128"/>
-                  <a:pt x="182542" y="5846382"/>
-                </a:cubicBezTo>
-                <a:cubicBezTo>
-                  <a:pt x="180118" y="5854404"/>
-                  <a:pt x="177856" y="5862781"/>
-                  <a:pt x="175877" y="5871336"/>
-                </a:cubicBezTo>
-                <a:lnTo>
-                  <a:pt x="174910" y="5876376"/>
-                </a:lnTo>
-                <a:lnTo>
-                  <a:pt x="175047" y="5876483"/>
-                </a:lnTo>
-                <a:cubicBezTo>
-                  <a:pt x="175167" y="5877594"/>
-                  <a:pt x="174973" y="5879257"/>
-                  <a:pt x="174335" y="5881814"/>
-                </a:cubicBezTo>
-                <a:lnTo>
-                  <a:pt x="171273" y="5895339"/>
-                </a:lnTo>
-                <a:cubicBezTo>
-                  <a:pt x="171401" y="5896476"/>
-                  <a:pt x="171530" y="5897612"/>
-                  <a:pt x="171658" y="5898749"/>
-                </a:cubicBezTo>
-                <a:lnTo>
-                  <a:pt x="174658" y="5919558"/>
-                </a:lnTo>
-                <a:cubicBezTo>
-                  <a:pt x="173958" y="5933601"/>
-                  <a:pt x="171208" y="5962838"/>
-                  <a:pt x="169099" y="5984417"/>
-                </a:cubicBezTo>
-                <a:cubicBezTo>
-                  <a:pt x="162916" y="6005205"/>
-                  <a:pt x="164971" y="6025162"/>
-                  <a:pt x="162007" y="6049043"/>
-                </a:cubicBezTo>
-                <a:cubicBezTo>
-                  <a:pt x="150795" y="6073830"/>
-                  <a:pt x="160091" y="6088483"/>
-                  <a:pt x="156875" y="6114000"/>
-                </a:cubicBezTo>
-                <a:cubicBezTo>
-                  <a:pt x="141597" y="6134477"/>
-                  <a:pt x="163381" y="6133378"/>
-                  <a:pt x="165441" y="6146938"/>
-                </a:cubicBezTo>
-                <a:lnTo>
-                  <a:pt x="165177" y="6150658"/>
-                </a:lnTo>
-                <a:lnTo>
-                  <a:pt x="161772" y="6160011"/>
-                </a:lnTo>
-                <a:lnTo>
-                  <a:pt x="160051" y="6163393"/>
-                </a:lnTo>
-                <a:cubicBezTo>
-                  <a:pt x="159032" y="6165775"/>
-                  <a:pt x="158564" y="6167421"/>
-                  <a:pt x="158473" y="6168628"/>
-                </a:cubicBezTo>
-                <a:cubicBezTo>
-                  <a:pt x="158506" y="6168685"/>
-                  <a:pt x="158540" y="6168742"/>
-                  <a:pt x="158573" y="6168799"/>
-                </a:cubicBezTo>
-                <a:lnTo>
-                  <a:pt x="146463" y="6196671"/>
-                </a:lnTo>
-                <a:cubicBezTo>
-                  <a:pt x="152348" y="6205503"/>
-                  <a:pt x="134460" y="6231012"/>
-                  <a:pt x="150209" y="6232365"/>
-                </a:cubicBezTo>
-                <a:cubicBezTo>
-                  <a:pt x="145821" y="6242321"/>
-                  <a:pt x="137774" y="6246719"/>
-                  <a:pt x="148544" y="6246162"/>
-                </a:cubicBezTo>
-                <a:cubicBezTo>
-                  <a:pt x="147378" y="6249522"/>
-                  <a:pt x="147566" y="6251866"/>
-                  <a:pt x="148403" y="6253754"/>
-                </a:cubicBezTo>
-                <a:lnTo>
-                  <a:pt x="138880" y="6276449"/>
-                </a:lnTo>
-                <a:cubicBezTo>
-                  <a:pt x="138814" y="6277540"/>
-                  <a:pt x="138749" y="6278630"/>
-                  <a:pt x="138683" y="6279721"/>
-                </a:cubicBezTo>
-                <a:lnTo>
-                  <a:pt x="130721" y="6293675"/>
-                </a:lnTo>
-                <a:lnTo>
-                  <a:pt x="120717" y="6313967"/>
-                </a:lnTo>
-                <a:cubicBezTo>
-                  <a:pt x="120758" y="6314457"/>
-                  <a:pt x="120800" y="6314947"/>
-                  <a:pt x="120841" y="6315437"/>
-                </a:cubicBezTo>
-                <a:lnTo>
-                  <a:pt x="115208" y="6324024"/>
-                </a:lnTo>
-                <a:cubicBezTo>
-                  <a:pt x="113007" y="6326672"/>
-                  <a:pt x="103991" y="6364381"/>
-                  <a:pt x="101217" y="6365923"/>
-                </a:cubicBezTo>
-                <a:lnTo>
-                  <a:pt x="74946" y="6556817"/>
-                </a:lnTo>
-                <a:cubicBezTo>
-                  <a:pt x="55357" y="6665926"/>
-                  <a:pt x="35695" y="6744075"/>
-                  <a:pt x="16001" y="6808678"/>
-                </a:cubicBezTo>
-                <a:lnTo>
-                  <a:pt x="0" y="6858000"/>
-                </a:lnTo>
-                <a:lnTo>
-                  <a:pt x="5734864" y="6858000"/>
-                </a:lnTo>
-                <a:lnTo>
-                  <a:pt x="5734864" y="0"/>
-                </a:lnTo>
-                <a:close/>
-              </a:path>
-            </a:pathLst>
-          </a:custGeom>
+          </a:prstGeom>
           <a:solidFill>
-            <a:srgbClr val="82766A">
-              <a:alpha val="15000"/>
-            </a:srgbClr>
+            <a:srgbClr val="6E3E7F"/>
           </a:solidFill>
-          <a:ln w="12700" cap="flat" cmpd="sng" algn="ctr">
+          <a:ln>
             <a:noFill/>
-            <a:prstDash val="solid"/>
-            <a:miter lim="800000"/>
           </a:ln>
-          <a:effectLst/>
         </p:spPr>
         <p:style>
           <a:lnRef idx="2">
@@ -16682,9 +14227,7 @@
           </a:fontRef>
         </p:style>
         <p:txBody>
-          <a:bodyPr wrap="square" rtlCol="0" anchor="ctr">
-            <a:noAutofit/>
-          </a:bodyPr>
+          <a:bodyPr rtlCol="0" anchor="ctr"/>
           <a:lstStyle/>
           <a:p>
             <a:pPr algn="ctr"/>
@@ -16710,21 +14253,32 @@
         </p:nvSpPr>
         <p:spPr>
           <a:xfrm>
-            <a:off x="773408" y="992094"/>
-            <a:ext cx="3616913" cy="2795160"/>
+            <a:off x="640080" y="2074363"/>
+            <a:ext cx="2752354" cy="2709275"/>
           </a:xfrm>
+          <a:prstGeom prst="ellipse">
+            <a:avLst/>
+          </a:prstGeom>
+          <a:solidFill>
+            <a:srgbClr val="262626"/>
+          </a:solidFill>
+          <a:ln w="174625" cmpd="thinThick">
+            <a:solidFill>
+              <a:srgbClr val="262626"/>
+            </a:solidFill>
+          </a:ln>
         </p:spPr>
         <p:txBody>
-          <a:bodyPr vert="horz" lIns="91440" tIns="45720" rIns="91440" bIns="45720" rtlCol="0" anchor="b">
+          <a:bodyPr vert="horz" lIns="91440" tIns="45720" rIns="91440" bIns="45720" rtlCol="0" anchor="ctr">
             <a:normAutofit/>
           </a:bodyPr>
           <a:lstStyle/>
           <a:p>
             <a:pPr algn="ctr"/>
             <a:r>
-              <a:rPr kumimoji="1" lang="ja-JP" altLang="en-US" kern="1200">
+              <a:rPr kumimoji="1" lang="ja-JP" altLang="en-US" sz="2600" kern="1200">
                 <a:solidFill>
-                  <a:schemeClr val="tx1"/>
+                  <a:srgbClr val="FFFFFF"/>
                 </a:solidFill>
                 <a:latin typeface="+mj-lt"/>
                 <a:ea typeface="+mj-ea"/>
@@ -16759,8 +14313,8 @@
         </p:blipFill>
         <p:spPr>
           <a:xfrm>
-            <a:off x="5957330" y="578738"/>
-            <a:ext cx="5585490" cy="5670549"/>
+            <a:off x="5204188" y="961812"/>
+            <a:ext cx="4857022" cy="4930987"/>
           </a:xfrm>
           <a:prstGeom prst="rect">
             <a:avLst/>
@@ -16805,12 +14359,12 @@
           <a:chExt cx="0" cy="0"/>
         </a:xfrm>
       </p:grpSpPr>
-      <p:sp useBgFill="1">
+      <p:sp>
         <p:nvSpPr>
-          <p:cNvPr id="17" name="Rectangle 16">
+          <p:cNvPr id="24" name="Rectangle 23">
             <a:extLst>
               <a:ext uri="{FF2B5EF4-FFF2-40B4-BE49-F238E27FC236}">
-                <a16:creationId xmlns:a16="http://schemas.microsoft.com/office/drawing/2014/main" id="{C4879EFC-8E62-4E00-973C-C45EE9EC676D}"/>
+                <a16:creationId xmlns:a16="http://schemas.microsoft.com/office/drawing/2014/main" id="{6753252F-4873-4F63-801D-CC719279A7D5}"/>
               </a:ext>
               <a:ext uri="{C183D7F6-B498-43B3-948B-1728B52AA6E4}">
                 <adec:decorative xmlns:adec="http://schemas.microsoft.com/office/drawing/2017/decorative" val="1"/>
@@ -16831,11 +14385,77 @@
         <p:spPr>
           <a:xfrm>
             <a:off x="0" y="0"/>
-            <a:ext cx="12188952" cy="6858000"/>
+            <a:ext cx="12192000" cy="6858000"/>
           </a:xfrm>
           <a:prstGeom prst="rect">
             <a:avLst/>
           </a:prstGeom>
+          <a:solidFill>
+            <a:srgbClr val="FFFFFF"/>
+          </a:solidFill>
+          <a:ln>
+            <a:noFill/>
+          </a:ln>
+        </p:spPr>
+        <p:style>
+          <a:lnRef idx="2">
+            <a:schemeClr val="accent1">
+              <a:shade val="50000"/>
+            </a:schemeClr>
+          </a:lnRef>
+          <a:fillRef idx="1">
+            <a:schemeClr val="accent1"/>
+          </a:fillRef>
+          <a:effectRef idx="0">
+            <a:schemeClr val="accent1"/>
+          </a:effectRef>
+          <a:fontRef idx="minor">
+            <a:schemeClr val="lt1"/>
+          </a:fontRef>
+        </p:style>
+        <p:txBody>
+          <a:bodyPr rtlCol="0" anchor="ctr"/>
+          <a:lstStyle/>
+          <a:p>
+            <a:pPr algn="ctr"/>
+            <a:endParaRPr lang="en-US"/>
+          </a:p>
+        </p:txBody>
+      </p:sp>
+      <p:sp>
+        <p:nvSpPr>
+          <p:cNvPr id="26" name="Rectangle 25">
+            <a:extLst>
+              <a:ext uri="{FF2B5EF4-FFF2-40B4-BE49-F238E27FC236}">
+                <a16:creationId xmlns:a16="http://schemas.microsoft.com/office/drawing/2014/main" id="{047C8CCB-F95D-4249-92DD-651249D3535A}"/>
+              </a:ext>
+              <a:ext uri="{C183D7F6-B498-43B3-948B-1728B52AA6E4}">
+                <adec:decorative xmlns:adec="http://schemas.microsoft.com/office/drawing/2017/decorative" val="1"/>
+              </a:ext>
+            </a:extLst>
+          </p:cNvPr>
+          <p:cNvSpPr>
+            <a:spLocks noGrp="1" noRot="1" noChangeAspect="1" noMove="1" noResize="1" noEditPoints="1" noAdjustHandles="1" noChangeArrowheads="1" noChangeShapeType="1" noTextEdit="1"/>
+          </p:cNvSpPr>
+          <p:nvPr>
+            <p:extLst>
+              <p:ext uri="{386F3935-93C4-4BCD-93E2-E3B085C9AB24}">
+                <p16:designElem xmlns:p16="http://schemas.microsoft.com/office/powerpoint/2015/main" val="1"/>
+              </p:ext>
+            </p:extLst>
+          </p:nvPr>
+        </p:nvSpPr>
+        <p:spPr>
+          <a:xfrm>
+            <a:off x="0" y="0"/>
+            <a:ext cx="2013557" cy="6858000"/>
+          </a:xfrm>
+          <a:prstGeom prst="rect">
+            <a:avLst/>
+          </a:prstGeom>
+          <a:solidFill>
+            <a:srgbClr val="4E333E"/>
+          </a:solidFill>
           <a:ln>
             <a:noFill/>
           </a:ln>
@@ -16883,12 +14503,20 @@
         </p:nvSpPr>
         <p:spPr>
           <a:xfrm>
-            <a:off x="638881" y="457200"/>
-            <a:ext cx="10909640" cy="1368614"/>
+            <a:off x="640080" y="2074363"/>
+            <a:ext cx="2752354" cy="2709275"/>
           </a:xfrm>
           <a:prstGeom prst="ellipse">
             <a:avLst/>
           </a:prstGeom>
+          <a:solidFill>
+            <a:srgbClr val="262626"/>
+          </a:solidFill>
+          <a:ln w="174625" cmpd="thinThick">
+            <a:solidFill>
+              <a:srgbClr val="262626"/>
+            </a:solidFill>
+          </a:ln>
         </p:spPr>
         <p:txBody>
           <a:bodyPr vert="horz" lIns="91440" tIns="45720" rIns="91440" bIns="45720" rtlCol="0" anchor="ctr">
@@ -16898,292 +14526,16 @@
           <a:p>
             <a:pPr algn="ctr"/>
             <a:r>
-              <a:rPr kumimoji="1" lang="ja-JP" altLang="en-US" sz="6100"/>
+              <a:rPr kumimoji="1" lang="ja-JP" altLang="en-US" sz="2600" kern="1200">
+                <a:solidFill>
+                  <a:srgbClr val="FFFFFF"/>
+                </a:solidFill>
+                <a:latin typeface="+mj-lt"/>
+                <a:ea typeface="+mj-ea"/>
+                <a:cs typeface="+mj-cs"/>
+              </a:rPr>
               <a:t>プロフィールページ</a:t>
             </a:r>
-          </a:p>
-        </p:txBody>
-      </p:sp>
-      <p:sp>
-        <p:nvSpPr>
-          <p:cNvPr id="19" name="sketch line">
-            <a:extLst>
-              <a:ext uri="{FF2B5EF4-FFF2-40B4-BE49-F238E27FC236}">
-                <a16:creationId xmlns:a16="http://schemas.microsoft.com/office/drawing/2014/main" id="{D6A9C53F-5F90-40A5-8C85-5412D39C8C68}"/>
-              </a:ext>
-              <a:ext uri="{C183D7F6-B498-43B3-948B-1728B52AA6E4}">
-                <adec:decorative xmlns:adec="http://schemas.microsoft.com/office/drawing/2017/decorative" val="1"/>
-              </a:ext>
-            </a:extLst>
-          </p:cNvPr>
-          <p:cNvSpPr>
-            <a:spLocks noGrp="1" noRot="1" noChangeAspect="1" noMove="1" noResize="1" noEditPoints="1" noAdjustHandles="1" noChangeArrowheads="1" noChangeShapeType="1" noTextEdit="1"/>
-          </p:cNvSpPr>
-          <p:nvPr>
-            <p:extLst>
-              <p:ext uri="{386F3935-93C4-4BCD-93E2-E3B085C9AB24}">
-                <p16:designElem xmlns:p16="http://schemas.microsoft.com/office/powerpoint/2015/main" val="1"/>
-              </p:ext>
-            </p:extLst>
-          </p:nvPr>
-        </p:nvSpPr>
-        <p:spPr>
-          <a:xfrm>
-            <a:off x="4450080" y="1850683"/>
-            <a:ext cx="3291840" cy="18288"/>
-          </a:xfrm>
-          <a:custGeom>
-            <a:avLst/>
-            <a:gdLst>
-              <a:gd name="connsiteX0" fmla="*/ 0 w 3291840"/>
-              <a:gd name="connsiteY0" fmla="*/ 0 h 18288"/>
-              <a:gd name="connsiteX1" fmla="*/ 658368 w 3291840"/>
-              <a:gd name="connsiteY1" fmla="*/ 0 h 18288"/>
-              <a:gd name="connsiteX2" fmla="*/ 1283818 w 3291840"/>
-              <a:gd name="connsiteY2" fmla="*/ 0 h 18288"/>
-              <a:gd name="connsiteX3" fmla="*/ 1909267 w 3291840"/>
-              <a:gd name="connsiteY3" fmla="*/ 0 h 18288"/>
-              <a:gd name="connsiteX4" fmla="*/ 2633472 w 3291840"/>
-              <a:gd name="connsiteY4" fmla="*/ 0 h 18288"/>
-              <a:gd name="connsiteX5" fmla="*/ 3291840 w 3291840"/>
-              <a:gd name="connsiteY5" fmla="*/ 0 h 18288"/>
-              <a:gd name="connsiteX6" fmla="*/ 3291840 w 3291840"/>
-              <a:gd name="connsiteY6" fmla="*/ 18288 h 18288"/>
-              <a:gd name="connsiteX7" fmla="*/ 2633472 w 3291840"/>
-              <a:gd name="connsiteY7" fmla="*/ 18288 h 18288"/>
-              <a:gd name="connsiteX8" fmla="*/ 2073859 w 3291840"/>
-              <a:gd name="connsiteY8" fmla="*/ 18288 h 18288"/>
-              <a:gd name="connsiteX9" fmla="*/ 1448410 w 3291840"/>
-              <a:gd name="connsiteY9" fmla="*/ 18288 h 18288"/>
-              <a:gd name="connsiteX10" fmla="*/ 822960 w 3291840"/>
-              <a:gd name="connsiteY10" fmla="*/ 18288 h 18288"/>
-              <a:gd name="connsiteX11" fmla="*/ 0 w 3291840"/>
-              <a:gd name="connsiteY11" fmla="*/ 18288 h 18288"/>
-              <a:gd name="connsiteX12" fmla="*/ 0 w 3291840"/>
-              <a:gd name="connsiteY12" fmla="*/ 0 h 18288"/>
-            </a:gdLst>
-            <a:ahLst/>
-            <a:cxnLst>
-              <a:cxn ang="0">
-                <a:pos x="connsiteX0" y="connsiteY0"/>
-              </a:cxn>
-              <a:cxn ang="0">
-                <a:pos x="connsiteX1" y="connsiteY1"/>
-              </a:cxn>
-              <a:cxn ang="0">
-                <a:pos x="connsiteX2" y="connsiteY2"/>
-              </a:cxn>
-              <a:cxn ang="0">
-                <a:pos x="connsiteX3" y="connsiteY3"/>
-              </a:cxn>
-              <a:cxn ang="0">
-                <a:pos x="connsiteX4" y="connsiteY4"/>
-              </a:cxn>
-              <a:cxn ang="0">
-                <a:pos x="connsiteX5" y="connsiteY5"/>
-              </a:cxn>
-              <a:cxn ang="0">
-                <a:pos x="connsiteX6" y="connsiteY6"/>
-              </a:cxn>
-              <a:cxn ang="0">
-                <a:pos x="connsiteX7" y="connsiteY7"/>
-              </a:cxn>
-              <a:cxn ang="0">
-                <a:pos x="connsiteX8" y="connsiteY8"/>
-              </a:cxn>
-              <a:cxn ang="0">
-                <a:pos x="connsiteX9" y="connsiteY9"/>
-              </a:cxn>
-              <a:cxn ang="0">
-                <a:pos x="connsiteX10" y="connsiteY10"/>
-              </a:cxn>
-              <a:cxn ang="0">
-                <a:pos x="connsiteX11" y="connsiteY11"/>
-              </a:cxn>
-              <a:cxn ang="0">
-                <a:pos x="connsiteX12" y="connsiteY12"/>
-              </a:cxn>
-            </a:cxnLst>
-            <a:rect l="l" t="t" r="r" b="b"/>
-            <a:pathLst>
-              <a:path w="3291840" h="18288" fill="none" extrusionOk="0">
-                <a:moveTo>
-                  <a:pt x="0" y="0"/>
-                </a:moveTo>
-                <a:cubicBezTo>
-                  <a:pt x="173077" y="-20031"/>
-                  <a:pt x="443104" y="6424"/>
-                  <a:pt x="658368" y="0"/>
-                </a:cubicBezTo>
-                <a:cubicBezTo>
-                  <a:pt x="873632" y="-6424"/>
-                  <a:pt x="1034028" y="11764"/>
-                  <a:pt x="1283818" y="0"/>
-                </a:cubicBezTo>
-                <a:cubicBezTo>
-                  <a:pt x="1533608" y="-11764"/>
-                  <a:pt x="1691227" y="-30112"/>
-                  <a:pt x="1909267" y="0"/>
-                </a:cubicBezTo>
-                <a:cubicBezTo>
-                  <a:pt x="2127307" y="30112"/>
-                  <a:pt x="2272465" y="-18735"/>
-                  <a:pt x="2633472" y="0"/>
-                </a:cubicBezTo>
-                <a:cubicBezTo>
-                  <a:pt x="2994479" y="18735"/>
-                  <a:pt x="3023324" y="-32030"/>
-                  <a:pt x="3291840" y="0"/>
-                </a:cubicBezTo>
-                <a:cubicBezTo>
-                  <a:pt x="3291406" y="7551"/>
-                  <a:pt x="3291373" y="9822"/>
-                  <a:pt x="3291840" y="18288"/>
-                </a:cubicBezTo>
-                <a:cubicBezTo>
-                  <a:pt x="3048445" y="38989"/>
-                  <a:pt x="2846548" y="-14400"/>
-                  <a:pt x="2633472" y="18288"/>
-                </a:cubicBezTo>
-                <a:cubicBezTo>
-                  <a:pt x="2420396" y="50976"/>
-                  <a:pt x="2304099" y="6336"/>
-                  <a:pt x="2073859" y="18288"/>
-                </a:cubicBezTo>
-                <a:cubicBezTo>
-                  <a:pt x="1843619" y="30240"/>
-                  <a:pt x="1706926" y="10778"/>
-                  <a:pt x="1448410" y="18288"/>
-                </a:cubicBezTo>
-                <a:cubicBezTo>
-                  <a:pt x="1189894" y="25798"/>
-                  <a:pt x="1002278" y="8992"/>
-                  <a:pt x="822960" y="18288"/>
-                </a:cubicBezTo>
-                <a:cubicBezTo>
-                  <a:pt x="643642" y="27585"/>
-                  <a:pt x="307039" y="38051"/>
-                  <a:pt x="0" y="18288"/>
-                </a:cubicBezTo>
-                <a:cubicBezTo>
-                  <a:pt x="60" y="11696"/>
-                  <a:pt x="66" y="3758"/>
-                  <a:pt x="0" y="0"/>
-                </a:cubicBezTo>
-                <a:close/>
-              </a:path>
-              <a:path w="3291840" h="18288" stroke="0" extrusionOk="0">
-                <a:moveTo>
-                  <a:pt x="0" y="0"/>
-                </a:moveTo>
-                <a:cubicBezTo>
-                  <a:pt x="195850" y="28018"/>
-                  <a:pt x="434891" y="17390"/>
-                  <a:pt x="592531" y="0"/>
-                </a:cubicBezTo>
-                <a:cubicBezTo>
-                  <a:pt x="750171" y="-17390"/>
-                  <a:pt x="1018709" y="32200"/>
-                  <a:pt x="1316736" y="0"/>
-                </a:cubicBezTo>
-                <a:cubicBezTo>
-                  <a:pt x="1614763" y="-32200"/>
-                  <a:pt x="1696480" y="-11367"/>
-                  <a:pt x="1876349" y="0"/>
-                </a:cubicBezTo>
-                <a:cubicBezTo>
-                  <a:pt x="2056218" y="11367"/>
-                  <a:pt x="2193364" y="13433"/>
-                  <a:pt x="2435962" y="0"/>
-                </a:cubicBezTo>
-                <a:cubicBezTo>
-                  <a:pt x="2678560" y="-13433"/>
-                  <a:pt x="3010901" y="-42367"/>
-                  <a:pt x="3291840" y="0"/>
-                </a:cubicBezTo>
-                <a:cubicBezTo>
-                  <a:pt x="3291758" y="4406"/>
-                  <a:pt x="3291751" y="9982"/>
-                  <a:pt x="3291840" y="18288"/>
-                </a:cubicBezTo>
-                <a:cubicBezTo>
-                  <a:pt x="3108993" y="14228"/>
-                  <a:pt x="2952658" y="46900"/>
-                  <a:pt x="2666390" y="18288"/>
-                </a:cubicBezTo>
-                <a:cubicBezTo>
-                  <a:pt x="2380122" y="-10324"/>
-                  <a:pt x="2263855" y="41055"/>
-                  <a:pt x="2040941" y="18288"/>
-                </a:cubicBezTo>
-                <a:cubicBezTo>
-                  <a:pt x="1818027" y="-4479"/>
-                  <a:pt x="1675097" y="6509"/>
-                  <a:pt x="1415491" y="18288"/>
-                </a:cubicBezTo>
-                <a:cubicBezTo>
-                  <a:pt x="1155885" y="30068"/>
-                  <a:pt x="852976" y="36210"/>
-                  <a:pt x="691286" y="18288"/>
-                </a:cubicBezTo>
-                <a:cubicBezTo>
-                  <a:pt x="529596" y="366"/>
-                  <a:pt x="187183" y="13912"/>
-                  <a:pt x="0" y="18288"/>
-                </a:cubicBezTo>
-                <a:cubicBezTo>
-                  <a:pt x="189" y="14288"/>
-                  <a:pt x="-703" y="3747"/>
-                  <a:pt x="0" y="0"/>
-                </a:cubicBezTo>
-                <a:close/>
-              </a:path>
-            </a:pathLst>
-          </a:custGeom>
-          <a:solidFill>
-            <a:schemeClr val="accent2"/>
-          </a:solidFill>
-          <a:ln w="41275" cap="rnd">
-            <a:solidFill>
-              <a:schemeClr val="accent2"/>
-            </a:solidFill>
-            <a:round/>
-            <a:extLst>
-              <a:ext uri="{C807C97D-BFC1-408E-A445-0C87EB9F89A2}">
-                <ask:lineSketchStyleProps xmlns:ask="http://schemas.microsoft.com/office/drawing/2018/sketchyshapes" sd="2863741219">
-                  <a:prstGeom prst="rect">
-                    <a:avLst/>
-                  </a:prstGeom>
-                  <ask:type>
-                    <ask:lineSketchFreehand/>
-                  </ask:type>
-                </ask:lineSketchStyleProps>
-              </a:ext>
-            </a:extLst>
-          </a:ln>
-        </p:spPr>
-        <p:style>
-          <a:lnRef idx="2">
-            <a:schemeClr val="accent1">
-              <a:shade val="50000"/>
-            </a:schemeClr>
-          </a:lnRef>
-          <a:fillRef idx="1">
-            <a:schemeClr val="accent1"/>
-          </a:fillRef>
-          <a:effectRef idx="0">
-            <a:schemeClr val="accent1"/>
-          </a:effectRef>
-          <a:fontRef idx="minor">
-            <a:schemeClr val="lt1"/>
-          </a:fontRef>
-        </p:style>
-        <p:txBody>
-          <a:bodyPr rtlCol="0" anchor="ctr"/>
-          <a:lstStyle/>
-          <a:p>
-            <a:pPr algn="ctr"/>
-            <a:endParaRPr lang="en-US"/>
           </a:p>
         </p:txBody>
       </p:sp>
@@ -17211,8 +14563,8 @@
         </p:blipFill>
         <p:spPr>
           <a:xfrm>
-            <a:off x="1317752" y="2517436"/>
-            <a:ext cx="3569725" cy="3605784"/>
+            <a:off x="5191861" y="961812"/>
+            <a:ext cx="4881676" cy="4930987"/>
           </a:xfrm>
           <a:prstGeom prst="rect">
             <a:avLst/>
@@ -17237,9 +14589,33 @@
   <p:cSld>
     <p:bg>
       <p:bgPr>
-        <a:solidFill>
-          <a:schemeClr val="bg1"/>
-        </a:solidFill>
+        <a:gradFill rotWithShape="1">
+          <a:gsLst>
+            <a:gs pos="0">
+              <a:schemeClr val="bg2">
+                <a:tint val="93000"/>
+                <a:satMod val="150000"/>
+                <a:shade val="98000"/>
+                <a:lumMod val="102000"/>
+              </a:schemeClr>
+            </a:gs>
+            <a:gs pos="50000">
+              <a:schemeClr val="bg2">
+                <a:tint val="98000"/>
+                <a:satMod val="130000"/>
+                <a:shade val="90000"/>
+                <a:lumMod val="103000"/>
+              </a:schemeClr>
+            </a:gs>
+            <a:gs pos="100000">
+              <a:schemeClr val="bg2">
+                <a:shade val="63000"/>
+                <a:satMod val="120000"/>
+              </a:schemeClr>
+            </a:gs>
+          </a:gsLst>
+          <a:lin ang="5400000" scaled="0"/>
+        </a:gradFill>
         <a:effectLst/>
       </p:bgPr>
     </p:bg>
@@ -17257,12 +14633,12 @@
           <a:chExt cx="0" cy="0"/>
         </a:xfrm>
       </p:grpSpPr>
-      <p:sp useBgFill="1">
+      <p:sp>
         <p:nvSpPr>
-          <p:cNvPr id="41" name="Rectangle 40">
+          <p:cNvPr id="54" name="Rectangle: Rounded Corners 53">
             <a:extLst>
               <a:ext uri="{FF2B5EF4-FFF2-40B4-BE49-F238E27FC236}">
-                <a16:creationId xmlns:a16="http://schemas.microsoft.com/office/drawing/2014/main" id="{04695F26-39DB-450E-B464-9C76CD233B36}"/>
+                <a16:creationId xmlns:a16="http://schemas.microsoft.com/office/drawing/2014/main" id="{6AA24DE7-C336-4994-8C52-D9B3F3D0FA4D}"/>
               </a:ext>
               <a:ext uri="{C183D7F6-B498-43B3-948B-1728B52AA6E4}">
                 <adec:decorative xmlns:adec="http://schemas.microsoft.com/office/drawing/2017/decorative" val="1"/>
@@ -17282,74 +14658,16 @@
         </p:nvSpPr>
         <p:spPr>
           <a:xfrm>
-            <a:off x="0" y="0"/>
-            <a:ext cx="12191695" cy="6858000"/>
+            <a:off x="953311" y="953311"/>
+            <a:ext cx="10603149" cy="5263867"/>
           </a:xfrm>
-          <a:prstGeom prst="rect">
-            <a:avLst/>
-          </a:prstGeom>
-          <a:ln>
-            <a:noFill/>
-          </a:ln>
-        </p:spPr>
-        <p:style>
-          <a:lnRef idx="2">
-            <a:schemeClr val="accent1">
-              <a:shade val="50000"/>
-            </a:schemeClr>
-          </a:lnRef>
-          <a:fillRef idx="1">
-            <a:schemeClr val="accent1"/>
-          </a:fillRef>
-          <a:effectRef idx="0">
-            <a:schemeClr val="accent1"/>
-          </a:effectRef>
-          <a:fontRef idx="minor">
-            <a:schemeClr val="lt1"/>
-          </a:fontRef>
-        </p:style>
-        <p:txBody>
-          <a:bodyPr rtlCol="0" anchor="ctr"/>
-          <a:lstStyle/>
-          <a:p>
-            <a:pPr algn="ctr"/>
-            <a:endParaRPr lang="en-US"/>
-          </a:p>
-        </p:txBody>
-      </p:sp>
-      <p:sp>
-        <p:nvSpPr>
-          <p:cNvPr id="43" name="Rectangle 42">
-            <a:extLst>
-              <a:ext uri="{FF2B5EF4-FFF2-40B4-BE49-F238E27FC236}">
-                <a16:creationId xmlns:a16="http://schemas.microsoft.com/office/drawing/2014/main" id="{2F42E55F-A297-474F-AF2D-6D3A15822BCA}"/>
-              </a:ext>
-              <a:ext uri="{C183D7F6-B498-43B3-948B-1728B52AA6E4}">
-                <adec:decorative xmlns:adec="http://schemas.microsoft.com/office/drawing/2017/decorative" val="1"/>
-              </a:ext>
-            </a:extLst>
-          </p:cNvPr>
-          <p:cNvSpPr>
-            <a:spLocks noGrp="1" noRot="1" noChangeAspect="1" noMove="1" noResize="1" noEditPoints="1" noAdjustHandles="1" noChangeArrowheads="1" noChangeShapeType="1" noTextEdit="1"/>
-          </p:cNvSpPr>
-          <p:nvPr>
-            <p:extLst>
-              <p:ext uri="{386F3935-93C4-4BCD-93E2-E3B085C9AB24}">
-                <p16:designElem xmlns:p16="http://schemas.microsoft.com/office/powerpoint/2015/main" val="1"/>
-              </p:ext>
-            </p:extLst>
-          </p:nvPr>
-        </p:nvSpPr>
-        <p:spPr>
-          <a:xfrm>
-            <a:off x="-9611" y="-1"/>
-            <a:ext cx="12191695" cy="6858000"/>
-          </a:xfrm>
-          <a:prstGeom prst="rect">
-            <a:avLst/>
+          <a:prstGeom prst="roundRect">
+            <a:avLst>
+              <a:gd name="adj" fmla="val 1566"/>
+            </a:avLst>
           </a:prstGeom>
           <a:solidFill>
-            <a:schemeClr val="bg1"/>
+            <a:srgbClr val="FFFFFF"/>
           </a:solidFill>
           <a:ln>
             <a:noFill/>
@@ -17398,23 +14716,32 @@
         </p:nvSpPr>
         <p:spPr>
           <a:xfrm>
-            <a:off x="824887" y="544068"/>
-            <a:ext cx="5011473" cy="1773936"/>
+            <a:off x="640080" y="640080"/>
+            <a:ext cx="2752354" cy="2709275"/>
           </a:xfrm>
-          <a:prstGeom prst="ellipse">
+          <a:prstGeom prst="rect">
             <a:avLst/>
           </a:prstGeom>
+          <a:solidFill>
+            <a:srgbClr val="4D333F"/>
+          </a:solidFill>
+          <a:ln>
+            <a:solidFill>
+              <a:srgbClr val="4D333F"/>
+            </a:solidFill>
+          </a:ln>
         </p:spPr>
         <p:txBody>
-          <a:bodyPr vert="horz" lIns="91440" tIns="45720" rIns="91440" bIns="45720" rtlCol="0">
+          <a:bodyPr vert="horz" lIns="91440" tIns="45720" rIns="91440" bIns="45720" rtlCol="0" anchor="ctr">
             <a:normAutofit/>
           </a:bodyPr>
           <a:lstStyle/>
           <a:p>
+            <a:pPr algn="ctr"/>
             <a:r>
-              <a:rPr lang="ja-JP" altLang="en-US" sz="3600" kern="1200" dirty="0">
+              <a:rPr lang="ja-JP" altLang="en-US" sz="2800" kern="1200">
                 <a:solidFill>
-                  <a:schemeClr val="tx2"/>
+                  <a:srgbClr val="FFFFFF"/>
                 </a:solidFill>
                 <a:latin typeface="+mj-lt"/>
                 <a:ea typeface="+mj-ea"/>
@@ -17422,1117 +14749,13 @@
               </a:rPr>
               <a:t>設定ページ</a:t>
             </a:r>
-            <a:endParaRPr kumimoji="1" lang="en-US" altLang="ja-JP" sz="3600" kern="1200" dirty="0">
+            <a:endParaRPr kumimoji="1" lang="en-US" altLang="ja-JP" sz="2800" kern="1200">
               <a:solidFill>
-                <a:schemeClr val="tx2"/>
+                <a:srgbClr val="FFFFFF"/>
               </a:solidFill>
               <a:latin typeface="+mj-lt"/>
               <a:ea typeface="+mj-ea"/>
               <a:cs typeface="+mj-cs"/>
-            </a:endParaRPr>
-          </a:p>
-        </p:txBody>
-      </p:sp>
-      <p:grpSp>
-        <p:nvGrpSpPr>
-          <p:cNvPr id="45" name="Group 44">
-            <a:extLst>
-              <a:ext uri="{FF2B5EF4-FFF2-40B4-BE49-F238E27FC236}">
-                <a16:creationId xmlns:a16="http://schemas.microsoft.com/office/drawing/2014/main" id="{972070F7-E065-4D60-8938-9FB8CDB8ACB0}"/>
-              </a:ext>
-              <a:ext uri="{C183D7F6-B498-43B3-948B-1728B52AA6E4}">
-                <adec:decorative xmlns:adec="http://schemas.microsoft.com/office/drawing/2017/decorative" val="1"/>
-              </a:ext>
-            </a:extLst>
-          </p:cNvPr>
-          <p:cNvGrpSpPr>
-            <a:grpSpLocks noGrp="1" noUngrp="1" noRot="1" noChangeAspect="1" noMove="1" noResize="1"/>
-          </p:cNvGrpSpPr>
-          <p:nvPr>
-            <p:extLst>
-              <p:ext uri="{386F3935-93C4-4BCD-93E2-E3B085C9AB24}">
-                <p16:designElem xmlns:p16="http://schemas.microsoft.com/office/powerpoint/2015/main" val="1"/>
-              </p:ext>
-            </p:extLst>
-          </p:nvPr>
-        </p:nvGrpSpPr>
-        <p:grpSpPr>
-          <a:xfrm rot="16200000" flipH="1">
-            <a:off x="-179919" y="170310"/>
-            <a:ext cx="2514948" cy="2174333"/>
-            <a:chOff x="-305" y="-4155"/>
-            <a:chExt cx="2514948" cy="2174333"/>
-          </a:xfrm>
-        </p:grpSpPr>
-        <p:sp>
-          <p:nvSpPr>
-            <p:cNvPr id="46" name="Freeform: Shape 45">
-              <a:extLst>
-                <a:ext uri="{FF2B5EF4-FFF2-40B4-BE49-F238E27FC236}">
-                  <a16:creationId xmlns:a16="http://schemas.microsoft.com/office/drawing/2014/main" id="{4F672C03-E63A-4F6B-96BD-0C4E3F1B82BC}"/>
-                </a:ext>
-                <a:ext uri="{C183D7F6-B498-43B3-948B-1728B52AA6E4}">
-                  <adec:decorative xmlns:adec="http://schemas.microsoft.com/office/drawing/2017/decorative" val="1"/>
-                </a:ext>
-              </a:extLst>
-            </p:cNvPr>
-            <p:cNvSpPr/>
-            <p:nvPr>
-              <p:extLst>
-                <p:ext uri="{386F3935-93C4-4BCD-93E2-E3B085C9AB24}">
-                  <p16:designElem xmlns:p16="http://schemas.microsoft.com/office/powerpoint/2015/main" val="1"/>
-                </p:ext>
-              </p:extLst>
-            </p:nvPr>
-          </p:nvSpPr>
-          <p:spPr>
-            <a:xfrm>
-              <a:off x="-305" y="0"/>
-              <a:ext cx="2514948" cy="2170178"/>
-            </a:xfrm>
-            <a:custGeom>
-              <a:avLst/>
-              <a:gdLst>
-                <a:gd name="connsiteX0" fmla="*/ 2466091 w 2514948"/>
-                <a:gd name="connsiteY0" fmla="*/ 0 h 2170178"/>
-                <a:gd name="connsiteX1" fmla="*/ 2514948 w 2514948"/>
-                <a:gd name="connsiteY1" fmla="*/ 0 h 2170178"/>
-                <a:gd name="connsiteX2" fmla="*/ 2512286 w 2514948"/>
-                <a:gd name="connsiteY2" fmla="*/ 12375 h 2170178"/>
-                <a:gd name="connsiteX3" fmla="*/ 2394961 w 2514948"/>
-                <a:gd name="connsiteY3" fmla="*/ 368660 h 2170178"/>
-                <a:gd name="connsiteX4" fmla="*/ 2289734 w 2514948"/>
-                <a:gd name="connsiteY4" fmla="*/ 598078 h 2170178"/>
-                <a:gd name="connsiteX5" fmla="*/ 2163747 w 2514948"/>
-                <a:gd name="connsiteY5" fmla="*/ 819078 h 2170178"/>
-                <a:gd name="connsiteX6" fmla="*/ 1852241 w 2514948"/>
-                <a:gd name="connsiteY6" fmla="*/ 1228932 h 2170178"/>
-                <a:gd name="connsiteX7" fmla="*/ 1668235 w 2514948"/>
-                <a:gd name="connsiteY7" fmla="*/ 1413844 h 2170178"/>
-                <a:gd name="connsiteX8" fmla="*/ 1619510 w 2514948"/>
-                <a:gd name="connsiteY8" fmla="*/ 1457722 h 2170178"/>
-                <a:gd name="connsiteX9" fmla="*/ 1569835 w 2514948"/>
-                <a:gd name="connsiteY9" fmla="*/ 1500704 h 2170178"/>
-                <a:gd name="connsiteX10" fmla="*/ 1467169 w 2514948"/>
-                <a:gd name="connsiteY10" fmla="*/ 1583266 h 2170178"/>
-                <a:gd name="connsiteX11" fmla="*/ 1018393 w 2514948"/>
-                <a:gd name="connsiteY11" fmla="*/ 1867576 h 2170178"/>
-                <a:gd name="connsiteX12" fmla="*/ 255857 w 2514948"/>
-                <a:gd name="connsiteY12" fmla="*/ 2133049 h 2170178"/>
-                <a:gd name="connsiteX13" fmla="*/ 0 w 2514948"/>
-                <a:gd name="connsiteY13" fmla="*/ 2170178 h 2170178"/>
-                <a:gd name="connsiteX14" fmla="*/ 0 w 2514948"/>
-                <a:gd name="connsiteY14" fmla="*/ 1940056 h 2170178"/>
-                <a:gd name="connsiteX15" fmla="*/ 201609 w 2514948"/>
-                <a:gd name="connsiteY15" fmla="*/ 1902856 h 2170178"/>
-                <a:gd name="connsiteX16" fmla="*/ 440974 w 2514948"/>
-                <a:gd name="connsiteY16" fmla="*/ 1838472 h 2170178"/>
-                <a:gd name="connsiteX17" fmla="*/ 674558 w 2514948"/>
-                <a:gd name="connsiteY17" fmla="*/ 1756359 h 2170178"/>
-                <a:gd name="connsiteX18" fmla="*/ 901222 w 2514948"/>
-                <a:gd name="connsiteY18" fmla="*/ 1657142 h 2170178"/>
-                <a:gd name="connsiteX19" fmla="*/ 1330943 w 2514948"/>
-                <a:gd name="connsiteY19" fmla="*/ 1413396 h 2170178"/>
-                <a:gd name="connsiteX20" fmla="*/ 1432566 w 2514948"/>
-                <a:gd name="connsiteY20" fmla="*/ 1343193 h 2170178"/>
-                <a:gd name="connsiteX21" fmla="*/ 1482527 w 2514948"/>
-                <a:gd name="connsiteY21" fmla="*/ 1306926 h 2170178"/>
-                <a:gd name="connsiteX22" fmla="*/ 1531821 w 2514948"/>
-                <a:gd name="connsiteY22" fmla="*/ 1269765 h 2170178"/>
-                <a:gd name="connsiteX23" fmla="*/ 1721986 w 2514948"/>
-                <a:gd name="connsiteY23" fmla="*/ 1112073 h 2170178"/>
-                <a:gd name="connsiteX24" fmla="*/ 2061460 w 2514948"/>
-                <a:gd name="connsiteY24" fmla="*/ 754336 h 2170178"/>
-                <a:gd name="connsiteX25" fmla="*/ 2206218 w 2514948"/>
-                <a:gd name="connsiteY25" fmla="*/ 554827 h 2170178"/>
-                <a:gd name="connsiteX26" fmla="*/ 2329455 w 2514948"/>
-                <a:gd name="connsiteY26" fmla="*/ 341886 h 2170178"/>
-                <a:gd name="connsiteX27" fmla="*/ 2356757 w 2514948"/>
-                <a:gd name="connsiteY27" fmla="*/ 286815 h 2170178"/>
-                <a:gd name="connsiteX28" fmla="*/ 2370030 w 2514948"/>
-                <a:gd name="connsiteY28" fmla="*/ 259056 h 2170178"/>
-                <a:gd name="connsiteX29" fmla="*/ 2382637 w 2514948"/>
-                <a:gd name="connsiteY29" fmla="*/ 231028 h 2170178"/>
-                <a:gd name="connsiteX30" fmla="*/ 2406716 w 2514948"/>
-                <a:gd name="connsiteY30" fmla="*/ 174525 h 2170178"/>
-                <a:gd name="connsiteX31" fmla="*/ 2429278 w 2514948"/>
-                <a:gd name="connsiteY31" fmla="*/ 117393 h 2170178"/>
-              </a:gdLst>
-              <a:ahLst/>
-              <a:cxnLst>
-                <a:cxn ang="0">
-                  <a:pos x="connsiteX0" y="connsiteY0"/>
-                </a:cxn>
-                <a:cxn ang="0">
-                  <a:pos x="connsiteX1" y="connsiteY1"/>
-                </a:cxn>
-                <a:cxn ang="0">
-                  <a:pos x="connsiteX2" y="connsiteY2"/>
-                </a:cxn>
-                <a:cxn ang="0">
-                  <a:pos x="connsiteX3" y="connsiteY3"/>
-                </a:cxn>
-                <a:cxn ang="0">
-                  <a:pos x="connsiteX4" y="connsiteY4"/>
-                </a:cxn>
-                <a:cxn ang="0">
-                  <a:pos x="connsiteX5" y="connsiteY5"/>
-                </a:cxn>
-                <a:cxn ang="0">
-                  <a:pos x="connsiteX6" y="connsiteY6"/>
-                </a:cxn>
-                <a:cxn ang="0">
-                  <a:pos x="connsiteX7" y="connsiteY7"/>
-                </a:cxn>
-                <a:cxn ang="0">
-                  <a:pos x="connsiteX8" y="connsiteY8"/>
-                </a:cxn>
-                <a:cxn ang="0">
-                  <a:pos x="connsiteX9" y="connsiteY9"/>
-                </a:cxn>
-                <a:cxn ang="0">
-                  <a:pos x="connsiteX10" y="connsiteY10"/>
-                </a:cxn>
-                <a:cxn ang="0">
-                  <a:pos x="connsiteX11" y="connsiteY11"/>
-                </a:cxn>
-                <a:cxn ang="0">
-                  <a:pos x="connsiteX12" y="connsiteY12"/>
-                </a:cxn>
-                <a:cxn ang="0">
-                  <a:pos x="connsiteX13" y="connsiteY13"/>
-                </a:cxn>
-                <a:cxn ang="0">
-                  <a:pos x="connsiteX14" y="connsiteY14"/>
-                </a:cxn>
-                <a:cxn ang="0">
-                  <a:pos x="connsiteX15" y="connsiteY15"/>
-                </a:cxn>
-                <a:cxn ang="0">
-                  <a:pos x="connsiteX16" y="connsiteY16"/>
-                </a:cxn>
-                <a:cxn ang="0">
-                  <a:pos x="connsiteX17" y="connsiteY17"/>
-                </a:cxn>
-                <a:cxn ang="0">
-                  <a:pos x="connsiteX18" y="connsiteY18"/>
-                </a:cxn>
-                <a:cxn ang="0">
-                  <a:pos x="connsiteX19" y="connsiteY19"/>
-                </a:cxn>
-                <a:cxn ang="0">
-                  <a:pos x="connsiteX20" y="connsiteY20"/>
-                </a:cxn>
-                <a:cxn ang="0">
-                  <a:pos x="connsiteX21" y="connsiteY21"/>
-                </a:cxn>
-                <a:cxn ang="0">
-                  <a:pos x="connsiteX22" y="connsiteY22"/>
-                </a:cxn>
-                <a:cxn ang="0">
-                  <a:pos x="connsiteX23" y="connsiteY23"/>
-                </a:cxn>
-                <a:cxn ang="0">
-                  <a:pos x="connsiteX24" y="connsiteY24"/>
-                </a:cxn>
-                <a:cxn ang="0">
-                  <a:pos x="connsiteX25" y="connsiteY25"/>
-                </a:cxn>
-                <a:cxn ang="0">
-                  <a:pos x="connsiteX26" y="connsiteY26"/>
-                </a:cxn>
-                <a:cxn ang="0">
-                  <a:pos x="connsiteX27" y="connsiteY27"/>
-                </a:cxn>
-                <a:cxn ang="0">
-                  <a:pos x="connsiteX28" y="connsiteY28"/>
-                </a:cxn>
-                <a:cxn ang="0">
-                  <a:pos x="connsiteX29" y="connsiteY29"/>
-                </a:cxn>
-                <a:cxn ang="0">
-                  <a:pos x="connsiteX30" y="connsiteY30"/>
-                </a:cxn>
-                <a:cxn ang="0">
-                  <a:pos x="connsiteX31" y="connsiteY31"/>
-                </a:cxn>
-              </a:cxnLst>
-              <a:rect l="l" t="t" r="r" b="b"/>
-              <a:pathLst>
-                <a:path w="2514948" h="2170178">
-                  <a:moveTo>
-                    <a:pt x="2466091" y="0"/>
-                  </a:moveTo>
-                  <a:lnTo>
-                    <a:pt x="2514948" y="0"/>
-                  </a:lnTo>
-                  <a:lnTo>
-                    <a:pt x="2512286" y="12375"/>
-                  </a:lnTo>
-                  <a:cubicBezTo>
-                    <a:pt x="2481760" y="133161"/>
-                    <a:pt x="2442526" y="252239"/>
-                    <a:pt x="2394961" y="368660"/>
-                  </a:cubicBezTo>
-                  <a:cubicBezTo>
-                    <a:pt x="2363109" y="446208"/>
-                    <a:pt x="2328603" y="523039"/>
-                    <a:pt x="2289734" y="598078"/>
-                  </a:cubicBezTo>
-                  <a:cubicBezTo>
-                    <a:pt x="2251436" y="673387"/>
-                    <a:pt x="2209251" y="747083"/>
-                    <a:pt x="2163747" y="819078"/>
-                  </a:cubicBezTo>
-                  <a:cubicBezTo>
-                    <a:pt x="2072646" y="962979"/>
-                    <a:pt x="1968652" y="1100611"/>
-                    <a:pt x="1852241" y="1228932"/>
-                  </a:cubicBezTo>
-                  <a:cubicBezTo>
-                    <a:pt x="1793748" y="1292868"/>
-                    <a:pt x="1732698" y="1354923"/>
-                    <a:pt x="1668235" y="1413844"/>
-                  </a:cubicBezTo>
-                  <a:cubicBezTo>
-                    <a:pt x="1652214" y="1428709"/>
-                    <a:pt x="1636100" y="1443395"/>
-                    <a:pt x="1619510" y="1457722"/>
-                  </a:cubicBezTo>
-                  <a:cubicBezTo>
-                    <a:pt x="1603015" y="1472140"/>
-                    <a:pt x="1586805" y="1486825"/>
-                    <a:pt x="1569835" y="1500704"/>
-                  </a:cubicBezTo>
-                  <a:cubicBezTo>
-                    <a:pt x="1536276" y="1528911"/>
-                    <a:pt x="1501865" y="1556223"/>
-                    <a:pt x="1467169" y="1583266"/>
-                  </a:cubicBezTo>
-                  <a:cubicBezTo>
-                    <a:pt x="1327719" y="1690722"/>
-                    <a:pt x="1177085" y="1785910"/>
-                    <a:pt x="1018393" y="1867576"/>
-                  </a:cubicBezTo>
-                  <a:cubicBezTo>
-                    <a:pt x="780425" y="1990142"/>
-                    <a:pt x="522567" y="2080875"/>
-                    <a:pt x="255857" y="2133049"/>
-                  </a:cubicBezTo>
-                  <a:lnTo>
-                    <a:pt x="0" y="2170178"/>
-                  </a:lnTo>
-                  <a:lnTo>
-                    <a:pt x="0" y="1940056"/>
-                  </a:lnTo>
-                  <a:lnTo>
-                    <a:pt x="201609" y="1902856"/>
-                  </a:lnTo>
-                  <a:cubicBezTo>
-                    <a:pt x="282186" y="1884231"/>
-                    <a:pt x="362102" y="1863008"/>
-                    <a:pt x="440974" y="1838472"/>
-                  </a:cubicBezTo>
-                  <a:cubicBezTo>
-                    <a:pt x="519848" y="1814027"/>
-                    <a:pt x="597771" y="1786627"/>
-                    <a:pt x="674558" y="1756359"/>
-                  </a:cubicBezTo>
-                  <a:cubicBezTo>
-                    <a:pt x="751250" y="1726003"/>
-                    <a:pt x="826900" y="1692870"/>
-                    <a:pt x="901222" y="1657142"/>
-                  </a:cubicBezTo>
-                  <a:cubicBezTo>
-                    <a:pt x="1049865" y="1585774"/>
-                    <a:pt x="1193581" y="1504376"/>
-                    <a:pt x="1330943" y="1413396"/>
-                  </a:cubicBezTo>
-                  <a:cubicBezTo>
-                    <a:pt x="1365165" y="1390563"/>
-                    <a:pt x="1399293" y="1367370"/>
-                    <a:pt x="1432566" y="1343193"/>
-                  </a:cubicBezTo>
-                  <a:cubicBezTo>
-                    <a:pt x="1449441" y="1331373"/>
-                    <a:pt x="1465936" y="1319104"/>
-                    <a:pt x="1482527" y="1306926"/>
-                  </a:cubicBezTo>
-                  <a:cubicBezTo>
-                    <a:pt x="1499210" y="1294837"/>
-                    <a:pt x="1515611" y="1282391"/>
-                    <a:pt x="1531821" y="1269765"/>
-                  </a:cubicBezTo>
-                  <a:cubicBezTo>
-                    <a:pt x="1596947" y="1219350"/>
-                    <a:pt x="1660652" y="1167055"/>
-                    <a:pt x="1721986" y="1112073"/>
-                  </a:cubicBezTo>
-                  <a:cubicBezTo>
-                    <a:pt x="1844940" y="1002469"/>
-                    <a:pt x="1958983" y="882926"/>
-                    <a:pt x="2061460" y="754336"/>
-                  </a:cubicBezTo>
-                  <a:cubicBezTo>
-                    <a:pt x="2112652" y="690042"/>
-                    <a:pt x="2161094" y="623510"/>
-                    <a:pt x="2206218" y="554827"/>
-                  </a:cubicBezTo>
-                  <a:cubicBezTo>
-                    <a:pt x="2250583" y="485787"/>
-                    <a:pt x="2292484" y="415046"/>
-                    <a:pt x="2329455" y="341886"/>
-                  </a:cubicBezTo>
-                  <a:cubicBezTo>
-                    <a:pt x="2339030" y="323709"/>
-                    <a:pt x="2347941" y="305261"/>
-                    <a:pt x="2356757" y="286815"/>
-                  </a:cubicBezTo>
-                  <a:lnTo>
-                    <a:pt x="2370030" y="259056"/>
-                  </a:lnTo>
-                  <a:lnTo>
-                    <a:pt x="2382637" y="231028"/>
-                  </a:lnTo>
-                  <a:cubicBezTo>
-                    <a:pt x="2390885" y="212312"/>
-                    <a:pt x="2399227" y="193598"/>
-                    <a:pt x="2406716" y="174525"/>
-                  </a:cubicBezTo>
-                  <a:cubicBezTo>
-                    <a:pt x="2414206" y="155452"/>
-                    <a:pt x="2422453" y="136646"/>
-                    <a:pt x="2429278" y="117393"/>
-                  </a:cubicBezTo>
-                  <a:close/>
-                </a:path>
-              </a:pathLst>
-            </a:custGeom>
-            <a:gradFill>
-              <a:gsLst>
-                <a:gs pos="2000">
-                  <a:schemeClr val="bg1">
-                    <a:alpha val="10000"/>
-                  </a:schemeClr>
-                </a:gs>
-                <a:gs pos="16000">
-                  <a:schemeClr val="accent6">
-                    <a:alpha val="10000"/>
-                  </a:schemeClr>
-                </a:gs>
-                <a:gs pos="100000">
-                  <a:schemeClr val="bg1">
-                    <a:alpha val="10000"/>
-                  </a:schemeClr>
-                </a:gs>
-                <a:gs pos="85000">
-                  <a:schemeClr val="accent1">
-                    <a:alpha val="10000"/>
-                  </a:schemeClr>
-                </a:gs>
-              </a:gsLst>
-              <a:lin ang="12000000" scaled="0"/>
-            </a:gradFill>
-            <a:ln>
-              <a:noFill/>
-            </a:ln>
-          </p:spPr>
-          <p:style>
-            <a:lnRef idx="2">
-              <a:schemeClr val="accent1">
-                <a:shade val="50000"/>
-              </a:schemeClr>
-            </a:lnRef>
-            <a:fillRef idx="1">
-              <a:schemeClr val="accent1"/>
-            </a:fillRef>
-            <a:effectRef idx="0">
-              <a:schemeClr val="accent1"/>
-            </a:effectRef>
-            <a:fontRef idx="minor">
-              <a:schemeClr val="lt1"/>
-            </a:fontRef>
-          </p:style>
-          <p:txBody>
-            <a:bodyPr rtlCol="0" anchor="ctr"/>
-            <a:lstStyle/>
-            <a:p>
-              <a:pPr algn="ctr"/>
-              <a:endParaRPr lang="en-US"/>
-            </a:p>
-          </p:txBody>
-        </p:sp>
-        <p:sp>
-          <p:nvSpPr>
-            <p:cNvPr id="47" name="Freeform: Shape 46">
-              <a:extLst>
-                <a:ext uri="{FF2B5EF4-FFF2-40B4-BE49-F238E27FC236}">
-                  <a16:creationId xmlns:a16="http://schemas.microsoft.com/office/drawing/2014/main" id="{9BB94CDF-5C33-4B0A-B53F-50762639C1C3}"/>
-                </a:ext>
-                <a:ext uri="{C183D7F6-B498-43B3-948B-1728B52AA6E4}">
-                  <adec:decorative xmlns:adec="http://schemas.microsoft.com/office/drawing/2017/decorative" val="1"/>
-                </a:ext>
-              </a:extLst>
-            </p:cNvPr>
-            <p:cNvSpPr/>
-            <p:nvPr>
-              <p:extLst>
-                <p:ext uri="{386F3935-93C4-4BCD-93E2-E3B085C9AB24}">
-                  <p16:designElem xmlns:p16="http://schemas.microsoft.com/office/powerpoint/2015/main" val="1"/>
-                </p:ext>
-              </p:extLst>
-            </p:nvPr>
-          </p:nvSpPr>
-          <p:spPr>
-            <a:xfrm>
-              <a:off x="-305" y="-4155"/>
-              <a:ext cx="2493062" cy="1947896"/>
-            </a:xfrm>
-            <a:custGeom>
-              <a:avLst/>
-              <a:gdLst>
-                <a:gd name="connsiteX0" fmla="*/ 1896911 w 2493062"/>
-                <a:gd name="connsiteY0" fmla="*/ 0 h 1947896"/>
-                <a:gd name="connsiteX1" fmla="*/ 2493062 w 2493062"/>
-                <a:gd name="connsiteY1" fmla="*/ 0 h 1947896"/>
-                <a:gd name="connsiteX2" fmla="*/ 2435315 w 2493062"/>
-                <a:gd name="connsiteY2" fmla="*/ 178165 h 1947896"/>
-                <a:gd name="connsiteX3" fmla="*/ 93066 w 2493062"/>
-                <a:gd name="connsiteY3" fmla="*/ 1935859 h 1947896"/>
-                <a:gd name="connsiteX4" fmla="*/ 0 w 2493062"/>
-                <a:gd name="connsiteY4" fmla="*/ 1947896 h 1947896"/>
-                <a:gd name="connsiteX5" fmla="*/ 0 w 2493062"/>
-                <a:gd name="connsiteY5" fmla="*/ 1404756 h 1947896"/>
-                <a:gd name="connsiteX6" fmla="*/ 17392 w 2493062"/>
-                <a:gd name="connsiteY6" fmla="*/ 1402364 h 1947896"/>
-                <a:gd name="connsiteX7" fmla="*/ 464249 w 2493062"/>
-                <a:gd name="connsiteY7" fmla="*/ 1281208 h 1947896"/>
-                <a:gd name="connsiteX8" fmla="*/ 1260556 w 2493062"/>
-                <a:gd name="connsiteY8" fmla="*/ 833835 h 1947896"/>
-                <a:gd name="connsiteX9" fmla="*/ 1807924 w 2493062"/>
-                <a:gd name="connsiteY9" fmla="*/ 193222 h 1947896"/>
-                <a:gd name="connsiteX10" fmla="*/ 1874357 w 2493062"/>
-                <a:gd name="connsiteY10" fmla="*/ 58333 h 1947896"/>
-              </a:gdLst>
-              <a:ahLst/>
-              <a:cxnLst>
-                <a:cxn ang="0">
-                  <a:pos x="connsiteX0" y="connsiteY0"/>
-                </a:cxn>
-                <a:cxn ang="0">
-                  <a:pos x="connsiteX1" y="connsiteY1"/>
-                </a:cxn>
-                <a:cxn ang="0">
-                  <a:pos x="connsiteX2" y="connsiteY2"/>
-                </a:cxn>
-                <a:cxn ang="0">
-                  <a:pos x="connsiteX3" y="connsiteY3"/>
-                </a:cxn>
-                <a:cxn ang="0">
-                  <a:pos x="connsiteX4" y="connsiteY4"/>
-                </a:cxn>
-                <a:cxn ang="0">
-                  <a:pos x="connsiteX5" y="connsiteY5"/>
-                </a:cxn>
-                <a:cxn ang="0">
-                  <a:pos x="connsiteX6" y="connsiteY6"/>
-                </a:cxn>
-                <a:cxn ang="0">
-                  <a:pos x="connsiteX7" y="connsiteY7"/>
-                </a:cxn>
-                <a:cxn ang="0">
-                  <a:pos x="connsiteX8" y="connsiteY8"/>
-                </a:cxn>
-                <a:cxn ang="0">
-                  <a:pos x="connsiteX9" y="connsiteY9"/>
-                </a:cxn>
-                <a:cxn ang="0">
-                  <a:pos x="connsiteX10" y="connsiteY10"/>
-                </a:cxn>
-              </a:cxnLst>
-              <a:rect l="l" t="t" r="r" b="b"/>
-              <a:pathLst>
-                <a:path w="2493062" h="1947896">
-                  <a:moveTo>
-                    <a:pt x="1896911" y="0"/>
-                  </a:moveTo>
-                  <a:lnTo>
-                    <a:pt x="2493062" y="0"/>
-                  </a:lnTo>
-                  <a:lnTo>
-                    <a:pt x="2435315" y="178165"/>
-                  </a:lnTo>
-                  <a:cubicBezTo>
-                    <a:pt x="2088122" y="1071812"/>
-                    <a:pt x="1129732" y="1758033"/>
-                    <a:pt x="93066" y="1935859"/>
-                  </a:cubicBezTo>
-                  <a:lnTo>
-                    <a:pt x="0" y="1947896"/>
-                  </a:lnTo>
-                  <a:lnTo>
-                    <a:pt x="0" y="1404756"/>
-                  </a:lnTo>
-                  <a:lnTo>
-                    <a:pt x="17392" y="1402364"/>
-                  </a:lnTo>
-                  <a:cubicBezTo>
-                    <a:pt x="167719" y="1375030"/>
-                    <a:pt x="318070" y="1334398"/>
-                    <a:pt x="464249" y="1281208"/>
-                  </a:cubicBezTo>
-                  <a:cubicBezTo>
-                    <a:pt x="753480" y="1176081"/>
-                    <a:pt x="1028869" y="1021346"/>
-                    <a:pt x="1260556" y="833835"/>
-                  </a:cubicBezTo>
-                  <a:cubicBezTo>
-                    <a:pt x="1491960" y="646594"/>
-                    <a:pt x="1681177" y="425056"/>
-                    <a:pt x="1807924" y="193222"/>
-                  </a:cubicBezTo>
-                  <a:cubicBezTo>
-                    <a:pt x="1832328" y="148578"/>
-                    <a:pt x="1854477" y="103599"/>
-                    <a:pt x="1874357" y="58333"/>
-                  </a:cubicBezTo>
-                  <a:close/>
-                </a:path>
-              </a:pathLst>
-            </a:custGeom>
-            <a:gradFill>
-              <a:gsLst>
-                <a:gs pos="2000">
-                  <a:schemeClr val="bg1">
-                    <a:alpha val="10000"/>
-                  </a:schemeClr>
-                </a:gs>
-                <a:gs pos="16000">
-                  <a:schemeClr val="accent6">
-                    <a:alpha val="10000"/>
-                  </a:schemeClr>
-                </a:gs>
-                <a:gs pos="100000">
-                  <a:schemeClr val="bg1">
-                    <a:alpha val="10000"/>
-                  </a:schemeClr>
-                </a:gs>
-                <a:gs pos="85000">
-                  <a:schemeClr val="accent1">
-                    <a:alpha val="10000"/>
-                  </a:schemeClr>
-                </a:gs>
-              </a:gsLst>
-              <a:lin ang="12000000" scaled="0"/>
-            </a:gradFill>
-            <a:ln>
-              <a:noFill/>
-            </a:ln>
-          </p:spPr>
-          <p:style>
-            <a:lnRef idx="2">
-              <a:schemeClr val="accent1">
-                <a:shade val="50000"/>
-              </a:schemeClr>
-            </a:lnRef>
-            <a:fillRef idx="1">
-              <a:schemeClr val="accent1"/>
-            </a:fillRef>
-            <a:effectRef idx="0">
-              <a:schemeClr val="accent1"/>
-            </a:effectRef>
-            <a:fontRef idx="minor">
-              <a:schemeClr val="lt1"/>
-            </a:fontRef>
-          </p:style>
-          <p:txBody>
-            <a:bodyPr rtlCol="0" anchor="ctr"/>
-            <a:lstStyle/>
-            <a:p>
-              <a:pPr algn="ctr"/>
-              <a:endParaRPr lang="en-US"/>
-            </a:p>
-          </p:txBody>
-        </p:sp>
-        <p:sp>
-          <p:nvSpPr>
-            <p:cNvPr id="48" name="Freeform: Shape 47">
-              <a:extLst>
-                <a:ext uri="{FF2B5EF4-FFF2-40B4-BE49-F238E27FC236}">
-                  <a16:creationId xmlns:a16="http://schemas.microsoft.com/office/drawing/2014/main" id="{D3C92F9D-544D-4691-94A7-B937CF4BE369}"/>
-                </a:ext>
-                <a:ext uri="{C183D7F6-B498-43B3-948B-1728B52AA6E4}">
-                  <adec:decorative xmlns:adec="http://schemas.microsoft.com/office/drawing/2017/decorative" val="1"/>
-                </a:ext>
-              </a:extLst>
-            </p:cNvPr>
-            <p:cNvSpPr/>
-            <p:nvPr>
-              <p:extLst>
-                <p:ext uri="{386F3935-93C4-4BCD-93E2-E3B085C9AB24}">
-                  <p16:designElem xmlns:p16="http://schemas.microsoft.com/office/powerpoint/2015/main" val="1"/>
-                </p:ext>
-              </p:extLst>
-            </p:nvPr>
-          </p:nvSpPr>
-          <p:spPr>
-            <a:xfrm>
-              <a:off x="-305" y="0"/>
-              <a:ext cx="2501089" cy="1972702"/>
-            </a:xfrm>
-            <a:custGeom>
-              <a:avLst/>
-              <a:gdLst>
-                <a:gd name="connsiteX0" fmla="*/ 2318728 w 2501089"/>
-                <a:gd name="connsiteY0" fmla="*/ 0 h 1972702"/>
-                <a:gd name="connsiteX1" fmla="*/ 2501089 w 2501089"/>
-                <a:gd name="connsiteY1" fmla="*/ 0 h 1972702"/>
-                <a:gd name="connsiteX2" fmla="*/ 2453909 w 2501089"/>
-                <a:gd name="connsiteY2" fmla="*/ 167837 h 1972702"/>
-                <a:gd name="connsiteX3" fmla="*/ 2361125 w 2501089"/>
-                <a:gd name="connsiteY3" fmla="*/ 392084 h 1972702"/>
-                <a:gd name="connsiteX4" fmla="*/ 1768255 w 2501089"/>
-                <a:gd name="connsiteY4" fmla="*/ 1167644 h 1972702"/>
-                <a:gd name="connsiteX5" fmla="*/ 1375125 w 2501089"/>
-                <a:gd name="connsiteY5" fmla="*/ 1471474 h 1972702"/>
-                <a:gd name="connsiteX6" fmla="*/ 935735 w 2501089"/>
-                <a:gd name="connsiteY6" fmla="*/ 1712713 h 1972702"/>
-                <a:gd name="connsiteX7" fmla="*/ 212353 w 2501089"/>
-                <a:gd name="connsiteY7" fmla="*/ 1940294 h 1972702"/>
-                <a:gd name="connsiteX8" fmla="*/ 0 w 2501089"/>
-                <a:gd name="connsiteY8" fmla="*/ 1972702 h 1972702"/>
-                <a:gd name="connsiteX9" fmla="*/ 0 w 2501089"/>
-                <a:gd name="connsiteY9" fmla="*/ 1732181 h 1972702"/>
-                <a:gd name="connsiteX10" fmla="*/ 161195 w 2501089"/>
-                <a:gd name="connsiteY10" fmla="*/ 1706590 h 1972702"/>
-                <a:gd name="connsiteX11" fmla="*/ 388463 w 2501089"/>
-                <a:gd name="connsiteY11" fmla="*/ 1652268 h 1972702"/>
-                <a:gd name="connsiteX12" fmla="*/ 826716 w 2501089"/>
-                <a:gd name="connsiteY12" fmla="*/ 1493950 h 1972702"/>
-                <a:gd name="connsiteX13" fmla="*/ 1609847 w 2501089"/>
-                <a:gd name="connsiteY13" fmla="*/ 1007535 h 1972702"/>
-                <a:gd name="connsiteX14" fmla="*/ 1929982 w 2501089"/>
-                <a:gd name="connsiteY14" fmla="*/ 682930 h 1972702"/>
-                <a:gd name="connsiteX15" fmla="*/ 2183093 w 2501089"/>
-                <a:gd name="connsiteY15" fmla="*/ 310149 h 1972702"/>
-                <a:gd name="connsiteX16" fmla="*/ 2280286 w 2501089"/>
-                <a:gd name="connsiteY16" fmla="*/ 108435 h 1972702"/>
-              </a:gdLst>
-              <a:ahLst/>
-              <a:cxnLst>
-                <a:cxn ang="0">
-                  <a:pos x="connsiteX0" y="connsiteY0"/>
-                </a:cxn>
-                <a:cxn ang="0">
-                  <a:pos x="connsiteX1" y="connsiteY1"/>
-                </a:cxn>
-                <a:cxn ang="0">
-                  <a:pos x="connsiteX2" y="connsiteY2"/>
-                </a:cxn>
-                <a:cxn ang="0">
-                  <a:pos x="connsiteX3" y="connsiteY3"/>
-                </a:cxn>
-                <a:cxn ang="0">
-                  <a:pos x="connsiteX4" y="connsiteY4"/>
-                </a:cxn>
-                <a:cxn ang="0">
-                  <a:pos x="connsiteX5" y="connsiteY5"/>
-                </a:cxn>
-                <a:cxn ang="0">
-                  <a:pos x="connsiteX6" y="connsiteY6"/>
-                </a:cxn>
-                <a:cxn ang="0">
-                  <a:pos x="connsiteX7" y="connsiteY7"/>
-                </a:cxn>
-                <a:cxn ang="0">
-                  <a:pos x="connsiteX8" y="connsiteY8"/>
-                </a:cxn>
-                <a:cxn ang="0">
-                  <a:pos x="connsiteX9" y="connsiteY9"/>
-                </a:cxn>
-                <a:cxn ang="0">
-                  <a:pos x="connsiteX10" y="connsiteY10"/>
-                </a:cxn>
-                <a:cxn ang="0">
-                  <a:pos x="connsiteX11" y="connsiteY11"/>
-                </a:cxn>
-                <a:cxn ang="0">
-                  <a:pos x="connsiteX12" y="connsiteY12"/>
-                </a:cxn>
-                <a:cxn ang="0">
-                  <a:pos x="connsiteX13" y="connsiteY13"/>
-                </a:cxn>
-                <a:cxn ang="0">
-                  <a:pos x="connsiteX14" y="connsiteY14"/>
-                </a:cxn>
-                <a:cxn ang="0">
-                  <a:pos x="connsiteX15" y="connsiteY15"/>
-                </a:cxn>
-                <a:cxn ang="0">
-                  <a:pos x="connsiteX16" y="connsiteY16"/>
-                </a:cxn>
-              </a:cxnLst>
-              <a:rect l="l" t="t" r="r" b="b"/>
-              <a:pathLst>
-                <a:path w="2501089" h="1972702">
-                  <a:moveTo>
-                    <a:pt x="2318728" y="0"/>
-                  </a:moveTo>
-                  <a:lnTo>
-                    <a:pt x="2501089" y="0"/>
-                  </a:lnTo>
-                  <a:lnTo>
-                    <a:pt x="2453909" y="167837"/>
-                  </a:lnTo>
-                  <a:cubicBezTo>
-                    <a:pt x="2427555" y="244153"/>
-                    <a:pt x="2396627" y="319103"/>
-                    <a:pt x="2361125" y="392084"/>
-                  </a:cubicBezTo>
-                  <a:cubicBezTo>
-                    <a:pt x="2218453" y="684005"/>
-                    <a:pt x="2011698" y="945211"/>
-                    <a:pt x="1768255" y="1167644"/>
-                  </a:cubicBezTo>
-                  <a:cubicBezTo>
-                    <a:pt x="1646250" y="1278860"/>
-                    <a:pt x="1514385" y="1380316"/>
-                    <a:pt x="1375125" y="1471474"/>
-                  </a:cubicBezTo>
-                  <a:cubicBezTo>
-                    <a:pt x="1235677" y="1562542"/>
-                    <a:pt x="1088928" y="1643672"/>
-                    <a:pt x="935735" y="1712713"/>
-                  </a:cubicBezTo>
-                  <a:cubicBezTo>
-                    <a:pt x="705659" y="1815533"/>
-                    <a:pt x="462359" y="1892212"/>
-                    <a:pt x="212353" y="1940294"/>
-                  </a:cubicBezTo>
-                  <a:lnTo>
-                    <a:pt x="0" y="1972702"/>
-                  </a:lnTo>
-                  <a:lnTo>
-                    <a:pt x="0" y="1732181"/>
-                  </a:lnTo>
-                  <a:lnTo>
-                    <a:pt x="161195" y="1706590"/>
-                  </a:lnTo>
-                  <a:cubicBezTo>
-                    <a:pt x="237638" y="1691378"/>
-                    <a:pt x="313477" y="1673222"/>
-                    <a:pt x="388463" y="1652268"/>
-                  </a:cubicBezTo>
-                  <a:cubicBezTo>
-                    <a:pt x="538529" y="1610539"/>
-                    <a:pt x="684898" y="1556543"/>
-                    <a:pt x="826716" y="1493950"/>
-                  </a:cubicBezTo>
-                  <a:cubicBezTo>
-                    <a:pt x="1111207" y="1370107"/>
-                    <a:pt x="1376832" y="1205881"/>
-                    <a:pt x="1609847" y="1007535"/>
-                  </a:cubicBezTo>
-                  <a:cubicBezTo>
-                    <a:pt x="1725975" y="908049"/>
-                    <a:pt x="1833571" y="799519"/>
-                    <a:pt x="1929982" y="682930"/>
-                  </a:cubicBezTo>
-                  <a:cubicBezTo>
-                    <a:pt x="2026581" y="566520"/>
-                    <a:pt x="2111806" y="441692"/>
-                    <a:pt x="2183093" y="310149"/>
-                  </a:cubicBezTo>
-                  <a:cubicBezTo>
-                    <a:pt x="2218738" y="244422"/>
-                    <a:pt x="2251396" y="177150"/>
-                    <a:pt x="2280286" y="108435"/>
-                  </a:cubicBezTo>
-                  <a:close/>
-                </a:path>
-              </a:pathLst>
-            </a:custGeom>
-            <a:gradFill>
-              <a:gsLst>
-                <a:gs pos="2000">
-                  <a:schemeClr val="bg1">
-                    <a:alpha val="10000"/>
-                  </a:schemeClr>
-                </a:gs>
-                <a:gs pos="16000">
-                  <a:schemeClr val="accent6">
-                    <a:alpha val="10000"/>
-                  </a:schemeClr>
-                </a:gs>
-                <a:gs pos="100000">
-                  <a:schemeClr val="bg1">
-                    <a:alpha val="10000"/>
-                  </a:schemeClr>
-                </a:gs>
-                <a:gs pos="85000">
-                  <a:schemeClr val="accent1">
-                    <a:alpha val="10000"/>
-                  </a:schemeClr>
-                </a:gs>
-              </a:gsLst>
-              <a:lin ang="12000000" scaled="0"/>
-            </a:gradFill>
-            <a:ln>
-              <a:noFill/>
-            </a:ln>
-          </p:spPr>
-          <p:style>
-            <a:lnRef idx="2">
-              <a:schemeClr val="accent1">
-                <a:shade val="50000"/>
-              </a:schemeClr>
-            </a:lnRef>
-            <a:fillRef idx="1">
-              <a:schemeClr val="accent1"/>
-            </a:fillRef>
-            <a:effectRef idx="0">
-              <a:schemeClr val="accent1"/>
-            </a:effectRef>
-            <a:fontRef idx="minor">
-              <a:schemeClr val="lt1"/>
-            </a:fontRef>
-          </p:style>
-          <p:txBody>
-            <a:bodyPr wrap="square" rtlCol="0" anchor="ctr">
-              <a:noAutofit/>
-            </a:bodyPr>
-            <a:lstStyle/>
-            <a:p>
-              <a:pPr algn="ctr"/>
-              <a:endParaRPr lang="en-US" sz="800"/>
-            </a:p>
-          </p:txBody>
-        </p:sp>
-        <p:sp>
-          <p:nvSpPr>
-            <p:cNvPr id="49" name="Freeform: Shape 48">
-              <a:extLst>
-                <a:ext uri="{FF2B5EF4-FFF2-40B4-BE49-F238E27FC236}">
-                  <a16:creationId xmlns:a16="http://schemas.microsoft.com/office/drawing/2014/main" id="{DCA4DEE4-B7B4-47F4-A9C5-31AED8369A8C}"/>
-                </a:ext>
-                <a:ext uri="{C183D7F6-B498-43B3-948B-1728B52AA6E4}">
-                  <adec:decorative xmlns:adec="http://schemas.microsoft.com/office/drawing/2017/decorative" val="1"/>
-                </a:ext>
-              </a:extLst>
-            </p:cNvPr>
-            <p:cNvSpPr/>
-            <p:nvPr>
-              <p:extLst>
-                <p:ext uri="{386F3935-93C4-4BCD-93E2-E3B085C9AB24}">
-                  <p16:designElem xmlns:p16="http://schemas.microsoft.com/office/powerpoint/2015/main" val="1"/>
-                </p:ext>
-              </p:extLst>
-            </p:nvPr>
-          </p:nvSpPr>
-          <p:spPr>
-            <a:xfrm>
-              <a:off x="305" y="1"/>
-              <a:ext cx="2491105" cy="1943661"/>
-            </a:xfrm>
-            <a:custGeom>
-              <a:avLst/>
-              <a:gdLst>
-                <a:gd name="connsiteX0" fmla="*/ 1995408 w 2491105"/>
-                <a:gd name="connsiteY0" fmla="*/ 0 h 1943661"/>
-                <a:gd name="connsiteX1" fmla="*/ 2491105 w 2491105"/>
-                <a:gd name="connsiteY1" fmla="*/ 0 h 1943661"/>
-                <a:gd name="connsiteX2" fmla="*/ 2434705 w 2491105"/>
-                <a:gd name="connsiteY2" fmla="*/ 174009 h 1943661"/>
-                <a:gd name="connsiteX3" fmla="*/ 92457 w 2491105"/>
-                <a:gd name="connsiteY3" fmla="*/ 1931703 h 1943661"/>
-                <a:gd name="connsiteX4" fmla="*/ 0 w 2491105"/>
-                <a:gd name="connsiteY4" fmla="*/ 1943661 h 1943661"/>
-                <a:gd name="connsiteX5" fmla="*/ 0 w 2491105"/>
-                <a:gd name="connsiteY5" fmla="*/ 1491489 h 1943661"/>
-                <a:gd name="connsiteX6" fmla="*/ 34107 w 2491105"/>
-                <a:gd name="connsiteY6" fmla="*/ 1486836 h 1943661"/>
-                <a:gd name="connsiteX7" fmla="*/ 497577 w 2491105"/>
-                <a:gd name="connsiteY7" fmla="*/ 1360598 h 1943661"/>
-                <a:gd name="connsiteX8" fmla="*/ 1321566 w 2491105"/>
-                <a:gd name="connsiteY8" fmla="*/ 897645 h 1943661"/>
-                <a:gd name="connsiteX9" fmla="*/ 1891495 w 2491105"/>
-                <a:gd name="connsiteY9" fmla="*/ 230078 h 1943661"/>
-                <a:gd name="connsiteX10" fmla="*/ 1961469 w 2491105"/>
-                <a:gd name="connsiteY10" fmla="*/ 87885 h 1943661"/>
-              </a:gdLst>
-              <a:ahLst/>
-              <a:cxnLst>
-                <a:cxn ang="0">
-                  <a:pos x="connsiteX0" y="connsiteY0"/>
-                </a:cxn>
-                <a:cxn ang="0">
-                  <a:pos x="connsiteX1" y="connsiteY1"/>
-                </a:cxn>
-                <a:cxn ang="0">
-                  <a:pos x="connsiteX2" y="connsiteY2"/>
-                </a:cxn>
-                <a:cxn ang="0">
-                  <a:pos x="connsiteX3" y="connsiteY3"/>
-                </a:cxn>
-                <a:cxn ang="0">
-                  <a:pos x="connsiteX4" y="connsiteY4"/>
-                </a:cxn>
-                <a:cxn ang="0">
-                  <a:pos x="connsiteX5" y="connsiteY5"/>
-                </a:cxn>
-                <a:cxn ang="0">
-                  <a:pos x="connsiteX6" y="connsiteY6"/>
-                </a:cxn>
-                <a:cxn ang="0">
-                  <a:pos x="connsiteX7" y="connsiteY7"/>
-                </a:cxn>
-                <a:cxn ang="0">
-                  <a:pos x="connsiteX8" y="connsiteY8"/>
-                </a:cxn>
-                <a:cxn ang="0">
-                  <a:pos x="connsiteX9" y="connsiteY9"/>
-                </a:cxn>
-                <a:cxn ang="0">
-                  <a:pos x="connsiteX10" y="connsiteY10"/>
-                </a:cxn>
-              </a:cxnLst>
-              <a:rect l="l" t="t" r="r" b="b"/>
-              <a:pathLst>
-                <a:path w="2491105" h="1943661">
-                  <a:moveTo>
-                    <a:pt x="1995408" y="0"/>
-                  </a:moveTo>
-                  <a:lnTo>
-                    <a:pt x="2491105" y="0"/>
-                  </a:lnTo>
-                  <a:lnTo>
-                    <a:pt x="2434705" y="174009"/>
-                  </a:lnTo>
-                  <a:cubicBezTo>
-                    <a:pt x="2087512" y="1067655"/>
-                    <a:pt x="1129122" y="1753877"/>
-                    <a:pt x="92457" y="1931703"/>
-                  </a:cubicBezTo>
-                  <a:lnTo>
-                    <a:pt x="0" y="1943661"/>
-                  </a:lnTo>
-                  <a:lnTo>
-                    <a:pt x="0" y="1491489"/>
-                  </a:lnTo>
-                  <a:lnTo>
-                    <a:pt x="34107" y="1486836"/>
-                  </a:lnTo>
-                  <a:cubicBezTo>
-                    <a:pt x="189055" y="1458696"/>
-                    <a:pt x="343908" y="1416565"/>
-                    <a:pt x="497577" y="1360598"/>
-                  </a:cubicBezTo>
-                  <a:cubicBezTo>
-                    <a:pt x="796856" y="1251889"/>
-                    <a:pt x="1081725" y="1091781"/>
-                    <a:pt x="1321566" y="897645"/>
-                  </a:cubicBezTo>
-                  <a:cubicBezTo>
-                    <a:pt x="1565577" y="700195"/>
-                    <a:pt x="1757355" y="475523"/>
-                    <a:pt x="1891495" y="230078"/>
-                  </a:cubicBezTo>
-                  <a:cubicBezTo>
-                    <a:pt x="1917197" y="183033"/>
-                    <a:pt x="1940526" y="135619"/>
-                    <a:pt x="1961469" y="87885"/>
-                  </a:cubicBezTo>
-                  <a:close/>
-                </a:path>
-              </a:pathLst>
-            </a:custGeom>
-            <a:gradFill>
-              <a:gsLst>
-                <a:gs pos="2000">
-                  <a:schemeClr val="bg1">
-                    <a:alpha val="10000"/>
-                  </a:schemeClr>
-                </a:gs>
-                <a:gs pos="16000">
-                  <a:schemeClr val="accent6">
-                    <a:alpha val="10000"/>
-                  </a:schemeClr>
-                </a:gs>
-                <a:gs pos="100000">
-                  <a:schemeClr val="bg1">
-                    <a:alpha val="10000"/>
-                  </a:schemeClr>
-                </a:gs>
-                <a:gs pos="85000">
-                  <a:schemeClr val="accent1">
-                    <a:alpha val="10000"/>
-                  </a:schemeClr>
-                </a:gs>
-              </a:gsLst>
-              <a:lin ang="12000000" scaled="0"/>
-            </a:gradFill>
-            <a:ln>
-              <a:noFill/>
-            </a:ln>
-          </p:spPr>
-          <p:style>
-            <a:lnRef idx="2">
-              <a:schemeClr val="accent1">
-                <a:shade val="50000"/>
-              </a:schemeClr>
-            </a:lnRef>
-            <a:fillRef idx="1">
-              <a:schemeClr val="accent1"/>
-            </a:fillRef>
-            <a:effectRef idx="0">
-              <a:schemeClr val="accent1"/>
-            </a:effectRef>
-            <a:fontRef idx="minor">
-              <a:schemeClr val="lt1"/>
-            </a:fontRef>
-          </p:style>
-          <p:txBody>
-            <a:bodyPr rtlCol="0" anchor="ctr"/>
-            <a:lstStyle/>
-            <a:p>
-              <a:pPr algn="ctr"/>
-              <a:endParaRPr lang="en-US" dirty="0"/>
-            </a:p>
-          </p:txBody>
-        </p:sp>
-      </p:grpSp>
-      <p:sp>
-        <p:nvSpPr>
-          <p:cNvPr id="38" name="Content Placeholder 37">
-            <a:extLst>
-              <a:ext uri="{FF2B5EF4-FFF2-40B4-BE49-F238E27FC236}">
-                <a16:creationId xmlns:a16="http://schemas.microsoft.com/office/drawing/2014/main" id="{510B6076-EC05-1A70-2E38-3137DAB003A2}"/>
-              </a:ext>
-            </a:extLst>
-          </p:cNvPr>
-          <p:cNvSpPr>
-            <a:spLocks noGrp="1"/>
-          </p:cNvSpPr>
-          <p:nvPr>
-            <p:ph idx="1"/>
-          </p:nvPr>
-        </p:nvSpPr>
-        <p:spPr>
-          <a:xfrm>
-            <a:off x="6355641" y="338328"/>
-            <a:ext cx="5029200" cy="1773936"/>
-          </a:xfrm>
-        </p:spPr>
-        <p:txBody>
-          <a:bodyPr anchor="ctr">
-            <a:normAutofit/>
-          </a:bodyPr>
-          <a:lstStyle/>
-          <a:p>
-            <a:endParaRPr lang="en-US" sz="1800">
-              <a:solidFill>
-                <a:schemeClr val="tx2"/>
-              </a:solidFill>
             </a:endParaRPr>
           </a:p>
         </p:txBody>
@@ -18547,9 +14770,11 @@
             </a:extLst>
           </p:cNvPr>
           <p:cNvPicPr>
-            <a:picLocks noChangeAspect="1"/>
+            <a:picLocks noGrp="1" noChangeAspect="1"/>
           </p:cNvPicPr>
-          <p:nvPr/>
+          <p:nvPr>
+            <p:ph idx="1"/>
+          </p:nvPr>
         </p:nvPicPr>
         <p:blipFill>
           <a:blip r:embed="rId3"/>
@@ -18559,8 +14784,8 @@
         </p:blipFill>
         <p:spPr>
           <a:xfrm>
-            <a:off x="361499" y="2491718"/>
-            <a:ext cx="5073451" cy="3741670"/>
+            <a:off x="4816430" y="1596707"/>
+            <a:ext cx="5392547" cy="3977003"/>
           </a:xfrm>
           <a:prstGeom prst="rect">
             <a:avLst/>
@@ -18585,9 +14810,33 @@
   <p:cSld>
     <p:bg>
       <p:bgPr>
-        <a:solidFill>
-          <a:schemeClr val="bg1"/>
-        </a:solidFill>
+        <a:gradFill rotWithShape="1">
+          <a:gsLst>
+            <a:gs pos="0">
+              <a:schemeClr val="bg2">
+                <a:tint val="93000"/>
+                <a:satMod val="150000"/>
+                <a:shade val="98000"/>
+                <a:lumMod val="102000"/>
+              </a:schemeClr>
+            </a:gs>
+            <a:gs pos="50000">
+              <a:schemeClr val="bg2">
+                <a:tint val="98000"/>
+                <a:satMod val="130000"/>
+                <a:shade val="90000"/>
+                <a:lumMod val="103000"/>
+              </a:schemeClr>
+            </a:gs>
+            <a:gs pos="100000">
+              <a:schemeClr val="bg2">
+                <a:shade val="63000"/>
+                <a:satMod val="120000"/>
+              </a:schemeClr>
+            </a:gs>
+          </a:gsLst>
+          <a:lin ang="5400000" scaled="0"/>
+        </a:gradFill>
         <a:effectLst/>
       </p:bgPr>
     </p:bg>
@@ -18605,12 +14854,12 @@
           <a:chExt cx="0" cy="0"/>
         </a:xfrm>
       </p:grpSpPr>
-      <p:sp useBgFill="1">
+      <p:sp>
         <p:nvSpPr>
-          <p:cNvPr id="18" name="Rectangle 17">
+          <p:cNvPr id="25" name="Rectangle: Rounded Corners 24">
             <a:extLst>
               <a:ext uri="{FF2B5EF4-FFF2-40B4-BE49-F238E27FC236}">
-                <a16:creationId xmlns:a16="http://schemas.microsoft.com/office/drawing/2014/main" id="{C4879EFC-8E62-4E00-973C-C45EE9EC676D}"/>
+                <a16:creationId xmlns:a16="http://schemas.microsoft.com/office/drawing/2014/main" id="{6AA24DE7-C336-4994-8C52-D9B3F3D0FA4D}"/>
               </a:ext>
               <a:ext uri="{C183D7F6-B498-43B3-948B-1728B52AA6E4}">
                 <adec:decorative xmlns:adec="http://schemas.microsoft.com/office/drawing/2017/decorative" val="1"/>
@@ -18630,12 +14879,17 @@
         </p:nvSpPr>
         <p:spPr>
           <a:xfrm>
-            <a:off x="0" y="0"/>
-            <a:ext cx="12188952" cy="6858000"/>
+            <a:off x="953311" y="953311"/>
+            <a:ext cx="10603149" cy="5263867"/>
           </a:xfrm>
-          <a:prstGeom prst="rect">
-            <a:avLst/>
+          <a:prstGeom prst="roundRect">
+            <a:avLst>
+              <a:gd name="adj" fmla="val 1566"/>
+            </a:avLst>
           </a:prstGeom>
+          <a:solidFill>
+            <a:srgbClr val="FFFFFF"/>
+          </a:solidFill>
           <a:ln>
             <a:noFill/>
           </a:ln>
@@ -18683,12 +14937,20 @@
         </p:nvSpPr>
         <p:spPr>
           <a:xfrm>
-            <a:off x="638881" y="457200"/>
-            <a:ext cx="10909640" cy="1368614"/>
+            <a:off x="640080" y="640080"/>
+            <a:ext cx="2752354" cy="2709275"/>
           </a:xfrm>
-          <a:prstGeom prst="ellipse">
+          <a:prstGeom prst="rect">
             <a:avLst/>
           </a:prstGeom>
+          <a:solidFill>
+            <a:srgbClr val="693D7A"/>
+          </a:solidFill>
+          <a:ln>
+            <a:solidFill>
+              <a:srgbClr val="693D7A"/>
+            </a:solidFill>
+          </a:ln>
         </p:spPr>
         <p:txBody>
           <a:bodyPr vert="horz" lIns="91440" tIns="45720" rIns="91440" bIns="45720" rtlCol="0" anchor="ctr">
@@ -18698,293 +14960,24 @@
           <a:p>
             <a:pPr algn="ctr"/>
             <a:r>
-              <a:rPr lang="ja-JP" altLang="en-US" sz="6100"/>
+              <a:rPr lang="ja-JP" altLang="en-US" sz="2800" kern="1200">
+                <a:solidFill>
+                  <a:srgbClr val="FFFFFF"/>
+                </a:solidFill>
+                <a:latin typeface="+mj-lt"/>
+                <a:ea typeface="+mj-ea"/>
+                <a:cs typeface="+mj-cs"/>
+              </a:rPr>
               <a:t>ヘルプページ</a:t>
             </a:r>
-            <a:endParaRPr kumimoji="1" lang="en-US" altLang="ja-JP" sz="6100"/>
-          </a:p>
-        </p:txBody>
-      </p:sp>
-      <p:sp>
-        <p:nvSpPr>
-          <p:cNvPr id="20" name="sketch line">
-            <a:extLst>
-              <a:ext uri="{FF2B5EF4-FFF2-40B4-BE49-F238E27FC236}">
-                <a16:creationId xmlns:a16="http://schemas.microsoft.com/office/drawing/2014/main" id="{D6A9C53F-5F90-40A5-8C85-5412D39C8C68}"/>
-              </a:ext>
-              <a:ext uri="{C183D7F6-B498-43B3-948B-1728B52AA6E4}">
-                <adec:decorative xmlns:adec="http://schemas.microsoft.com/office/drawing/2017/decorative" val="1"/>
-              </a:ext>
-            </a:extLst>
-          </p:cNvPr>
-          <p:cNvSpPr>
-            <a:spLocks noGrp="1" noRot="1" noChangeAspect="1" noMove="1" noResize="1" noEditPoints="1" noAdjustHandles="1" noChangeArrowheads="1" noChangeShapeType="1" noTextEdit="1"/>
-          </p:cNvSpPr>
-          <p:nvPr>
-            <p:extLst>
-              <p:ext uri="{386F3935-93C4-4BCD-93E2-E3B085C9AB24}">
-                <p16:designElem xmlns:p16="http://schemas.microsoft.com/office/powerpoint/2015/main" val="1"/>
-              </p:ext>
-            </p:extLst>
-          </p:nvPr>
-        </p:nvSpPr>
-        <p:spPr>
-          <a:xfrm>
-            <a:off x="4450080" y="1850683"/>
-            <a:ext cx="3291840" cy="18288"/>
-          </a:xfrm>
-          <a:custGeom>
-            <a:avLst/>
-            <a:gdLst>
-              <a:gd name="connsiteX0" fmla="*/ 0 w 3291840"/>
-              <a:gd name="connsiteY0" fmla="*/ 0 h 18288"/>
-              <a:gd name="connsiteX1" fmla="*/ 658368 w 3291840"/>
-              <a:gd name="connsiteY1" fmla="*/ 0 h 18288"/>
-              <a:gd name="connsiteX2" fmla="*/ 1283818 w 3291840"/>
-              <a:gd name="connsiteY2" fmla="*/ 0 h 18288"/>
-              <a:gd name="connsiteX3" fmla="*/ 1909267 w 3291840"/>
-              <a:gd name="connsiteY3" fmla="*/ 0 h 18288"/>
-              <a:gd name="connsiteX4" fmla="*/ 2633472 w 3291840"/>
-              <a:gd name="connsiteY4" fmla="*/ 0 h 18288"/>
-              <a:gd name="connsiteX5" fmla="*/ 3291840 w 3291840"/>
-              <a:gd name="connsiteY5" fmla="*/ 0 h 18288"/>
-              <a:gd name="connsiteX6" fmla="*/ 3291840 w 3291840"/>
-              <a:gd name="connsiteY6" fmla="*/ 18288 h 18288"/>
-              <a:gd name="connsiteX7" fmla="*/ 2633472 w 3291840"/>
-              <a:gd name="connsiteY7" fmla="*/ 18288 h 18288"/>
-              <a:gd name="connsiteX8" fmla="*/ 2073859 w 3291840"/>
-              <a:gd name="connsiteY8" fmla="*/ 18288 h 18288"/>
-              <a:gd name="connsiteX9" fmla="*/ 1448410 w 3291840"/>
-              <a:gd name="connsiteY9" fmla="*/ 18288 h 18288"/>
-              <a:gd name="connsiteX10" fmla="*/ 822960 w 3291840"/>
-              <a:gd name="connsiteY10" fmla="*/ 18288 h 18288"/>
-              <a:gd name="connsiteX11" fmla="*/ 0 w 3291840"/>
-              <a:gd name="connsiteY11" fmla="*/ 18288 h 18288"/>
-              <a:gd name="connsiteX12" fmla="*/ 0 w 3291840"/>
-              <a:gd name="connsiteY12" fmla="*/ 0 h 18288"/>
-            </a:gdLst>
-            <a:ahLst/>
-            <a:cxnLst>
-              <a:cxn ang="0">
-                <a:pos x="connsiteX0" y="connsiteY0"/>
-              </a:cxn>
-              <a:cxn ang="0">
-                <a:pos x="connsiteX1" y="connsiteY1"/>
-              </a:cxn>
-              <a:cxn ang="0">
-                <a:pos x="connsiteX2" y="connsiteY2"/>
-              </a:cxn>
-              <a:cxn ang="0">
-                <a:pos x="connsiteX3" y="connsiteY3"/>
-              </a:cxn>
-              <a:cxn ang="0">
-                <a:pos x="connsiteX4" y="connsiteY4"/>
-              </a:cxn>
-              <a:cxn ang="0">
-                <a:pos x="connsiteX5" y="connsiteY5"/>
-              </a:cxn>
-              <a:cxn ang="0">
-                <a:pos x="connsiteX6" y="connsiteY6"/>
-              </a:cxn>
-              <a:cxn ang="0">
-                <a:pos x="connsiteX7" y="connsiteY7"/>
-              </a:cxn>
-              <a:cxn ang="0">
-                <a:pos x="connsiteX8" y="connsiteY8"/>
-              </a:cxn>
-              <a:cxn ang="0">
-                <a:pos x="connsiteX9" y="connsiteY9"/>
-              </a:cxn>
-              <a:cxn ang="0">
-                <a:pos x="connsiteX10" y="connsiteY10"/>
-              </a:cxn>
-              <a:cxn ang="0">
-                <a:pos x="connsiteX11" y="connsiteY11"/>
-              </a:cxn>
-              <a:cxn ang="0">
-                <a:pos x="connsiteX12" y="connsiteY12"/>
-              </a:cxn>
-            </a:cxnLst>
-            <a:rect l="l" t="t" r="r" b="b"/>
-            <a:pathLst>
-              <a:path w="3291840" h="18288" fill="none" extrusionOk="0">
-                <a:moveTo>
-                  <a:pt x="0" y="0"/>
-                </a:moveTo>
-                <a:cubicBezTo>
-                  <a:pt x="173077" y="-20031"/>
-                  <a:pt x="443104" y="6424"/>
-                  <a:pt x="658368" y="0"/>
-                </a:cubicBezTo>
-                <a:cubicBezTo>
-                  <a:pt x="873632" y="-6424"/>
-                  <a:pt x="1034028" y="11764"/>
-                  <a:pt x="1283818" y="0"/>
-                </a:cubicBezTo>
-                <a:cubicBezTo>
-                  <a:pt x="1533608" y="-11764"/>
-                  <a:pt x="1691227" y="-30112"/>
-                  <a:pt x="1909267" y="0"/>
-                </a:cubicBezTo>
-                <a:cubicBezTo>
-                  <a:pt x="2127307" y="30112"/>
-                  <a:pt x="2272465" y="-18735"/>
-                  <a:pt x="2633472" y="0"/>
-                </a:cubicBezTo>
-                <a:cubicBezTo>
-                  <a:pt x="2994479" y="18735"/>
-                  <a:pt x="3023324" y="-32030"/>
-                  <a:pt x="3291840" y="0"/>
-                </a:cubicBezTo>
-                <a:cubicBezTo>
-                  <a:pt x="3291406" y="7551"/>
-                  <a:pt x="3291373" y="9822"/>
-                  <a:pt x="3291840" y="18288"/>
-                </a:cubicBezTo>
-                <a:cubicBezTo>
-                  <a:pt x="3048445" y="38989"/>
-                  <a:pt x="2846548" y="-14400"/>
-                  <a:pt x="2633472" y="18288"/>
-                </a:cubicBezTo>
-                <a:cubicBezTo>
-                  <a:pt x="2420396" y="50976"/>
-                  <a:pt x="2304099" y="6336"/>
-                  <a:pt x="2073859" y="18288"/>
-                </a:cubicBezTo>
-                <a:cubicBezTo>
-                  <a:pt x="1843619" y="30240"/>
-                  <a:pt x="1706926" y="10778"/>
-                  <a:pt x="1448410" y="18288"/>
-                </a:cubicBezTo>
-                <a:cubicBezTo>
-                  <a:pt x="1189894" y="25798"/>
-                  <a:pt x="1002278" y="8992"/>
-                  <a:pt x="822960" y="18288"/>
-                </a:cubicBezTo>
-                <a:cubicBezTo>
-                  <a:pt x="643642" y="27585"/>
-                  <a:pt x="307039" y="38051"/>
-                  <a:pt x="0" y="18288"/>
-                </a:cubicBezTo>
-                <a:cubicBezTo>
-                  <a:pt x="60" y="11696"/>
-                  <a:pt x="66" y="3758"/>
-                  <a:pt x="0" y="0"/>
-                </a:cubicBezTo>
-                <a:close/>
-              </a:path>
-              <a:path w="3291840" h="18288" stroke="0" extrusionOk="0">
-                <a:moveTo>
-                  <a:pt x="0" y="0"/>
-                </a:moveTo>
-                <a:cubicBezTo>
-                  <a:pt x="195850" y="28018"/>
-                  <a:pt x="434891" y="17390"/>
-                  <a:pt x="592531" y="0"/>
-                </a:cubicBezTo>
-                <a:cubicBezTo>
-                  <a:pt x="750171" y="-17390"/>
-                  <a:pt x="1018709" y="32200"/>
-                  <a:pt x="1316736" y="0"/>
-                </a:cubicBezTo>
-                <a:cubicBezTo>
-                  <a:pt x="1614763" y="-32200"/>
-                  <a:pt x="1696480" y="-11367"/>
-                  <a:pt x="1876349" y="0"/>
-                </a:cubicBezTo>
-                <a:cubicBezTo>
-                  <a:pt x="2056218" y="11367"/>
-                  <a:pt x="2193364" y="13433"/>
-                  <a:pt x="2435962" y="0"/>
-                </a:cubicBezTo>
-                <a:cubicBezTo>
-                  <a:pt x="2678560" y="-13433"/>
-                  <a:pt x="3010901" y="-42367"/>
-                  <a:pt x="3291840" y="0"/>
-                </a:cubicBezTo>
-                <a:cubicBezTo>
-                  <a:pt x="3291758" y="4406"/>
-                  <a:pt x="3291751" y="9982"/>
-                  <a:pt x="3291840" y="18288"/>
-                </a:cubicBezTo>
-                <a:cubicBezTo>
-                  <a:pt x="3108993" y="14228"/>
-                  <a:pt x="2952658" y="46900"/>
-                  <a:pt x="2666390" y="18288"/>
-                </a:cubicBezTo>
-                <a:cubicBezTo>
-                  <a:pt x="2380122" y="-10324"/>
-                  <a:pt x="2263855" y="41055"/>
-                  <a:pt x="2040941" y="18288"/>
-                </a:cubicBezTo>
-                <a:cubicBezTo>
-                  <a:pt x="1818027" y="-4479"/>
-                  <a:pt x="1675097" y="6509"/>
-                  <a:pt x="1415491" y="18288"/>
-                </a:cubicBezTo>
-                <a:cubicBezTo>
-                  <a:pt x="1155885" y="30068"/>
-                  <a:pt x="852976" y="36210"/>
-                  <a:pt x="691286" y="18288"/>
-                </a:cubicBezTo>
-                <a:cubicBezTo>
-                  <a:pt x="529596" y="366"/>
-                  <a:pt x="187183" y="13912"/>
-                  <a:pt x="0" y="18288"/>
-                </a:cubicBezTo>
-                <a:cubicBezTo>
-                  <a:pt x="189" y="14288"/>
-                  <a:pt x="-703" y="3747"/>
-                  <a:pt x="0" y="0"/>
-                </a:cubicBezTo>
-                <a:close/>
-              </a:path>
-            </a:pathLst>
-          </a:custGeom>
-          <a:solidFill>
-            <a:schemeClr val="accent2"/>
-          </a:solidFill>
-          <a:ln w="41275" cap="rnd">
-            <a:solidFill>
-              <a:schemeClr val="accent2"/>
-            </a:solidFill>
-            <a:round/>
-            <a:extLst>
-              <a:ext uri="{C807C97D-BFC1-408E-A445-0C87EB9F89A2}">
-                <ask:lineSketchStyleProps xmlns:ask="http://schemas.microsoft.com/office/drawing/2018/sketchyshapes" sd="2863741219">
-                  <a:prstGeom prst="rect">
-                    <a:avLst/>
-                  </a:prstGeom>
-                  <ask:type>
-                    <ask:lineSketchFreehand/>
-                  </ask:type>
-                </ask:lineSketchStyleProps>
-              </a:ext>
-            </a:extLst>
-          </a:ln>
-        </p:spPr>
-        <p:style>
-          <a:lnRef idx="2">
-            <a:schemeClr val="accent1">
-              <a:shade val="50000"/>
-            </a:schemeClr>
-          </a:lnRef>
-          <a:fillRef idx="1">
-            <a:schemeClr val="accent1"/>
-          </a:fillRef>
-          <a:effectRef idx="0">
-            <a:schemeClr val="accent1"/>
-          </a:effectRef>
-          <a:fontRef idx="minor">
-            <a:schemeClr val="lt1"/>
-          </a:fontRef>
-        </p:style>
-        <p:txBody>
-          <a:bodyPr rtlCol="0" anchor="ctr"/>
-          <a:lstStyle/>
-          <a:p>
-            <a:pPr algn="ctr"/>
-            <a:endParaRPr lang="en-US"/>
+            <a:endParaRPr kumimoji="1" lang="en-US" altLang="ja-JP" sz="2800" kern="1200">
+              <a:solidFill>
+                <a:srgbClr val="FFFFFF"/>
+              </a:solidFill>
+              <a:latin typeface="+mj-lt"/>
+              <a:ea typeface="+mj-ea"/>
+              <a:cs typeface="+mj-cs"/>
+            </a:endParaRPr>
           </a:p>
         </p:txBody>
       </p:sp>
@@ -19012,8 +15005,8 @@
         </p:blipFill>
         <p:spPr>
           <a:xfrm>
-            <a:off x="320040" y="2845400"/>
-            <a:ext cx="5614416" cy="3200216"/>
+            <a:off x="4110665" y="1646046"/>
+            <a:ext cx="6804078" cy="3878324"/>
           </a:xfrm>
           <a:prstGeom prst="rect">
             <a:avLst/>
@@ -26261,7 +22254,7 @@
         </p:nvSpPr>
         <p:spPr>
           <a:xfrm>
-            <a:off x="3502731" y="1542402"/>
+            <a:off x="3397205" y="2170178"/>
             <a:ext cx="5186842" cy="2387918"/>
           </a:xfrm>
         </p:spPr>
